--- a/design/Pin Config.pptx
+++ b/design/Pin Config.pptx
@@ -104,6 +104,11 @@
       </a:defRPr>
     </a:lvl9pPr>
   </p:defaultTextStyle>
+  <p:extLst>
+    <p:ext uri="{EFAFB233-063F-42B5-8137-9DF3F51BA10A}">
+      <p15:sldGuideLst xmlns:p15="http://schemas.microsoft.com/office/powerpoint/2012/main"/>
+    </p:ext>
+  </p:extLst>
 </p:presentation>
 </file>
 
@@ -3437,12 +3442,13 @@
         </p:nvCxnSpPr>
         <p:spPr>
           <a:xfrm flipV="1">
-            <a:off x="4095123" y="2776991"/>
-            <a:ext cx="0" cy="1231623"/>
+            <a:off x="4095123" y="2746214"/>
+            <a:ext cx="0" cy="1277788"/>
           </a:xfrm>
           <a:prstGeom prst="line">
             <a:avLst/>
           </a:prstGeom>
+          <a:ln w="12700"/>
         </p:spPr>
         <p:style>
           <a:lnRef idx="3">
@@ -3474,7 +3480,7 @@
         <p:spPr>
           <a:xfrm>
             <a:off x="3782002" y="2530770"/>
-            <a:ext cx="626242" cy="246221"/>
+            <a:ext cx="626242" cy="215444"/>
           </a:xfrm>
           <a:prstGeom prst="rect">
             <a:avLst/>
@@ -3489,7 +3495,7 @@
           <a:p>
             <a:pPr algn="ctr"/>
             <a:r>
-              <a:rPr lang="en-CA" sz="1000" dirty="0"/>
+              <a:rPr lang="en-CA" sz="800" dirty="0"/>
               <a:t>USB-A 1</a:t>
             </a:r>
           </a:p>
@@ -3509,8 +3515,8 @@
         </p:nvSpPr>
         <p:spPr>
           <a:xfrm>
-            <a:off x="3712051" y="4008614"/>
-            <a:ext cx="766143" cy="246221"/>
+            <a:off x="3712051" y="4024002"/>
+            <a:ext cx="766143" cy="215444"/>
           </a:xfrm>
           <a:prstGeom prst="rect">
             <a:avLst/>
@@ -3525,12 +3531,1521 @@
           <a:p>
             <a:pPr algn="ctr"/>
             <a:r>
-              <a:rPr lang="en-CA" sz="1000" dirty="0"/>
+              <a:rPr lang="en-CA" sz="800" dirty="0"/>
               <a:t>Micro USB</a:t>
             </a:r>
           </a:p>
         </p:txBody>
       </p:sp>
+      <p:sp>
+        <p:nvSpPr>
+          <p:cNvPr id="3" name="矩形 2">
+            <a:extLst>
+              <a:ext uri="{FF2B5EF4-FFF2-40B4-BE49-F238E27FC236}">
+                <a16:creationId xmlns:a16="http://schemas.microsoft.com/office/drawing/2014/main" id="{4EDB03F7-26FC-6A8A-B3BA-2E329D440ADB}"/>
+              </a:ext>
+            </a:extLst>
+          </p:cNvPr>
+          <p:cNvSpPr/>
+          <p:nvPr/>
+        </p:nvSpPr>
+        <p:spPr>
+          <a:xfrm>
+            <a:off x="6181775" y="3746485"/>
+            <a:ext cx="452289" cy="452289"/>
+          </a:xfrm>
+          <a:prstGeom prst="rect">
+            <a:avLst/>
+          </a:prstGeom>
+        </p:spPr>
+        <p:style>
+          <a:lnRef idx="2">
+            <a:schemeClr val="dk1"/>
+          </a:lnRef>
+          <a:fillRef idx="1">
+            <a:schemeClr val="lt1"/>
+          </a:fillRef>
+          <a:effectRef idx="0">
+            <a:schemeClr val="dk1"/>
+          </a:effectRef>
+          <a:fontRef idx="minor">
+            <a:schemeClr val="dk1"/>
+          </a:fontRef>
+        </p:style>
+        <p:txBody>
+          <a:bodyPr rtlCol="0" anchor="ctr"/>
+          <a:lstStyle/>
+          <a:p>
+            <a:pPr algn="ctr"/>
+            <a:r>
+              <a:rPr lang="en-US" altLang="zh-CN" sz="800" dirty="0"/>
+              <a:t>HES 1</a:t>
+            </a:r>
+            <a:endParaRPr lang="en-CA" sz="800" dirty="0"/>
+          </a:p>
+        </p:txBody>
+      </p:sp>
+      <p:cxnSp>
+        <p:nvCxnSpPr>
+          <p:cNvPr id="11" name="连接符: 肘形 10">
+            <a:extLst>
+              <a:ext uri="{FF2B5EF4-FFF2-40B4-BE49-F238E27FC236}">
+                <a16:creationId xmlns:a16="http://schemas.microsoft.com/office/drawing/2014/main" id="{2F2AFD89-B687-C8DD-4018-7C0FCF708877}"/>
+              </a:ext>
+            </a:extLst>
+          </p:cNvPr>
+          <p:cNvCxnSpPr>
+            <a:cxnSpLocks/>
+            <a:stCxn id="61" idx="6"/>
+            <a:endCxn id="3" idx="1"/>
+          </p:cNvCxnSpPr>
+          <p:nvPr/>
+        </p:nvCxnSpPr>
+        <p:spPr>
+          <a:xfrm flipV="1">
+            <a:off x="4446402" y="3972630"/>
+            <a:ext cx="1735373" cy="1293389"/>
+          </a:xfrm>
+          <a:prstGeom prst="bentConnector3">
+            <a:avLst>
+              <a:gd name="adj1" fmla="val 82567"/>
+            </a:avLst>
+          </a:prstGeom>
+          <a:ln w="12700">
+            <a:solidFill>
+              <a:srgbClr val="000000">
+                <a:alpha val="50196"/>
+              </a:srgbClr>
+            </a:solidFill>
+          </a:ln>
+        </p:spPr>
+        <p:style>
+          <a:lnRef idx="3">
+            <a:schemeClr val="dk1"/>
+          </a:lnRef>
+          <a:fillRef idx="0">
+            <a:schemeClr val="dk1"/>
+          </a:fillRef>
+          <a:effectRef idx="2">
+            <a:schemeClr val="dk1"/>
+          </a:effectRef>
+          <a:fontRef idx="minor">
+            <a:schemeClr val="tx1"/>
+          </a:fontRef>
+        </p:style>
+      </p:cxnSp>
+      <p:sp>
+        <p:nvSpPr>
+          <p:cNvPr id="15" name="椭圆 14">
+            <a:extLst>
+              <a:ext uri="{FF2B5EF4-FFF2-40B4-BE49-F238E27FC236}">
+                <a16:creationId xmlns:a16="http://schemas.microsoft.com/office/drawing/2014/main" id="{839F710A-75BA-FB00-B6A4-CCA677BB1E0D}"/>
+              </a:ext>
+            </a:extLst>
+          </p:cNvPr>
+          <p:cNvSpPr/>
+          <p:nvPr/>
+        </p:nvSpPr>
+        <p:spPr>
+          <a:xfrm>
+            <a:off x="4401087" y="5561179"/>
+            <a:ext cx="45719" cy="45719"/>
+          </a:xfrm>
+          <a:prstGeom prst="ellipse">
+            <a:avLst/>
+          </a:prstGeom>
+        </p:spPr>
+        <p:style>
+          <a:lnRef idx="2">
+            <a:schemeClr val="accent3">
+              <a:shade val="15000"/>
+            </a:schemeClr>
+          </a:lnRef>
+          <a:fillRef idx="1">
+            <a:schemeClr val="accent3"/>
+          </a:fillRef>
+          <a:effectRef idx="0">
+            <a:schemeClr val="accent3"/>
+          </a:effectRef>
+          <a:fontRef idx="minor">
+            <a:schemeClr val="lt1"/>
+          </a:fontRef>
+        </p:style>
+        <p:txBody>
+          <a:bodyPr rtlCol="0" anchor="ctr"/>
+          <a:lstStyle/>
+          <a:p>
+            <a:pPr algn="ctr"/>
+            <a:endParaRPr lang="en-CA"/>
+          </a:p>
+        </p:txBody>
+      </p:sp>
+      <p:sp>
+        <p:nvSpPr>
+          <p:cNvPr id="32" name="矩形 31">
+            <a:extLst>
+              <a:ext uri="{FF2B5EF4-FFF2-40B4-BE49-F238E27FC236}">
+                <a16:creationId xmlns:a16="http://schemas.microsoft.com/office/drawing/2014/main" id="{FB5676B0-BD7D-3853-47BC-8C00CB0C2FA9}"/>
+              </a:ext>
+            </a:extLst>
+          </p:cNvPr>
+          <p:cNvSpPr/>
+          <p:nvPr/>
+        </p:nvSpPr>
+        <p:spPr>
+          <a:xfrm>
+            <a:off x="7078182" y="2957513"/>
+            <a:ext cx="536999" cy="536999"/>
+          </a:xfrm>
+          <a:prstGeom prst="rect">
+            <a:avLst/>
+          </a:prstGeom>
+        </p:spPr>
+        <p:style>
+          <a:lnRef idx="2">
+            <a:schemeClr val="dk1"/>
+          </a:lnRef>
+          <a:fillRef idx="1">
+            <a:schemeClr val="lt1"/>
+          </a:fillRef>
+          <a:effectRef idx="0">
+            <a:schemeClr val="dk1"/>
+          </a:effectRef>
+          <a:fontRef idx="minor">
+            <a:schemeClr val="dk1"/>
+          </a:fontRef>
+        </p:style>
+        <p:txBody>
+          <a:bodyPr rtlCol="0" anchor="ctr"/>
+          <a:lstStyle/>
+          <a:p>
+            <a:pPr algn="ctr"/>
+            <a:r>
+              <a:rPr lang="en-US" altLang="zh-CN" sz="800" dirty="0"/>
+              <a:t>Power Supply</a:t>
+            </a:r>
+            <a:endParaRPr lang="en-CA" sz="800" dirty="0"/>
+          </a:p>
+        </p:txBody>
+      </p:sp>
+      <p:cxnSp>
+        <p:nvCxnSpPr>
+          <p:cNvPr id="36" name="连接符: 肘形 35">
+            <a:extLst>
+              <a:ext uri="{FF2B5EF4-FFF2-40B4-BE49-F238E27FC236}">
+                <a16:creationId xmlns:a16="http://schemas.microsoft.com/office/drawing/2014/main" id="{B2C56932-E1CF-6D1E-C5B8-A744595C30A0}"/>
+              </a:ext>
+            </a:extLst>
+          </p:cNvPr>
+          <p:cNvCxnSpPr>
+            <a:cxnSpLocks/>
+            <a:stCxn id="3" idx="2"/>
+            <a:endCxn id="32" idx="3"/>
+          </p:cNvCxnSpPr>
+          <p:nvPr/>
+        </p:nvCxnSpPr>
+        <p:spPr>
+          <a:xfrm rot="5400000" flipH="1" flipV="1">
+            <a:off x="6525169" y="3108763"/>
+            <a:ext cx="972761" cy="1207261"/>
+          </a:xfrm>
+          <a:prstGeom prst="bentConnector4">
+            <a:avLst>
+              <a:gd name="adj1" fmla="val -14035"/>
+              <a:gd name="adj2" fmla="val 119330"/>
+            </a:avLst>
+          </a:prstGeom>
+          <a:ln w="12700">
+            <a:solidFill>
+              <a:srgbClr val="FF0000"/>
+            </a:solidFill>
+          </a:ln>
+        </p:spPr>
+        <p:style>
+          <a:lnRef idx="1">
+            <a:schemeClr val="dk1"/>
+          </a:lnRef>
+          <a:fillRef idx="0">
+            <a:schemeClr val="dk1"/>
+          </a:fillRef>
+          <a:effectRef idx="0">
+            <a:schemeClr val="dk1"/>
+          </a:effectRef>
+          <a:fontRef idx="minor">
+            <a:schemeClr val="tx1"/>
+          </a:fontRef>
+        </p:style>
+      </p:cxnSp>
+      <p:sp>
+        <p:nvSpPr>
+          <p:cNvPr id="42" name="文本框 41">
+            <a:extLst>
+              <a:ext uri="{FF2B5EF4-FFF2-40B4-BE49-F238E27FC236}">
+                <a16:creationId xmlns:a16="http://schemas.microsoft.com/office/drawing/2014/main" id="{D66DFE14-5648-3105-F80D-AE36FD323181}"/>
+              </a:ext>
+            </a:extLst>
+          </p:cNvPr>
+          <p:cNvSpPr txBox="1"/>
+          <p:nvPr/>
+        </p:nvSpPr>
+        <p:spPr>
+          <a:xfrm>
+            <a:off x="6023495" y="3784667"/>
+            <a:ext cx="158280" cy="215444"/>
+          </a:xfrm>
+          <a:prstGeom prst="rect">
+            <a:avLst/>
+          </a:prstGeom>
+          <a:noFill/>
+        </p:spPr>
+        <p:txBody>
+          <a:bodyPr wrap="square" rtlCol="0">
+            <a:spAutoFit/>
+          </a:bodyPr>
+          <a:lstStyle/>
+          <a:p>
+            <a:pPr algn="ctr"/>
+            <a:r>
+              <a:rPr lang="en-US" altLang="zh-CN" sz="800" dirty="0"/>
+              <a:t>S</a:t>
+            </a:r>
+            <a:endParaRPr lang="en-CA" sz="800" dirty="0"/>
+          </a:p>
+        </p:txBody>
+      </p:sp>
+      <p:sp>
+        <p:nvSpPr>
+          <p:cNvPr id="43" name="文本框 42">
+            <a:extLst>
+              <a:ext uri="{FF2B5EF4-FFF2-40B4-BE49-F238E27FC236}">
+                <a16:creationId xmlns:a16="http://schemas.microsoft.com/office/drawing/2014/main" id="{5AF8848D-09F8-FAB9-E471-349BA3B049CC}"/>
+              </a:ext>
+            </a:extLst>
+          </p:cNvPr>
+          <p:cNvSpPr txBox="1"/>
+          <p:nvPr/>
+        </p:nvSpPr>
+        <p:spPr>
+          <a:xfrm>
+            <a:off x="6391979" y="4155815"/>
+            <a:ext cx="158280" cy="215444"/>
+          </a:xfrm>
+          <a:prstGeom prst="rect">
+            <a:avLst/>
+          </a:prstGeom>
+          <a:noFill/>
+        </p:spPr>
+        <p:txBody>
+          <a:bodyPr wrap="square" rtlCol="0">
+            <a:spAutoFit/>
+          </a:bodyPr>
+          <a:lstStyle/>
+          <a:p>
+            <a:pPr algn="ctr"/>
+            <a:r>
+              <a:rPr lang="en-US" sz="800" dirty="0"/>
+              <a:t>+</a:t>
+            </a:r>
+            <a:endParaRPr lang="en-CA" sz="800" dirty="0"/>
+          </a:p>
+        </p:txBody>
+      </p:sp>
+      <p:sp>
+        <p:nvSpPr>
+          <p:cNvPr id="44" name="文本框 43">
+            <a:extLst>
+              <a:ext uri="{FF2B5EF4-FFF2-40B4-BE49-F238E27FC236}">
+                <a16:creationId xmlns:a16="http://schemas.microsoft.com/office/drawing/2014/main" id="{CEB0079D-4911-ED7E-8F03-605989168EA4}"/>
+              </a:ext>
+            </a:extLst>
+          </p:cNvPr>
+          <p:cNvSpPr txBox="1"/>
+          <p:nvPr/>
+        </p:nvSpPr>
+        <p:spPr>
+          <a:xfrm>
+            <a:off x="7574771" y="3032268"/>
+            <a:ext cx="296410" cy="215444"/>
+          </a:xfrm>
+          <a:prstGeom prst="rect">
+            <a:avLst/>
+          </a:prstGeom>
+          <a:noFill/>
+        </p:spPr>
+        <p:txBody>
+          <a:bodyPr wrap="square" rtlCol="0">
+            <a:spAutoFit/>
+          </a:bodyPr>
+          <a:lstStyle/>
+          <a:p>
+            <a:pPr algn="ctr"/>
+            <a:r>
+              <a:rPr lang="en-US" sz="800" dirty="0"/>
+              <a:t>5V</a:t>
+            </a:r>
+            <a:endParaRPr lang="en-CA" sz="800" dirty="0"/>
+          </a:p>
+        </p:txBody>
+      </p:sp>
+      <p:sp>
+        <p:nvSpPr>
+          <p:cNvPr id="49" name="文本框 48">
+            <a:extLst>
+              <a:ext uri="{FF2B5EF4-FFF2-40B4-BE49-F238E27FC236}">
+                <a16:creationId xmlns:a16="http://schemas.microsoft.com/office/drawing/2014/main" id="{7E6DDFF5-0290-4D16-8DE9-8D785BCFE150}"/>
+              </a:ext>
+            </a:extLst>
+          </p:cNvPr>
+          <p:cNvSpPr txBox="1"/>
+          <p:nvPr/>
+        </p:nvSpPr>
+        <p:spPr>
+          <a:xfrm>
+            <a:off x="6632647" y="3779688"/>
+            <a:ext cx="118963" cy="215444"/>
+          </a:xfrm>
+          <a:prstGeom prst="rect">
+            <a:avLst/>
+          </a:prstGeom>
+          <a:noFill/>
+        </p:spPr>
+        <p:txBody>
+          <a:bodyPr wrap="square" rtlCol="0">
+            <a:spAutoFit/>
+          </a:bodyPr>
+          <a:lstStyle/>
+          <a:p>
+            <a:pPr algn="ctr"/>
+            <a:r>
+              <a:rPr lang="en-CA" sz="800" dirty="0"/>
+              <a:t>-</a:t>
+            </a:r>
+          </a:p>
+        </p:txBody>
+      </p:sp>
+      <p:sp>
+        <p:nvSpPr>
+          <p:cNvPr id="50" name="文本框 49">
+            <a:extLst>
+              <a:ext uri="{FF2B5EF4-FFF2-40B4-BE49-F238E27FC236}">
+                <a16:creationId xmlns:a16="http://schemas.microsoft.com/office/drawing/2014/main" id="{612E1ABA-F8B7-60CB-3661-07CFD0608D6D}"/>
+              </a:ext>
+            </a:extLst>
+          </p:cNvPr>
+          <p:cNvSpPr txBox="1"/>
+          <p:nvPr/>
+        </p:nvSpPr>
+        <p:spPr>
+          <a:xfrm>
+            <a:off x="7301236" y="3484854"/>
+            <a:ext cx="391067" cy="215444"/>
+          </a:xfrm>
+          <a:prstGeom prst="rect">
+            <a:avLst/>
+          </a:prstGeom>
+          <a:noFill/>
+        </p:spPr>
+        <p:txBody>
+          <a:bodyPr wrap="square" rtlCol="0">
+            <a:spAutoFit/>
+          </a:bodyPr>
+          <a:lstStyle/>
+          <a:p>
+            <a:pPr algn="ctr"/>
+            <a:r>
+              <a:rPr lang="en-US" sz="800" dirty="0"/>
+              <a:t>GND</a:t>
+            </a:r>
+            <a:endParaRPr lang="en-CA" sz="800" dirty="0"/>
+          </a:p>
+        </p:txBody>
+      </p:sp>
+      <p:sp>
+        <p:nvSpPr>
+          <p:cNvPr id="51" name="矩形 50">
+            <a:extLst>
+              <a:ext uri="{FF2B5EF4-FFF2-40B4-BE49-F238E27FC236}">
+                <a16:creationId xmlns:a16="http://schemas.microsoft.com/office/drawing/2014/main" id="{49BEDD06-40B4-C2C5-7B80-0F47FD97F910}"/>
+              </a:ext>
+            </a:extLst>
+          </p:cNvPr>
+          <p:cNvSpPr/>
+          <p:nvPr/>
+        </p:nvSpPr>
+        <p:spPr>
+          <a:xfrm>
+            <a:off x="6179186" y="4405677"/>
+            <a:ext cx="452289" cy="452289"/>
+          </a:xfrm>
+          <a:prstGeom prst="rect">
+            <a:avLst/>
+          </a:prstGeom>
+        </p:spPr>
+        <p:style>
+          <a:lnRef idx="2">
+            <a:schemeClr val="dk1"/>
+          </a:lnRef>
+          <a:fillRef idx="1">
+            <a:schemeClr val="lt1"/>
+          </a:fillRef>
+          <a:effectRef idx="0">
+            <a:schemeClr val="dk1"/>
+          </a:effectRef>
+          <a:fontRef idx="minor">
+            <a:schemeClr val="dk1"/>
+          </a:fontRef>
+        </p:style>
+        <p:txBody>
+          <a:bodyPr rtlCol="0" anchor="ctr"/>
+          <a:lstStyle/>
+          <a:p>
+            <a:pPr algn="ctr"/>
+            <a:r>
+              <a:rPr lang="en-US" altLang="zh-CN" sz="800" dirty="0"/>
+              <a:t>HES 2</a:t>
+            </a:r>
+            <a:endParaRPr lang="en-CA" sz="800" dirty="0"/>
+          </a:p>
+        </p:txBody>
+      </p:sp>
+      <p:cxnSp>
+        <p:nvCxnSpPr>
+          <p:cNvPr id="52" name="连接符: 肘形 51">
+            <a:extLst>
+              <a:ext uri="{FF2B5EF4-FFF2-40B4-BE49-F238E27FC236}">
+                <a16:creationId xmlns:a16="http://schemas.microsoft.com/office/drawing/2014/main" id="{33C03EE2-1D8C-4074-45E1-86F62F282511}"/>
+              </a:ext>
+            </a:extLst>
+          </p:cNvPr>
+          <p:cNvCxnSpPr>
+            <a:cxnSpLocks/>
+            <a:stCxn id="60" idx="6"/>
+            <a:endCxn id="51" idx="1"/>
+          </p:cNvCxnSpPr>
+          <p:nvPr/>
+        </p:nvCxnSpPr>
+        <p:spPr>
+          <a:xfrm flipV="1">
+            <a:off x="4446805" y="4631822"/>
+            <a:ext cx="1732381" cy="741433"/>
+          </a:xfrm>
+          <a:prstGeom prst="bentConnector3">
+            <a:avLst>
+              <a:gd name="adj1" fmla="val 84914"/>
+            </a:avLst>
+          </a:prstGeom>
+          <a:ln w="12700">
+            <a:solidFill>
+              <a:srgbClr val="000000">
+                <a:alpha val="50196"/>
+              </a:srgbClr>
+            </a:solidFill>
+          </a:ln>
+        </p:spPr>
+        <p:style>
+          <a:lnRef idx="3">
+            <a:schemeClr val="dk1"/>
+          </a:lnRef>
+          <a:fillRef idx="0">
+            <a:schemeClr val="dk1"/>
+          </a:fillRef>
+          <a:effectRef idx="2">
+            <a:schemeClr val="dk1"/>
+          </a:effectRef>
+          <a:fontRef idx="minor">
+            <a:schemeClr val="tx1"/>
+          </a:fontRef>
+        </p:style>
+      </p:cxnSp>
+      <p:sp>
+        <p:nvSpPr>
+          <p:cNvPr id="55" name="椭圆 54">
+            <a:extLst>
+              <a:ext uri="{FF2B5EF4-FFF2-40B4-BE49-F238E27FC236}">
+                <a16:creationId xmlns:a16="http://schemas.microsoft.com/office/drawing/2014/main" id="{AB12C5D1-8CD5-61DE-C998-1B4FD0BAA8F9}"/>
+              </a:ext>
+            </a:extLst>
+          </p:cNvPr>
+          <p:cNvSpPr/>
+          <p:nvPr/>
+        </p:nvSpPr>
+        <p:spPr>
+          <a:xfrm>
+            <a:off x="4401087" y="5454310"/>
+            <a:ext cx="45719" cy="45719"/>
+          </a:xfrm>
+          <a:prstGeom prst="ellipse">
+            <a:avLst/>
+          </a:prstGeom>
+        </p:spPr>
+        <p:style>
+          <a:lnRef idx="2">
+            <a:schemeClr val="accent3">
+              <a:shade val="15000"/>
+            </a:schemeClr>
+          </a:lnRef>
+          <a:fillRef idx="1">
+            <a:schemeClr val="accent3"/>
+          </a:fillRef>
+          <a:effectRef idx="0">
+            <a:schemeClr val="accent3"/>
+          </a:effectRef>
+          <a:fontRef idx="minor">
+            <a:schemeClr val="lt1"/>
+          </a:fontRef>
+        </p:style>
+        <p:txBody>
+          <a:bodyPr rtlCol="0" anchor="ctr"/>
+          <a:lstStyle/>
+          <a:p>
+            <a:pPr algn="ctr"/>
+            <a:endParaRPr lang="en-CA"/>
+          </a:p>
+        </p:txBody>
+      </p:sp>
+      <p:sp>
+        <p:nvSpPr>
+          <p:cNvPr id="60" name="椭圆 59">
+            <a:extLst>
+              <a:ext uri="{FF2B5EF4-FFF2-40B4-BE49-F238E27FC236}">
+                <a16:creationId xmlns:a16="http://schemas.microsoft.com/office/drawing/2014/main" id="{47ACC5A7-DBF4-B460-B4AC-E237E2594692}"/>
+              </a:ext>
+            </a:extLst>
+          </p:cNvPr>
+          <p:cNvSpPr/>
+          <p:nvPr/>
+        </p:nvSpPr>
+        <p:spPr>
+          <a:xfrm>
+            <a:off x="4401086" y="5350395"/>
+            <a:ext cx="45719" cy="45719"/>
+          </a:xfrm>
+          <a:prstGeom prst="ellipse">
+            <a:avLst/>
+          </a:prstGeom>
+        </p:spPr>
+        <p:style>
+          <a:lnRef idx="2">
+            <a:schemeClr val="accent3">
+              <a:shade val="15000"/>
+            </a:schemeClr>
+          </a:lnRef>
+          <a:fillRef idx="1">
+            <a:schemeClr val="accent3"/>
+          </a:fillRef>
+          <a:effectRef idx="0">
+            <a:schemeClr val="accent3"/>
+          </a:effectRef>
+          <a:fontRef idx="minor">
+            <a:schemeClr val="lt1"/>
+          </a:fontRef>
+        </p:style>
+        <p:txBody>
+          <a:bodyPr rtlCol="0" anchor="ctr"/>
+          <a:lstStyle/>
+          <a:p>
+            <a:pPr algn="ctr"/>
+            <a:endParaRPr lang="en-CA"/>
+          </a:p>
+        </p:txBody>
+      </p:sp>
+      <p:sp>
+        <p:nvSpPr>
+          <p:cNvPr id="61" name="椭圆 60">
+            <a:extLst>
+              <a:ext uri="{FF2B5EF4-FFF2-40B4-BE49-F238E27FC236}">
+                <a16:creationId xmlns:a16="http://schemas.microsoft.com/office/drawing/2014/main" id="{EB7E68A9-328C-CC94-5948-B72624E363C5}"/>
+              </a:ext>
+            </a:extLst>
+          </p:cNvPr>
+          <p:cNvSpPr/>
+          <p:nvPr/>
+        </p:nvSpPr>
+        <p:spPr>
+          <a:xfrm>
+            <a:off x="4400683" y="5243159"/>
+            <a:ext cx="45719" cy="45719"/>
+          </a:xfrm>
+          <a:prstGeom prst="ellipse">
+            <a:avLst/>
+          </a:prstGeom>
+        </p:spPr>
+        <p:style>
+          <a:lnRef idx="2">
+            <a:schemeClr val="accent3">
+              <a:shade val="15000"/>
+            </a:schemeClr>
+          </a:lnRef>
+          <a:fillRef idx="1">
+            <a:schemeClr val="accent3"/>
+          </a:fillRef>
+          <a:effectRef idx="0">
+            <a:schemeClr val="accent3"/>
+          </a:effectRef>
+          <a:fontRef idx="minor">
+            <a:schemeClr val="lt1"/>
+          </a:fontRef>
+        </p:style>
+        <p:txBody>
+          <a:bodyPr rtlCol="0" anchor="ctr"/>
+          <a:lstStyle/>
+          <a:p>
+            <a:pPr algn="ctr"/>
+            <a:endParaRPr lang="en-CA"/>
+          </a:p>
+        </p:txBody>
+      </p:sp>
+      <p:sp>
+        <p:nvSpPr>
+          <p:cNvPr id="1058" name="文本框 1057">
+            <a:extLst>
+              <a:ext uri="{FF2B5EF4-FFF2-40B4-BE49-F238E27FC236}">
+                <a16:creationId xmlns:a16="http://schemas.microsoft.com/office/drawing/2014/main" id="{893A7ED3-7DFE-EC0F-084D-91F97E0EB629}"/>
+              </a:ext>
+            </a:extLst>
+          </p:cNvPr>
+          <p:cNvSpPr txBox="1"/>
+          <p:nvPr/>
+        </p:nvSpPr>
+        <p:spPr>
+          <a:xfrm>
+            <a:off x="6612989" y="4450796"/>
+            <a:ext cx="158280" cy="215444"/>
+          </a:xfrm>
+          <a:prstGeom prst="rect">
+            <a:avLst/>
+          </a:prstGeom>
+          <a:noFill/>
+        </p:spPr>
+        <p:txBody>
+          <a:bodyPr wrap="square" rtlCol="0">
+            <a:spAutoFit/>
+          </a:bodyPr>
+          <a:lstStyle/>
+          <a:p>
+            <a:pPr algn="ctr"/>
+            <a:r>
+              <a:rPr lang="en-US" sz="800" dirty="0"/>
+              <a:t>-</a:t>
+            </a:r>
+            <a:endParaRPr lang="en-CA" sz="800" dirty="0"/>
+          </a:p>
+        </p:txBody>
+      </p:sp>
+      <p:cxnSp>
+        <p:nvCxnSpPr>
+          <p:cNvPr id="1059" name="连接符: 肘形 1058">
+            <a:extLst>
+              <a:ext uri="{FF2B5EF4-FFF2-40B4-BE49-F238E27FC236}">
+                <a16:creationId xmlns:a16="http://schemas.microsoft.com/office/drawing/2014/main" id="{C65B41E7-BE24-0816-2871-BBB7500EF57F}"/>
+              </a:ext>
+            </a:extLst>
+          </p:cNvPr>
+          <p:cNvCxnSpPr>
+            <a:cxnSpLocks/>
+            <a:stCxn id="51" idx="2"/>
+            <a:endCxn id="32" idx="3"/>
+          </p:cNvCxnSpPr>
+          <p:nvPr/>
+        </p:nvCxnSpPr>
+        <p:spPr>
+          <a:xfrm rot="5400000" flipH="1" flipV="1">
+            <a:off x="6194279" y="3437065"/>
+            <a:ext cx="1631953" cy="1209850"/>
+          </a:xfrm>
+          <a:prstGeom prst="bentConnector4">
+            <a:avLst>
+              <a:gd name="adj1" fmla="val -8950"/>
+              <a:gd name="adj2" fmla="val 122438"/>
+            </a:avLst>
+          </a:prstGeom>
+          <a:ln w="12700">
+            <a:solidFill>
+              <a:srgbClr val="FF0000"/>
+            </a:solidFill>
+          </a:ln>
+        </p:spPr>
+        <p:style>
+          <a:lnRef idx="1">
+            <a:schemeClr val="dk1"/>
+          </a:lnRef>
+          <a:fillRef idx="0">
+            <a:schemeClr val="dk1"/>
+          </a:fillRef>
+          <a:effectRef idx="0">
+            <a:schemeClr val="dk1"/>
+          </a:effectRef>
+          <a:fontRef idx="minor">
+            <a:schemeClr val="tx1"/>
+          </a:fontRef>
+        </p:style>
+      </p:cxnSp>
+      <p:sp>
+        <p:nvSpPr>
+          <p:cNvPr id="1063" name="文本框 1062">
+            <a:extLst>
+              <a:ext uri="{FF2B5EF4-FFF2-40B4-BE49-F238E27FC236}">
+                <a16:creationId xmlns:a16="http://schemas.microsoft.com/office/drawing/2014/main" id="{1E51696B-6A65-1DA3-7F1D-3C92B1D7B3EA}"/>
+              </a:ext>
+            </a:extLst>
+          </p:cNvPr>
+          <p:cNvSpPr txBox="1"/>
+          <p:nvPr/>
+        </p:nvSpPr>
+        <p:spPr>
+          <a:xfrm>
+            <a:off x="6026424" y="4442757"/>
+            <a:ext cx="158280" cy="215444"/>
+          </a:xfrm>
+          <a:prstGeom prst="rect">
+            <a:avLst/>
+          </a:prstGeom>
+          <a:noFill/>
+        </p:spPr>
+        <p:txBody>
+          <a:bodyPr wrap="square" rtlCol="0">
+            <a:spAutoFit/>
+          </a:bodyPr>
+          <a:lstStyle/>
+          <a:p>
+            <a:pPr algn="ctr"/>
+            <a:r>
+              <a:rPr lang="en-US" altLang="zh-CN" sz="800" dirty="0"/>
+              <a:t>S</a:t>
+            </a:r>
+            <a:endParaRPr lang="en-CA" sz="800" dirty="0"/>
+          </a:p>
+        </p:txBody>
+      </p:sp>
+      <p:cxnSp>
+        <p:nvCxnSpPr>
+          <p:cNvPr id="46" name="连接符: 肘形 45">
+            <a:extLst>
+              <a:ext uri="{FF2B5EF4-FFF2-40B4-BE49-F238E27FC236}">
+                <a16:creationId xmlns:a16="http://schemas.microsoft.com/office/drawing/2014/main" id="{7F300796-2790-BD74-E292-9A6AA62E6CA3}"/>
+              </a:ext>
+            </a:extLst>
+          </p:cNvPr>
+          <p:cNvCxnSpPr>
+            <a:cxnSpLocks/>
+            <a:stCxn id="3" idx="3"/>
+            <a:endCxn id="32" idx="2"/>
+          </p:cNvCxnSpPr>
+          <p:nvPr/>
+        </p:nvCxnSpPr>
+        <p:spPr>
+          <a:xfrm flipV="1">
+            <a:off x="6634064" y="3494512"/>
+            <a:ext cx="712618" cy="478118"/>
+          </a:xfrm>
+          <a:prstGeom prst="bentConnector2">
+            <a:avLst/>
+          </a:prstGeom>
+          <a:ln w="12700">
+            <a:solidFill>
+              <a:srgbClr val="0070C0"/>
+            </a:solidFill>
+          </a:ln>
+        </p:spPr>
+        <p:style>
+          <a:lnRef idx="1">
+            <a:schemeClr val="dk1"/>
+          </a:lnRef>
+          <a:fillRef idx="0">
+            <a:schemeClr val="dk1"/>
+          </a:fillRef>
+          <a:effectRef idx="0">
+            <a:schemeClr val="dk1"/>
+          </a:effectRef>
+          <a:fontRef idx="minor">
+            <a:schemeClr val="tx1"/>
+          </a:fontRef>
+        </p:style>
+      </p:cxnSp>
+      <p:cxnSp>
+        <p:nvCxnSpPr>
+          <p:cNvPr id="1047" name="连接符: 肘形 1046">
+            <a:extLst>
+              <a:ext uri="{FF2B5EF4-FFF2-40B4-BE49-F238E27FC236}">
+                <a16:creationId xmlns:a16="http://schemas.microsoft.com/office/drawing/2014/main" id="{0F95263B-12F2-6205-7B41-82DD55878A17}"/>
+              </a:ext>
+            </a:extLst>
+          </p:cNvPr>
+          <p:cNvCxnSpPr>
+            <a:cxnSpLocks/>
+            <a:stCxn id="51" idx="3"/>
+            <a:endCxn id="32" idx="2"/>
+          </p:cNvCxnSpPr>
+          <p:nvPr/>
+        </p:nvCxnSpPr>
+        <p:spPr>
+          <a:xfrm flipV="1">
+            <a:off x="6631475" y="3494512"/>
+            <a:ext cx="715207" cy="1137310"/>
+          </a:xfrm>
+          <a:prstGeom prst="bentConnector2">
+            <a:avLst/>
+          </a:prstGeom>
+          <a:ln w="12700">
+            <a:solidFill>
+              <a:schemeClr val="accent1"/>
+            </a:solidFill>
+          </a:ln>
+        </p:spPr>
+        <p:style>
+          <a:lnRef idx="1">
+            <a:schemeClr val="dk1"/>
+          </a:lnRef>
+          <a:fillRef idx="0">
+            <a:schemeClr val="dk1"/>
+          </a:fillRef>
+          <a:effectRef idx="0">
+            <a:schemeClr val="dk1"/>
+          </a:effectRef>
+          <a:fontRef idx="minor">
+            <a:schemeClr val="tx1"/>
+          </a:fontRef>
+        </p:style>
+      </p:cxnSp>
+      <p:sp>
+        <p:nvSpPr>
+          <p:cNvPr id="1067" name="文本框 1066">
+            <a:extLst>
+              <a:ext uri="{FF2B5EF4-FFF2-40B4-BE49-F238E27FC236}">
+                <a16:creationId xmlns:a16="http://schemas.microsoft.com/office/drawing/2014/main" id="{5580D8F7-2A98-833C-8DA9-F03291457C30}"/>
+              </a:ext>
+            </a:extLst>
+          </p:cNvPr>
+          <p:cNvSpPr txBox="1"/>
+          <p:nvPr/>
+        </p:nvSpPr>
+        <p:spPr>
+          <a:xfrm>
+            <a:off x="6393388" y="4815269"/>
+            <a:ext cx="158280" cy="215444"/>
+          </a:xfrm>
+          <a:prstGeom prst="rect">
+            <a:avLst/>
+          </a:prstGeom>
+          <a:noFill/>
+        </p:spPr>
+        <p:txBody>
+          <a:bodyPr wrap="square" rtlCol="0">
+            <a:spAutoFit/>
+          </a:bodyPr>
+          <a:lstStyle/>
+          <a:p>
+            <a:pPr algn="ctr"/>
+            <a:r>
+              <a:rPr lang="en-US" sz="800" dirty="0"/>
+              <a:t>+</a:t>
+            </a:r>
+            <a:endParaRPr lang="en-CA" sz="800" dirty="0"/>
+          </a:p>
+        </p:txBody>
+      </p:sp>
+      <p:sp>
+        <p:nvSpPr>
+          <p:cNvPr id="1073" name="矩形 1072">
+            <a:extLst>
+              <a:ext uri="{FF2B5EF4-FFF2-40B4-BE49-F238E27FC236}">
+                <a16:creationId xmlns:a16="http://schemas.microsoft.com/office/drawing/2014/main" id="{DB91EF78-FD17-BBA7-08B9-A8A1F87EFA26}"/>
+              </a:ext>
+            </a:extLst>
+          </p:cNvPr>
+          <p:cNvSpPr/>
+          <p:nvPr/>
+        </p:nvSpPr>
+        <p:spPr>
+          <a:xfrm>
+            <a:off x="6179186" y="5063964"/>
+            <a:ext cx="452289" cy="452289"/>
+          </a:xfrm>
+          <a:prstGeom prst="rect">
+            <a:avLst/>
+          </a:prstGeom>
+        </p:spPr>
+        <p:style>
+          <a:lnRef idx="2">
+            <a:schemeClr val="dk1"/>
+          </a:lnRef>
+          <a:fillRef idx="1">
+            <a:schemeClr val="lt1"/>
+          </a:fillRef>
+          <a:effectRef idx="0">
+            <a:schemeClr val="dk1"/>
+          </a:effectRef>
+          <a:fontRef idx="minor">
+            <a:schemeClr val="dk1"/>
+          </a:fontRef>
+        </p:style>
+        <p:txBody>
+          <a:bodyPr rtlCol="0" anchor="ctr"/>
+          <a:lstStyle/>
+          <a:p>
+            <a:pPr algn="ctr"/>
+            <a:r>
+              <a:rPr lang="en-US" altLang="zh-CN" sz="800" dirty="0"/>
+              <a:t>HES 3</a:t>
+            </a:r>
+            <a:endParaRPr lang="en-CA" sz="800" dirty="0"/>
+          </a:p>
+        </p:txBody>
+      </p:sp>
+      <p:sp>
+        <p:nvSpPr>
+          <p:cNvPr id="1074" name="文本框 1073">
+            <a:extLst>
+              <a:ext uri="{FF2B5EF4-FFF2-40B4-BE49-F238E27FC236}">
+                <a16:creationId xmlns:a16="http://schemas.microsoft.com/office/drawing/2014/main" id="{5A7CF7A1-BDBB-03C3-B462-03C026CF677D}"/>
+              </a:ext>
+            </a:extLst>
+          </p:cNvPr>
+          <p:cNvSpPr txBox="1"/>
+          <p:nvPr/>
+        </p:nvSpPr>
+        <p:spPr>
+          <a:xfrm>
+            <a:off x="6612989" y="5109083"/>
+            <a:ext cx="158280" cy="215444"/>
+          </a:xfrm>
+          <a:prstGeom prst="rect">
+            <a:avLst/>
+          </a:prstGeom>
+          <a:noFill/>
+        </p:spPr>
+        <p:txBody>
+          <a:bodyPr wrap="square" rtlCol="0">
+            <a:spAutoFit/>
+          </a:bodyPr>
+          <a:lstStyle/>
+          <a:p>
+            <a:pPr algn="ctr"/>
+            <a:r>
+              <a:rPr lang="en-US" sz="800" dirty="0"/>
+              <a:t>-</a:t>
+            </a:r>
+            <a:endParaRPr lang="en-CA" sz="800" dirty="0"/>
+          </a:p>
+        </p:txBody>
+      </p:sp>
+      <p:sp>
+        <p:nvSpPr>
+          <p:cNvPr id="1075" name="文本框 1074">
+            <a:extLst>
+              <a:ext uri="{FF2B5EF4-FFF2-40B4-BE49-F238E27FC236}">
+                <a16:creationId xmlns:a16="http://schemas.microsoft.com/office/drawing/2014/main" id="{F25B2B39-E46A-4F7D-A2C8-47021A674D57}"/>
+              </a:ext>
+            </a:extLst>
+          </p:cNvPr>
+          <p:cNvSpPr txBox="1"/>
+          <p:nvPr/>
+        </p:nvSpPr>
+        <p:spPr>
+          <a:xfrm>
+            <a:off x="6026424" y="5101044"/>
+            <a:ext cx="158280" cy="215444"/>
+          </a:xfrm>
+          <a:prstGeom prst="rect">
+            <a:avLst/>
+          </a:prstGeom>
+          <a:noFill/>
+        </p:spPr>
+        <p:txBody>
+          <a:bodyPr wrap="square" rtlCol="0">
+            <a:spAutoFit/>
+          </a:bodyPr>
+          <a:lstStyle/>
+          <a:p>
+            <a:pPr algn="ctr"/>
+            <a:r>
+              <a:rPr lang="en-US" altLang="zh-CN" sz="800" dirty="0"/>
+              <a:t>S</a:t>
+            </a:r>
+            <a:endParaRPr lang="en-CA" sz="800" dirty="0"/>
+          </a:p>
+        </p:txBody>
+      </p:sp>
+      <p:sp>
+        <p:nvSpPr>
+          <p:cNvPr id="1076" name="文本框 1075">
+            <a:extLst>
+              <a:ext uri="{FF2B5EF4-FFF2-40B4-BE49-F238E27FC236}">
+                <a16:creationId xmlns:a16="http://schemas.microsoft.com/office/drawing/2014/main" id="{3E2C9891-6634-4AAB-8489-734E5B57629E}"/>
+              </a:ext>
+            </a:extLst>
+          </p:cNvPr>
+          <p:cNvSpPr txBox="1"/>
+          <p:nvPr/>
+        </p:nvSpPr>
+        <p:spPr>
+          <a:xfrm>
+            <a:off x="6393388" y="5473556"/>
+            <a:ext cx="158280" cy="215444"/>
+          </a:xfrm>
+          <a:prstGeom prst="rect">
+            <a:avLst/>
+          </a:prstGeom>
+          <a:noFill/>
+        </p:spPr>
+        <p:txBody>
+          <a:bodyPr wrap="square" rtlCol="0">
+            <a:spAutoFit/>
+          </a:bodyPr>
+          <a:lstStyle/>
+          <a:p>
+            <a:pPr algn="ctr"/>
+            <a:r>
+              <a:rPr lang="en-US" sz="800" dirty="0"/>
+              <a:t>+</a:t>
+            </a:r>
+            <a:endParaRPr lang="en-CA" sz="800" dirty="0"/>
+          </a:p>
+        </p:txBody>
+      </p:sp>
+      <p:cxnSp>
+        <p:nvCxnSpPr>
+          <p:cNvPr id="1077" name="连接符: 肘形 1076">
+            <a:extLst>
+              <a:ext uri="{FF2B5EF4-FFF2-40B4-BE49-F238E27FC236}">
+                <a16:creationId xmlns:a16="http://schemas.microsoft.com/office/drawing/2014/main" id="{FD51E193-A1EE-EC62-1A6F-B514873641A1}"/>
+              </a:ext>
+            </a:extLst>
+          </p:cNvPr>
+          <p:cNvCxnSpPr>
+            <a:cxnSpLocks/>
+            <a:stCxn id="55" idx="6"/>
+            <a:endCxn id="1073" idx="1"/>
+          </p:cNvCxnSpPr>
+          <p:nvPr/>
+        </p:nvCxnSpPr>
+        <p:spPr>
+          <a:xfrm flipV="1">
+            <a:off x="4446806" y="5290109"/>
+            <a:ext cx="1732380" cy="187061"/>
+          </a:xfrm>
+          <a:prstGeom prst="bentConnector3">
+            <a:avLst>
+              <a:gd name="adj1" fmla="val 86975"/>
+            </a:avLst>
+          </a:prstGeom>
+          <a:ln w="12700">
+            <a:solidFill>
+              <a:srgbClr val="000000">
+                <a:alpha val="50196"/>
+              </a:srgbClr>
+            </a:solidFill>
+          </a:ln>
+        </p:spPr>
+        <p:style>
+          <a:lnRef idx="3">
+            <a:schemeClr val="dk1"/>
+          </a:lnRef>
+          <a:fillRef idx="0">
+            <a:schemeClr val="dk1"/>
+          </a:fillRef>
+          <a:effectRef idx="2">
+            <a:schemeClr val="dk1"/>
+          </a:effectRef>
+          <a:fontRef idx="minor">
+            <a:schemeClr val="tx1"/>
+          </a:fontRef>
+        </p:style>
+      </p:cxnSp>
+      <p:cxnSp>
+        <p:nvCxnSpPr>
+          <p:cNvPr id="1082" name="连接符: 肘形 1081">
+            <a:extLst>
+              <a:ext uri="{FF2B5EF4-FFF2-40B4-BE49-F238E27FC236}">
+                <a16:creationId xmlns:a16="http://schemas.microsoft.com/office/drawing/2014/main" id="{30A8D8BC-C92A-350A-06F2-C32C2A56B85A}"/>
+              </a:ext>
+            </a:extLst>
+          </p:cNvPr>
+          <p:cNvCxnSpPr>
+            <a:cxnSpLocks/>
+            <a:stCxn id="1073" idx="2"/>
+            <a:endCxn id="32" idx="3"/>
+          </p:cNvCxnSpPr>
+          <p:nvPr/>
+        </p:nvCxnSpPr>
+        <p:spPr>
+          <a:xfrm rot="5400000" flipH="1" flipV="1">
+            <a:off x="5865136" y="3766208"/>
+            <a:ext cx="2290240" cy="1209850"/>
+          </a:xfrm>
+          <a:prstGeom prst="bentConnector4">
+            <a:avLst>
+              <a:gd name="adj1" fmla="val -9981"/>
+              <a:gd name="adj2" fmla="val 125785"/>
+            </a:avLst>
+          </a:prstGeom>
+          <a:ln w="12700">
+            <a:solidFill>
+              <a:srgbClr val="FF0000"/>
+            </a:solidFill>
+          </a:ln>
+        </p:spPr>
+        <p:style>
+          <a:lnRef idx="1">
+            <a:schemeClr val="dk1"/>
+          </a:lnRef>
+          <a:fillRef idx="0">
+            <a:schemeClr val="dk1"/>
+          </a:fillRef>
+          <a:effectRef idx="0">
+            <a:schemeClr val="dk1"/>
+          </a:effectRef>
+          <a:fontRef idx="minor">
+            <a:schemeClr val="tx1"/>
+          </a:fontRef>
+        </p:style>
+      </p:cxnSp>
+      <p:cxnSp>
+        <p:nvCxnSpPr>
+          <p:cNvPr id="1087" name="连接符: 肘形 1086">
+            <a:extLst>
+              <a:ext uri="{FF2B5EF4-FFF2-40B4-BE49-F238E27FC236}">
+                <a16:creationId xmlns:a16="http://schemas.microsoft.com/office/drawing/2014/main" id="{33C4CEB4-AC4E-58CB-4C9D-93B81F989EA3}"/>
+              </a:ext>
+            </a:extLst>
+          </p:cNvPr>
+          <p:cNvCxnSpPr>
+            <a:cxnSpLocks/>
+            <a:stCxn id="1073" idx="3"/>
+            <a:endCxn id="32" idx="2"/>
+          </p:cNvCxnSpPr>
+          <p:nvPr/>
+        </p:nvCxnSpPr>
+        <p:spPr>
+          <a:xfrm flipV="1">
+            <a:off x="6631475" y="3494512"/>
+            <a:ext cx="715207" cy="1795597"/>
+          </a:xfrm>
+          <a:prstGeom prst="bentConnector2">
+            <a:avLst/>
+          </a:prstGeom>
+          <a:ln w="12700">
+            <a:solidFill>
+              <a:schemeClr val="accent1"/>
+            </a:solidFill>
+          </a:ln>
+        </p:spPr>
+        <p:style>
+          <a:lnRef idx="1">
+            <a:schemeClr val="dk1"/>
+          </a:lnRef>
+          <a:fillRef idx="0">
+            <a:schemeClr val="dk1"/>
+          </a:fillRef>
+          <a:effectRef idx="0">
+            <a:schemeClr val="dk1"/>
+          </a:effectRef>
+          <a:fontRef idx="minor">
+            <a:schemeClr val="tx1"/>
+          </a:fontRef>
+        </p:style>
+      </p:cxnSp>
+      <p:sp>
+        <p:nvSpPr>
+          <p:cNvPr id="1093" name="矩形 1092">
+            <a:extLst>
+              <a:ext uri="{FF2B5EF4-FFF2-40B4-BE49-F238E27FC236}">
+                <a16:creationId xmlns:a16="http://schemas.microsoft.com/office/drawing/2014/main" id="{95133E80-9926-1419-2CF8-843970E9D026}"/>
+              </a:ext>
+            </a:extLst>
+          </p:cNvPr>
+          <p:cNvSpPr/>
+          <p:nvPr/>
+        </p:nvSpPr>
+        <p:spPr>
+          <a:xfrm>
+            <a:off x="6179186" y="5805397"/>
+            <a:ext cx="452289" cy="452289"/>
+          </a:xfrm>
+          <a:prstGeom prst="rect">
+            <a:avLst/>
+          </a:prstGeom>
+        </p:spPr>
+        <p:style>
+          <a:lnRef idx="2">
+            <a:schemeClr val="dk1"/>
+          </a:lnRef>
+          <a:fillRef idx="1">
+            <a:schemeClr val="lt1"/>
+          </a:fillRef>
+          <a:effectRef idx="0">
+            <a:schemeClr val="dk1"/>
+          </a:effectRef>
+          <a:fontRef idx="minor">
+            <a:schemeClr val="dk1"/>
+          </a:fontRef>
+        </p:style>
+        <p:txBody>
+          <a:bodyPr rtlCol="0" anchor="ctr"/>
+          <a:lstStyle/>
+          <a:p>
+            <a:pPr algn="ctr"/>
+            <a:r>
+              <a:rPr lang="en-US" altLang="zh-CN" sz="800" dirty="0"/>
+              <a:t>HES 4</a:t>
+            </a:r>
+            <a:endParaRPr lang="en-CA" sz="800" dirty="0"/>
+          </a:p>
+        </p:txBody>
+      </p:sp>
+      <p:sp>
+        <p:nvSpPr>
+          <p:cNvPr id="1094" name="文本框 1093">
+            <a:extLst>
+              <a:ext uri="{FF2B5EF4-FFF2-40B4-BE49-F238E27FC236}">
+                <a16:creationId xmlns:a16="http://schemas.microsoft.com/office/drawing/2014/main" id="{B908D818-02EA-F5D9-17C6-F10DA39B32A5}"/>
+              </a:ext>
+            </a:extLst>
+          </p:cNvPr>
+          <p:cNvSpPr txBox="1"/>
+          <p:nvPr/>
+        </p:nvSpPr>
+        <p:spPr>
+          <a:xfrm>
+            <a:off x="6612989" y="5850516"/>
+            <a:ext cx="158280" cy="215444"/>
+          </a:xfrm>
+          <a:prstGeom prst="rect">
+            <a:avLst/>
+          </a:prstGeom>
+          <a:noFill/>
+        </p:spPr>
+        <p:txBody>
+          <a:bodyPr wrap="square" rtlCol="0">
+            <a:spAutoFit/>
+          </a:bodyPr>
+          <a:lstStyle/>
+          <a:p>
+            <a:pPr algn="ctr"/>
+            <a:r>
+              <a:rPr lang="en-US" sz="800" dirty="0"/>
+              <a:t>-</a:t>
+            </a:r>
+            <a:endParaRPr lang="en-CA" sz="800" dirty="0"/>
+          </a:p>
+        </p:txBody>
+      </p:sp>
+      <p:sp>
+        <p:nvSpPr>
+          <p:cNvPr id="1095" name="文本框 1094">
+            <a:extLst>
+              <a:ext uri="{FF2B5EF4-FFF2-40B4-BE49-F238E27FC236}">
+                <a16:creationId xmlns:a16="http://schemas.microsoft.com/office/drawing/2014/main" id="{4D6CB1ED-D2F3-45E7-3B6B-4F7DA0F6D190}"/>
+              </a:ext>
+            </a:extLst>
+          </p:cNvPr>
+          <p:cNvSpPr txBox="1"/>
+          <p:nvPr/>
+        </p:nvSpPr>
+        <p:spPr>
+          <a:xfrm>
+            <a:off x="6026424" y="5842477"/>
+            <a:ext cx="158280" cy="215444"/>
+          </a:xfrm>
+          <a:prstGeom prst="rect">
+            <a:avLst/>
+          </a:prstGeom>
+          <a:noFill/>
+        </p:spPr>
+        <p:txBody>
+          <a:bodyPr wrap="square" rtlCol="0">
+            <a:spAutoFit/>
+          </a:bodyPr>
+          <a:lstStyle/>
+          <a:p>
+            <a:pPr algn="ctr"/>
+            <a:r>
+              <a:rPr lang="en-US" altLang="zh-CN" sz="800" dirty="0"/>
+              <a:t>S</a:t>
+            </a:r>
+            <a:endParaRPr lang="en-CA" sz="800" dirty="0"/>
+          </a:p>
+        </p:txBody>
+      </p:sp>
+      <p:sp>
+        <p:nvSpPr>
+          <p:cNvPr id="1096" name="文本框 1095">
+            <a:extLst>
+              <a:ext uri="{FF2B5EF4-FFF2-40B4-BE49-F238E27FC236}">
+                <a16:creationId xmlns:a16="http://schemas.microsoft.com/office/drawing/2014/main" id="{9184E7AA-587B-27D1-3A5A-2480015751C4}"/>
+              </a:ext>
+            </a:extLst>
+          </p:cNvPr>
+          <p:cNvSpPr txBox="1"/>
+          <p:nvPr/>
+        </p:nvSpPr>
+        <p:spPr>
+          <a:xfrm>
+            <a:off x="6393388" y="6214989"/>
+            <a:ext cx="158280" cy="215444"/>
+          </a:xfrm>
+          <a:prstGeom prst="rect">
+            <a:avLst/>
+          </a:prstGeom>
+          <a:noFill/>
+        </p:spPr>
+        <p:txBody>
+          <a:bodyPr wrap="square" rtlCol="0">
+            <a:spAutoFit/>
+          </a:bodyPr>
+          <a:lstStyle/>
+          <a:p>
+            <a:pPr algn="ctr"/>
+            <a:r>
+              <a:rPr lang="en-US" sz="800" dirty="0"/>
+              <a:t>+</a:t>
+            </a:r>
+            <a:endParaRPr lang="en-CA" sz="800" dirty="0"/>
+          </a:p>
+        </p:txBody>
+      </p:sp>
+      <p:cxnSp>
+        <p:nvCxnSpPr>
+          <p:cNvPr id="1103" name="连接符: 肘形 1102">
+            <a:extLst>
+              <a:ext uri="{FF2B5EF4-FFF2-40B4-BE49-F238E27FC236}">
+                <a16:creationId xmlns:a16="http://schemas.microsoft.com/office/drawing/2014/main" id="{415746F0-E4B9-0DCF-3711-110E0495CD6D}"/>
+              </a:ext>
+            </a:extLst>
+          </p:cNvPr>
+          <p:cNvCxnSpPr>
+            <a:cxnSpLocks/>
+            <a:stCxn id="15" idx="6"/>
+            <a:endCxn id="1093" idx="1"/>
+          </p:cNvCxnSpPr>
+          <p:nvPr/>
+        </p:nvCxnSpPr>
+        <p:spPr>
+          <a:xfrm>
+            <a:off x="4446806" y="5584039"/>
+            <a:ext cx="1732380" cy="447503"/>
+          </a:xfrm>
+          <a:prstGeom prst="bentConnector3">
+            <a:avLst>
+              <a:gd name="adj1" fmla="val 86975"/>
+            </a:avLst>
+          </a:prstGeom>
+          <a:ln w="12700">
+            <a:solidFill>
+              <a:srgbClr val="000000">
+                <a:alpha val="50196"/>
+              </a:srgbClr>
+            </a:solidFill>
+          </a:ln>
+        </p:spPr>
+        <p:style>
+          <a:lnRef idx="3">
+            <a:schemeClr val="dk1"/>
+          </a:lnRef>
+          <a:fillRef idx="0">
+            <a:schemeClr val="dk1"/>
+          </a:fillRef>
+          <a:effectRef idx="2">
+            <a:schemeClr val="dk1"/>
+          </a:effectRef>
+          <a:fontRef idx="minor">
+            <a:schemeClr val="tx1"/>
+          </a:fontRef>
+        </p:style>
+      </p:cxnSp>
+      <p:cxnSp>
+        <p:nvCxnSpPr>
+          <p:cNvPr id="1107" name="连接符: 肘形 1106">
+            <a:extLst>
+              <a:ext uri="{FF2B5EF4-FFF2-40B4-BE49-F238E27FC236}">
+                <a16:creationId xmlns:a16="http://schemas.microsoft.com/office/drawing/2014/main" id="{41E8BAA9-4693-9519-5A90-2D2DAAD2F0F6}"/>
+              </a:ext>
+            </a:extLst>
+          </p:cNvPr>
+          <p:cNvCxnSpPr>
+            <a:cxnSpLocks/>
+            <a:stCxn id="1093" idx="2"/>
+            <a:endCxn id="32" idx="3"/>
+          </p:cNvCxnSpPr>
+          <p:nvPr/>
+        </p:nvCxnSpPr>
+        <p:spPr>
+          <a:xfrm rot="5400000" flipH="1" flipV="1">
+            <a:off x="5494419" y="4136925"/>
+            <a:ext cx="3031673" cy="1209850"/>
+          </a:xfrm>
+          <a:prstGeom prst="bentConnector4">
+            <a:avLst>
+              <a:gd name="adj1" fmla="val -7540"/>
+              <a:gd name="adj2" fmla="val 128933"/>
+            </a:avLst>
+          </a:prstGeom>
+          <a:ln w="12700">
+            <a:solidFill>
+              <a:srgbClr val="FF0000"/>
+            </a:solidFill>
+          </a:ln>
+        </p:spPr>
+        <p:style>
+          <a:lnRef idx="1">
+            <a:schemeClr val="dk1"/>
+          </a:lnRef>
+          <a:fillRef idx="0">
+            <a:schemeClr val="dk1"/>
+          </a:fillRef>
+          <a:effectRef idx="0">
+            <a:schemeClr val="dk1"/>
+          </a:effectRef>
+          <a:fontRef idx="minor">
+            <a:schemeClr val="tx1"/>
+          </a:fontRef>
+        </p:style>
+      </p:cxnSp>
+      <p:cxnSp>
+        <p:nvCxnSpPr>
+          <p:cNvPr id="1112" name="连接符: 肘形 1111">
+            <a:extLst>
+              <a:ext uri="{FF2B5EF4-FFF2-40B4-BE49-F238E27FC236}">
+                <a16:creationId xmlns:a16="http://schemas.microsoft.com/office/drawing/2014/main" id="{5C8E61C7-DD6E-6E6F-4A61-0BDC93DF62C4}"/>
+              </a:ext>
+            </a:extLst>
+          </p:cNvPr>
+          <p:cNvCxnSpPr>
+            <a:cxnSpLocks/>
+            <a:stCxn id="1093" idx="3"/>
+            <a:endCxn id="32" idx="2"/>
+          </p:cNvCxnSpPr>
+          <p:nvPr/>
+        </p:nvCxnSpPr>
+        <p:spPr>
+          <a:xfrm flipV="1">
+            <a:off x="6631475" y="3494512"/>
+            <a:ext cx="715207" cy="2537030"/>
+          </a:xfrm>
+          <a:prstGeom prst="bentConnector2">
+            <a:avLst/>
+          </a:prstGeom>
+          <a:ln w="12700">
+            <a:solidFill>
+              <a:schemeClr val="accent1"/>
+            </a:solidFill>
+          </a:ln>
+        </p:spPr>
+        <p:style>
+          <a:lnRef idx="1">
+            <a:schemeClr val="dk1"/>
+          </a:lnRef>
+          <a:fillRef idx="0">
+            <a:schemeClr val="dk1"/>
+          </a:fillRef>
+          <a:effectRef idx="0">
+            <a:schemeClr val="dk1"/>
+          </a:effectRef>
+          <a:fontRef idx="minor">
+            <a:schemeClr val="tx1"/>
+          </a:fontRef>
+        </p:style>
+      </p:cxnSp>
     </p:spTree>
     <p:extLst>
       <p:ext uri="{BB962C8B-B14F-4D97-AF65-F5344CB8AC3E}">

--- a/design/Pin Config.pptx
+++ b/design/Pin Config.pptx
@@ -261,7 +261,7 @@
           <a:p>
             <a:fld id="{1EE067C5-B0D5-4C60-B88D-98EEA2B6AD97}" type="datetimeFigureOut">
               <a:rPr lang="en-CA" smtClean="0"/>
-              <a:t>2024-01-27</a:t>
+              <a:t>2024-01-28</a:t>
             </a:fld>
             <a:endParaRPr lang="en-CA"/>
           </a:p>
@@ -461,7 +461,7 @@
           <a:p>
             <a:fld id="{1EE067C5-B0D5-4C60-B88D-98EEA2B6AD97}" type="datetimeFigureOut">
               <a:rPr lang="en-CA" smtClean="0"/>
-              <a:t>2024-01-27</a:t>
+              <a:t>2024-01-28</a:t>
             </a:fld>
             <a:endParaRPr lang="en-CA"/>
           </a:p>
@@ -671,7 +671,7 @@
           <a:p>
             <a:fld id="{1EE067C5-B0D5-4C60-B88D-98EEA2B6AD97}" type="datetimeFigureOut">
               <a:rPr lang="en-CA" smtClean="0"/>
-              <a:t>2024-01-27</a:t>
+              <a:t>2024-01-28</a:t>
             </a:fld>
             <a:endParaRPr lang="en-CA"/>
           </a:p>
@@ -871,7 +871,7 @@
           <a:p>
             <a:fld id="{1EE067C5-B0D5-4C60-B88D-98EEA2B6AD97}" type="datetimeFigureOut">
               <a:rPr lang="en-CA" smtClean="0"/>
-              <a:t>2024-01-27</a:t>
+              <a:t>2024-01-28</a:t>
             </a:fld>
             <a:endParaRPr lang="en-CA"/>
           </a:p>
@@ -1147,7 +1147,7 @@
           <a:p>
             <a:fld id="{1EE067C5-B0D5-4C60-B88D-98EEA2B6AD97}" type="datetimeFigureOut">
               <a:rPr lang="en-CA" smtClean="0"/>
-              <a:t>2024-01-27</a:t>
+              <a:t>2024-01-28</a:t>
             </a:fld>
             <a:endParaRPr lang="en-CA"/>
           </a:p>
@@ -1415,7 +1415,7 @@
           <a:p>
             <a:fld id="{1EE067C5-B0D5-4C60-B88D-98EEA2B6AD97}" type="datetimeFigureOut">
               <a:rPr lang="en-CA" smtClean="0"/>
-              <a:t>2024-01-27</a:t>
+              <a:t>2024-01-28</a:t>
             </a:fld>
             <a:endParaRPr lang="en-CA"/>
           </a:p>
@@ -1830,7 +1830,7 @@
           <a:p>
             <a:fld id="{1EE067C5-B0D5-4C60-B88D-98EEA2B6AD97}" type="datetimeFigureOut">
               <a:rPr lang="en-CA" smtClean="0"/>
-              <a:t>2024-01-27</a:t>
+              <a:t>2024-01-28</a:t>
             </a:fld>
             <a:endParaRPr lang="en-CA"/>
           </a:p>
@@ -1972,7 +1972,7 @@
           <a:p>
             <a:fld id="{1EE067C5-B0D5-4C60-B88D-98EEA2B6AD97}" type="datetimeFigureOut">
               <a:rPr lang="en-CA" smtClean="0"/>
-              <a:t>2024-01-27</a:t>
+              <a:t>2024-01-28</a:t>
             </a:fld>
             <a:endParaRPr lang="en-CA"/>
           </a:p>
@@ -2085,7 +2085,7 @@
           <a:p>
             <a:fld id="{1EE067C5-B0D5-4C60-B88D-98EEA2B6AD97}" type="datetimeFigureOut">
               <a:rPr lang="en-CA" smtClean="0"/>
-              <a:t>2024-01-27</a:t>
+              <a:t>2024-01-28</a:t>
             </a:fld>
             <a:endParaRPr lang="en-CA"/>
           </a:p>
@@ -2398,7 +2398,7 @@
           <a:p>
             <a:fld id="{1EE067C5-B0D5-4C60-B88D-98EEA2B6AD97}" type="datetimeFigureOut">
               <a:rPr lang="en-CA" smtClean="0"/>
-              <a:t>2024-01-27</a:t>
+              <a:t>2024-01-28</a:t>
             </a:fld>
             <a:endParaRPr lang="en-CA"/>
           </a:p>
@@ -2687,7 +2687,7 @@
           <a:p>
             <a:fld id="{1EE067C5-B0D5-4C60-B88D-98EEA2B6AD97}" type="datetimeFigureOut">
               <a:rPr lang="en-CA" smtClean="0"/>
-              <a:t>2024-01-27</a:t>
+              <a:t>2024-01-28</a:t>
             </a:fld>
             <a:endParaRPr lang="en-CA"/>
           </a:p>
@@ -2930,7 +2930,7 @@
           <a:p>
             <a:fld id="{1EE067C5-B0D5-4C60-B88D-98EEA2B6AD97}" type="datetimeFigureOut">
               <a:rPr lang="en-CA" smtClean="0"/>
-              <a:t>2024-01-27</a:t>
+              <a:t>2024-01-28</a:t>
             </a:fld>
             <a:endParaRPr lang="en-CA"/>
           </a:p>
@@ -3608,7 +3608,7 @@
           </a:xfrm>
           <a:prstGeom prst="bentConnector3">
             <a:avLst>
-              <a:gd name="adj1" fmla="val 82567"/>
+              <a:gd name="adj1" fmla="val 82384"/>
             </a:avLst>
           </a:prstGeom>
           <a:ln w="12700">

--- a/design/Pin Config.pptx
+++ b/design/Pin Config.pptx
@@ -261,7 +261,7 @@
           <a:p>
             <a:fld id="{1EE067C5-B0D5-4C60-B88D-98EEA2B6AD97}" type="datetimeFigureOut">
               <a:rPr lang="en-CA" smtClean="0"/>
-              <a:t>2024-01-28</a:t>
+              <a:t>2024-01-29</a:t>
             </a:fld>
             <a:endParaRPr lang="en-CA"/>
           </a:p>
@@ -461,7 +461,7 @@
           <a:p>
             <a:fld id="{1EE067C5-B0D5-4C60-B88D-98EEA2B6AD97}" type="datetimeFigureOut">
               <a:rPr lang="en-CA" smtClean="0"/>
-              <a:t>2024-01-28</a:t>
+              <a:t>2024-01-29</a:t>
             </a:fld>
             <a:endParaRPr lang="en-CA"/>
           </a:p>
@@ -671,7 +671,7 @@
           <a:p>
             <a:fld id="{1EE067C5-B0D5-4C60-B88D-98EEA2B6AD97}" type="datetimeFigureOut">
               <a:rPr lang="en-CA" smtClean="0"/>
-              <a:t>2024-01-28</a:t>
+              <a:t>2024-01-29</a:t>
             </a:fld>
             <a:endParaRPr lang="en-CA"/>
           </a:p>
@@ -871,7 +871,7 @@
           <a:p>
             <a:fld id="{1EE067C5-B0D5-4C60-B88D-98EEA2B6AD97}" type="datetimeFigureOut">
               <a:rPr lang="en-CA" smtClean="0"/>
-              <a:t>2024-01-28</a:t>
+              <a:t>2024-01-29</a:t>
             </a:fld>
             <a:endParaRPr lang="en-CA"/>
           </a:p>
@@ -1147,7 +1147,7 @@
           <a:p>
             <a:fld id="{1EE067C5-B0D5-4C60-B88D-98EEA2B6AD97}" type="datetimeFigureOut">
               <a:rPr lang="en-CA" smtClean="0"/>
-              <a:t>2024-01-28</a:t>
+              <a:t>2024-01-29</a:t>
             </a:fld>
             <a:endParaRPr lang="en-CA"/>
           </a:p>
@@ -1415,7 +1415,7 @@
           <a:p>
             <a:fld id="{1EE067C5-B0D5-4C60-B88D-98EEA2B6AD97}" type="datetimeFigureOut">
               <a:rPr lang="en-CA" smtClean="0"/>
-              <a:t>2024-01-28</a:t>
+              <a:t>2024-01-29</a:t>
             </a:fld>
             <a:endParaRPr lang="en-CA"/>
           </a:p>
@@ -1830,7 +1830,7 @@
           <a:p>
             <a:fld id="{1EE067C5-B0D5-4C60-B88D-98EEA2B6AD97}" type="datetimeFigureOut">
               <a:rPr lang="en-CA" smtClean="0"/>
-              <a:t>2024-01-28</a:t>
+              <a:t>2024-01-29</a:t>
             </a:fld>
             <a:endParaRPr lang="en-CA"/>
           </a:p>
@@ -1972,7 +1972,7 @@
           <a:p>
             <a:fld id="{1EE067C5-B0D5-4C60-B88D-98EEA2B6AD97}" type="datetimeFigureOut">
               <a:rPr lang="en-CA" smtClean="0"/>
-              <a:t>2024-01-28</a:t>
+              <a:t>2024-01-29</a:t>
             </a:fld>
             <a:endParaRPr lang="en-CA"/>
           </a:p>
@@ -2085,7 +2085,7 @@
           <a:p>
             <a:fld id="{1EE067C5-B0D5-4C60-B88D-98EEA2B6AD97}" type="datetimeFigureOut">
               <a:rPr lang="en-CA" smtClean="0"/>
-              <a:t>2024-01-28</a:t>
+              <a:t>2024-01-29</a:t>
             </a:fld>
             <a:endParaRPr lang="en-CA"/>
           </a:p>
@@ -2398,7 +2398,7 @@
           <a:p>
             <a:fld id="{1EE067C5-B0D5-4C60-B88D-98EEA2B6AD97}" type="datetimeFigureOut">
               <a:rPr lang="en-CA" smtClean="0"/>
-              <a:t>2024-01-28</a:t>
+              <a:t>2024-01-29</a:t>
             </a:fld>
             <a:endParaRPr lang="en-CA"/>
           </a:p>
@@ -2687,7 +2687,7 @@
           <a:p>
             <a:fld id="{1EE067C5-B0D5-4C60-B88D-98EEA2B6AD97}" type="datetimeFigureOut">
               <a:rPr lang="en-CA" smtClean="0"/>
-              <a:t>2024-01-28</a:t>
+              <a:t>2024-01-29</a:t>
             </a:fld>
             <a:endParaRPr lang="en-CA"/>
           </a:p>
@@ -2930,7 +2930,7 @@
           <a:p>
             <a:fld id="{1EE067C5-B0D5-4C60-B88D-98EEA2B6AD97}" type="datetimeFigureOut">
               <a:rPr lang="en-CA" smtClean="0"/>
-              <a:t>2024-01-28</a:t>
+              <a:t>2024-01-29</a:t>
             </a:fld>
             <a:endParaRPr lang="en-CA"/>
           </a:p>
@@ -5046,6 +5046,521 @@
           </a:fontRef>
         </p:style>
       </p:cxnSp>
+      <p:pic>
+        <p:nvPicPr>
+          <p:cNvPr id="6" name="Graphic 5" descr="Smart Phone outline">
+            <a:extLst>
+              <a:ext uri="{FF2B5EF4-FFF2-40B4-BE49-F238E27FC236}">
+                <a16:creationId xmlns:a16="http://schemas.microsoft.com/office/drawing/2014/main" id="{0A2EC134-E4F7-95FA-EF96-35CB6AC8D94A}"/>
+              </a:ext>
+            </a:extLst>
+          </p:cNvPr>
+          <p:cNvPicPr>
+            <a:picLocks noChangeAspect="1"/>
+          </p:cNvPicPr>
+          <p:nvPr/>
+        </p:nvPicPr>
+        <p:blipFill>
+          <a:blip r:embed="rId4">
+            <a:extLst>
+              <a:ext uri="{28A0092B-C50C-407E-A947-70E740481C1C}">
+                <a14:useLocalDpi xmlns:a14="http://schemas.microsoft.com/office/drawing/2010/main" val="0"/>
+              </a:ext>
+              <a:ext uri="{96DAC541-7B7A-43D3-8B79-37D633B846F1}">
+                <asvg:svgBlip xmlns:asvg="http://schemas.microsoft.com/office/drawing/2016/SVG/main" r:embed="rId5"/>
+              </a:ext>
+            </a:extLst>
+          </a:blip>
+          <a:stretch>
+            <a:fillRect/>
+          </a:stretch>
+        </p:blipFill>
+        <p:spPr>
+          <a:xfrm>
+            <a:off x="2090799" y="284336"/>
+            <a:ext cx="914400" cy="914400"/>
+          </a:xfrm>
+          <a:prstGeom prst="rect">
+            <a:avLst/>
+          </a:prstGeom>
+        </p:spPr>
+      </p:pic>
+      <p:pic>
+        <p:nvPicPr>
+          <p:cNvPr id="8" name="Graphic 7" descr="Wireless with solid fill">
+            <a:extLst>
+              <a:ext uri="{FF2B5EF4-FFF2-40B4-BE49-F238E27FC236}">
+                <a16:creationId xmlns:a16="http://schemas.microsoft.com/office/drawing/2014/main" id="{E39EBFD4-6F55-A06A-ACCD-F25C6A5D40B9}"/>
+              </a:ext>
+            </a:extLst>
+          </p:cNvPr>
+          <p:cNvPicPr>
+            <a:picLocks noChangeAspect="1"/>
+          </p:cNvPicPr>
+          <p:nvPr/>
+        </p:nvPicPr>
+        <p:blipFill>
+          <a:blip r:embed="rId6">
+            <a:extLst>
+              <a:ext uri="{28A0092B-C50C-407E-A947-70E740481C1C}">
+                <a14:useLocalDpi xmlns:a14="http://schemas.microsoft.com/office/drawing/2010/main" val="0"/>
+              </a:ext>
+              <a:ext uri="{96DAC541-7B7A-43D3-8B79-37D633B846F1}">
+                <asvg:svgBlip xmlns:asvg="http://schemas.microsoft.com/office/drawing/2016/SVG/main" r:embed="rId7"/>
+              </a:ext>
+            </a:extLst>
+          </a:blip>
+          <a:stretch>
+            <a:fillRect/>
+          </a:stretch>
+        </p:blipFill>
+        <p:spPr>
+          <a:xfrm rot="8953232">
+            <a:off x="3107067" y="373007"/>
+            <a:ext cx="549331" cy="549331"/>
+          </a:xfrm>
+          <a:prstGeom prst="rect">
+            <a:avLst/>
+          </a:prstGeom>
+        </p:spPr>
+      </p:pic>
+      <p:pic>
+        <p:nvPicPr>
+          <p:cNvPr id="12" name="Graphic 11" descr="Laptop with phone and calculator">
+            <a:extLst>
+              <a:ext uri="{FF2B5EF4-FFF2-40B4-BE49-F238E27FC236}">
+                <a16:creationId xmlns:a16="http://schemas.microsoft.com/office/drawing/2014/main" id="{D4904582-0E75-86B1-1AC4-2903F5736B69}"/>
+              </a:ext>
+            </a:extLst>
+          </p:cNvPr>
+          <p:cNvPicPr>
+            <a:picLocks noChangeAspect="1"/>
+          </p:cNvPicPr>
+          <p:nvPr/>
+        </p:nvPicPr>
+        <p:blipFill>
+          <a:blip r:embed="rId8">
+            <a:extLst>
+              <a:ext uri="{28A0092B-C50C-407E-A947-70E740481C1C}">
+                <a14:useLocalDpi xmlns:a14="http://schemas.microsoft.com/office/drawing/2010/main" val="0"/>
+              </a:ext>
+              <a:ext uri="{96DAC541-7B7A-43D3-8B79-37D633B846F1}">
+                <asvg:svgBlip xmlns:asvg="http://schemas.microsoft.com/office/drawing/2016/SVG/main" r:embed="rId9"/>
+              </a:ext>
+            </a:extLst>
+          </a:blip>
+          <a:stretch>
+            <a:fillRect/>
+          </a:stretch>
+        </p:blipFill>
+        <p:spPr>
+          <a:xfrm>
+            <a:off x="151013" y="1632871"/>
+            <a:ext cx="1614841" cy="1614841"/>
+          </a:xfrm>
+          <a:prstGeom prst="rect">
+            <a:avLst/>
+          </a:prstGeom>
+        </p:spPr>
+      </p:pic>
+      <p:pic>
+        <p:nvPicPr>
+          <p:cNvPr id="18" name="Graphic 17" descr="Syncing cloud outline">
+            <a:extLst>
+              <a:ext uri="{FF2B5EF4-FFF2-40B4-BE49-F238E27FC236}">
+                <a16:creationId xmlns:a16="http://schemas.microsoft.com/office/drawing/2014/main" id="{F6301607-57CF-E1AD-F085-F2EE438EF2D8}"/>
+              </a:ext>
+            </a:extLst>
+          </p:cNvPr>
+          <p:cNvPicPr>
+            <a:picLocks noChangeAspect="1"/>
+          </p:cNvPicPr>
+          <p:nvPr/>
+        </p:nvPicPr>
+        <p:blipFill>
+          <a:blip r:embed="rId10">
+            <a:extLst>
+              <a:ext uri="{28A0092B-C50C-407E-A947-70E740481C1C}">
+                <a14:useLocalDpi xmlns:a14="http://schemas.microsoft.com/office/drawing/2010/main" val="0"/>
+              </a:ext>
+              <a:ext uri="{96DAC541-7B7A-43D3-8B79-37D633B846F1}">
+                <asvg:svgBlip xmlns:asvg="http://schemas.microsoft.com/office/drawing/2016/SVG/main" r:embed="rId11"/>
+              </a:ext>
+            </a:extLst>
+          </a:blip>
+          <a:stretch>
+            <a:fillRect/>
+          </a:stretch>
+        </p:blipFill>
+        <p:spPr>
+          <a:xfrm>
+            <a:off x="465429" y="172223"/>
+            <a:ext cx="914400" cy="914400"/>
+          </a:xfrm>
+          <a:prstGeom prst="rect">
+            <a:avLst/>
+          </a:prstGeom>
+        </p:spPr>
+      </p:pic>
+      <p:cxnSp>
+        <p:nvCxnSpPr>
+          <p:cNvPr id="22" name="Straight Connector 21">
+            <a:extLst>
+              <a:ext uri="{FF2B5EF4-FFF2-40B4-BE49-F238E27FC236}">
+                <a16:creationId xmlns:a16="http://schemas.microsoft.com/office/drawing/2014/main" id="{7CCD7A46-6B8B-406E-2D81-8E6199DEA3A3}"/>
+              </a:ext>
+            </a:extLst>
+          </p:cNvPr>
+          <p:cNvCxnSpPr>
+            <a:cxnSpLocks/>
+            <a:stCxn id="18" idx="3"/>
+          </p:cNvCxnSpPr>
+          <p:nvPr/>
+        </p:nvCxnSpPr>
+        <p:spPr>
+          <a:xfrm>
+            <a:off x="1379829" y="629423"/>
+            <a:ext cx="866414" cy="0"/>
+          </a:xfrm>
+          <a:prstGeom prst="line">
+            <a:avLst/>
+          </a:prstGeom>
+          <a:ln w="12700">
+            <a:solidFill>
+              <a:schemeClr val="tx1"/>
+            </a:solidFill>
+            <a:prstDash val="sysDash"/>
+          </a:ln>
+        </p:spPr>
+        <p:style>
+          <a:lnRef idx="1">
+            <a:schemeClr val="accent1"/>
+          </a:lnRef>
+          <a:fillRef idx="0">
+            <a:schemeClr val="accent1"/>
+          </a:fillRef>
+          <a:effectRef idx="0">
+            <a:schemeClr val="accent1"/>
+          </a:effectRef>
+          <a:fontRef idx="minor">
+            <a:schemeClr val="tx1"/>
+          </a:fontRef>
+        </p:style>
+      </p:cxnSp>
+      <p:cxnSp>
+        <p:nvCxnSpPr>
+          <p:cNvPr id="27" name="Straight Connector 26">
+            <a:extLst>
+              <a:ext uri="{FF2B5EF4-FFF2-40B4-BE49-F238E27FC236}">
+                <a16:creationId xmlns:a16="http://schemas.microsoft.com/office/drawing/2014/main" id="{6F11C7B2-2223-0461-F1F2-A908F60CE2E6}"/>
+              </a:ext>
+            </a:extLst>
+          </p:cNvPr>
+          <p:cNvCxnSpPr>
+            <a:cxnSpLocks/>
+          </p:cNvCxnSpPr>
+          <p:nvPr/>
+        </p:nvCxnSpPr>
+        <p:spPr>
+          <a:xfrm>
+            <a:off x="912688" y="966950"/>
+            <a:ext cx="0" cy="904460"/>
+          </a:xfrm>
+          <a:prstGeom prst="line">
+            <a:avLst/>
+          </a:prstGeom>
+          <a:ln w="12700">
+            <a:solidFill>
+              <a:schemeClr val="tx1"/>
+            </a:solidFill>
+            <a:prstDash val="sysDash"/>
+          </a:ln>
+        </p:spPr>
+        <p:style>
+          <a:lnRef idx="1">
+            <a:schemeClr val="accent1"/>
+          </a:lnRef>
+          <a:fillRef idx="0">
+            <a:schemeClr val="accent1"/>
+          </a:fillRef>
+          <a:effectRef idx="0">
+            <a:schemeClr val="accent1"/>
+          </a:effectRef>
+          <a:fontRef idx="minor">
+            <a:schemeClr val="tx1"/>
+          </a:fontRef>
+        </p:style>
+      </p:cxnSp>
+      <p:sp>
+        <p:nvSpPr>
+          <p:cNvPr id="47" name="文本框 18">
+            <a:extLst>
+              <a:ext uri="{FF2B5EF4-FFF2-40B4-BE49-F238E27FC236}">
+                <a16:creationId xmlns:a16="http://schemas.microsoft.com/office/drawing/2014/main" id="{55144CE1-1C87-2265-A3B4-49781C4710E7}"/>
+              </a:ext>
+            </a:extLst>
+          </p:cNvPr>
+          <p:cNvSpPr txBox="1"/>
+          <p:nvPr/>
+        </p:nvSpPr>
+        <p:spPr>
+          <a:xfrm>
+            <a:off x="501828" y="3087512"/>
+            <a:ext cx="841601" cy="276999"/>
+          </a:xfrm>
+          <a:prstGeom prst="rect">
+            <a:avLst/>
+          </a:prstGeom>
+          <a:noFill/>
+        </p:spPr>
+        <p:txBody>
+          <a:bodyPr wrap="square" rtlCol="0">
+            <a:spAutoFit/>
+          </a:bodyPr>
+          <a:lstStyle/>
+          <a:p>
+            <a:pPr algn="ctr"/>
+            <a:r>
+              <a:rPr lang="en-CA" sz="1200" dirty="0"/>
+              <a:t>Pit Crew</a:t>
+            </a:r>
+          </a:p>
+        </p:txBody>
+      </p:sp>
+      <p:pic>
+        <p:nvPicPr>
+          <p:cNvPr id="53" name="Graphic 52" descr="Full battery outline">
+            <a:extLst>
+              <a:ext uri="{FF2B5EF4-FFF2-40B4-BE49-F238E27FC236}">
+                <a16:creationId xmlns:a16="http://schemas.microsoft.com/office/drawing/2014/main" id="{944C8271-FB70-CD77-4A46-CBF36294DFA5}"/>
+              </a:ext>
+            </a:extLst>
+          </p:cNvPr>
+          <p:cNvPicPr>
+            <a:picLocks noChangeAspect="1"/>
+          </p:cNvPicPr>
+          <p:nvPr/>
+        </p:nvPicPr>
+        <p:blipFill>
+          <a:blip r:embed="rId12">
+            <a:extLst>
+              <a:ext uri="{28A0092B-C50C-407E-A947-70E740481C1C}">
+                <a14:useLocalDpi xmlns:a14="http://schemas.microsoft.com/office/drawing/2010/main" val="0"/>
+              </a:ext>
+              <a:ext uri="{96DAC541-7B7A-43D3-8B79-37D633B846F1}">
+                <asvg:svgBlip xmlns:asvg="http://schemas.microsoft.com/office/drawing/2016/SVG/main" r:embed="rId13"/>
+              </a:ext>
+            </a:extLst>
+          </a:blip>
+          <a:stretch>
+            <a:fillRect/>
+          </a:stretch>
+        </p:blipFill>
+        <p:spPr>
+          <a:xfrm>
+            <a:off x="8812401" y="-14977"/>
+            <a:ext cx="1288800" cy="1288800"/>
+          </a:xfrm>
+          <a:prstGeom prst="rect">
+            <a:avLst/>
+          </a:prstGeom>
+        </p:spPr>
+      </p:pic>
+      <p:sp>
+        <p:nvSpPr>
+          <p:cNvPr id="54" name="文本框 18">
+            <a:extLst>
+              <a:ext uri="{FF2B5EF4-FFF2-40B4-BE49-F238E27FC236}">
+                <a16:creationId xmlns:a16="http://schemas.microsoft.com/office/drawing/2014/main" id="{B6439F37-947B-AA13-91F2-A1AC1A8ADFB0}"/>
+              </a:ext>
+            </a:extLst>
+          </p:cNvPr>
+          <p:cNvSpPr txBox="1"/>
+          <p:nvPr/>
+        </p:nvSpPr>
+        <p:spPr>
+          <a:xfrm>
+            <a:off x="8917967" y="22163"/>
+            <a:ext cx="944530" cy="276999"/>
+          </a:xfrm>
+          <a:prstGeom prst="rect">
+            <a:avLst/>
+          </a:prstGeom>
+          <a:noFill/>
+        </p:spPr>
+        <p:txBody>
+          <a:bodyPr wrap="square" rtlCol="0">
+            <a:spAutoFit/>
+          </a:bodyPr>
+          <a:lstStyle/>
+          <a:p>
+            <a:pPr algn="ctr"/>
+            <a:r>
+              <a:rPr lang="en-CA" sz="1200" dirty="0"/>
+              <a:t>Power Bank</a:t>
+            </a:r>
+          </a:p>
+        </p:txBody>
+      </p:sp>
+      <p:cxnSp>
+        <p:nvCxnSpPr>
+          <p:cNvPr id="1025" name="Elbow Connector 1024">
+            <a:extLst>
+              <a:ext uri="{FF2B5EF4-FFF2-40B4-BE49-F238E27FC236}">
+                <a16:creationId xmlns:a16="http://schemas.microsoft.com/office/drawing/2014/main" id="{DABCCFCE-2109-714A-819B-7DD394750F02}"/>
+              </a:ext>
+            </a:extLst>
+          </p:cNvPr>
+          <p:cNvCxnSpPr>
+            <a:cxnSpLocks/>
+            <a:stCxn id="53" idx="1"/>
+          </p:cNvCxnSpPr>
+          <p:nvPr/>
+        </p:nvCxnSpPr>
+        <p:spPr>
+          <a:xfrm rot="10800000">
+            <a:off x="6550259" y="145843"/>
+            <a:ext cx="2262142" cy="483581"/>
+          </a:xfrm>
+          <a:prstGeom prst="bentConnector3">
+            <a:avLst>
+              <a:gd name="adj1" fmla="val 7795"/>
+            </a:avLst>
+          </a:prstGeom>
+          <a:ln w="12700"/>
+        </p:spPr>
+        <p:style>
+          <a:lnRef idx="1">
+            <a:schemeClr val="dk1"/>
+          </a:lnRef>
+          <a:fillRef idx="0">
+            <a:schemeClr val="dk1"/>
+          </a:fillRef>
+          <a:effectRef idx="0">
+            <a:schemeClr val="dk1"/>
+          </a:effectRef>
+          <a:fontRef idx="minor">
+            <a:schemeClr val="tx1"/>
+          </a:fontRef>
+        </p:style>
+      </p:cxnSp>
+      <p:cxnSp>
+        <p:nvCxnSpPr>
+          <p:cNvPr id="1032" name="Elbow Connector 1031">
+            <a:extLst>
+              <a:ext uri="{FF2B5EF4-FFF2-40B4-BE49-F238E27FC236}">
+                <a16:creationId xmlns:a16="http://schemas.microsoft.com/office/drawing/2014/main" id="{D59D88D1-884E-448F-9436-89A5666CA358}"/>
+              </a:ext>
+            </a:extLst>
+          </p:cNvPr>
+          <p:cNvCxnSpPr>
+            <a:cxnSpLocks/>
+          </p:cNvCxnSpPr>
+          <p:nvPr/>
+        </p:nvCxnSpPr>
+        <p:spPr>
+          <a:xfrm flipV="1">
+            <a:off x="3758266" y="145843"/>
+            <a:ext cx="2791993" cy="629424"/>
+          </a:xfrm>
+          <a:prstGeom prst="bentConnector3">
+            <a:avLst>
+              <a:gd name="adj1" fmla="val -4254"/>
+            </a:avLst>
+          </a:prstGeom>
+          <a:ln w="12700">
+            <a:solidFill>
+              <a:schemeClr val="tx1"/>
+            </a:solidFill>
+          </a:ln>
+        </p:spPr>
+        <p:style>
+          <a:lnRef idx="1">
+            <a:schemeClr val="dk1"/>
+          </a:lnRef>
+          <a:fillRef idx="0">
+            <a:schemeClr val="dk1"/>
+          </a:fillRef>
+          <a:effectRef idx="0">
+            <a:schemeClr val="dk1"/>
+          </a:effectRef>
+          <a:fontRef idx="minor">
+            <a:schemeClr val="tx1"/>
+          </a:fontRef>
+        </p:style>
+      </p:cxnSp>
+      <p:sp>
+        <p:nvSpPr>
+          <p:cNvPr id="1048" name="文本框 18">
+            <a:extLst>
+              <a:ext uri="{FF2B5EF4-FFF2-40B4-BE49-F238E27FC236}">
+                <a16:creationId xmlns:a16="http://schemas.microsoft.com/office/drawing/2014/main" id="{DA432184-38D7-6525-2326-75161C4F741D}"/>
+              </a:ext>
+            </a:extLst>
+          </p:cNvPr>
+          <p:cNvSpPr txBox="1"/>
+          <p:nvPr/>
+        </p:nvSpPr>
+        <p:spPr>
+          <a:xfrm>
+            <a:off x="3453318" y="781525"/>
+            <a:ext cx="466281" cy="215444"/>
+          </a:xfrm>
+          <a:prstGeom prst="rect">
+            <a:avLst/>
+          </a:prstGeom>
+          <a:noFill/>
+        </p:spPr>
+        <p:txBody>
+          <a:bodyPr wrap="square" rtlCol="0">
+            <a:spAutoFit/>
+          </a:bodyPr>
+          <a:lstStyle/>
+          <a:p>
+            <a:pPr algn="ctr"/>
+            <a:r>
+              <a:rPr lang="en-CA" sz="800" dirty="0"/>
+              <a:t>USB-C</a:t>
+            </a:r>
+          </a:p>
+        </p:txBody>
+      </p:sp>
+      <p:sp>
+        <p:nvSpPr>
+          <p:cNvPr id="1049" name="文本框 18">
+            <a:extLst>
+              <a:ext uri="{FF2B5EF4-FFF2-40B4-BE49-F238E27FC236}">
+                <a16:creationId xmlns:a16="http://schemas.microsoft.com/office/drawing/2014/main" id="{2D185955-080F-5D58-BF81-4DCF1991E5A1}"/>
+              </a:ext>
+            </a:extLst>
+          </p:cNvPr>
+          <p:cNvSpPr txBox="1"/>
+          <p:nvPr/>
+        </p:nvSpPr>
+        <p:spPr>
+          <a:xfrm>
+            <a:off x="8388883" y="633814"/>
+            <a:ext cx="549075" cy="215444"/>
+          </a:xfrm>
+          <a:prstGeom prst="rect">
+            <a:avLst/>
+          </a:prstGeom>
+          <a:noFill/>
+        </p:spPr>
+        <p:txBody>
+          <a:bodyPr wrap="square" rtlCol="0">
+            <a:spAutoFit/>
+          </a:bodyPr>
+          <a:lstStyle/>
+          <a:p>
+            <a:pPr algn="ctr"/>
+            <a:r>
+              <a:rPr lang="en-CA" sz="800" dirty="0"/>
+              <a:t>USB-A 1</a:t>
+            </a:r>
+          </a:p>
+        </p:txBody>
+      </p:sp>
     </p:spTree>
     <p:extLst>
       <p:ext uri="{BB962C8B-B14F-4D97-AF65-F5344CB8AC3E}">

--- a/design/Pin Config.pptx
+++ b/design/Pin Config.pptx
@@ -5077,7 +5077,7 @@
         </p:blipFill>
         <p:spPr>
           <a:xfrm>
-            <a:off x="2090799" y="284336"/>
+            <a:off x="2090799" y="172223"/>
             <a:ext cx="914400" cy="914400"/>
           </a:xfrm>
           <a:prstGeom prst="rect">

--- a/design/Pin Config.pptx
+++ b/design/Pin Config.pptx
@@ -261,7 +261,7 @@
           <a:p>
             <a:fld id="{1EE067C5-B0D5-4C60-B88D-98EEA2B6AD97}" type="datetimeFigureOut">
               <a:rPr lang="en-CA" smtClean="0"/>
-              <a:t>2024-01-29</a:t>
+              <a:t>2024-02-04</a:t>
             </a:fld>
             <a:endParaRPr lang="en-CA"/>
           </a:p>
@@ -461,7 +461,7 @@
           <a:p>
             <a:fld id="{1EE067C5-B0D5-4C60-B88D-98EEA2B6AD97}" type="datetimeFigureOut">
               <a:rPr lang="en-CA" smtClean="0"/>
-              <a:t>2024-01-29</a:t>
+              <a:t>2024-02-04</a:t>
             </a:fld>
             <a:endParaRPr lang="en-CA"/>
           </a:p>
@@ -671,7 +671,7 @@
           <a:p>
             <a:fld id="{1EE067C5-B0D5-4C60-B88D-98EEA2B6AD97}" type="datetimeFigureOut">
               <a:rPr lang="en-CA" smtClean="0"/>
-              <a:t>2024-01-29</a:t>
+              <a:t>2024-02-04</a:t>
             </a:fld>
             <a:endParaRPr lang="en-CA"/>
           </a:p>
@@ -871,7 +871,7 @@
           <a:p>
             <a:fld id="{1EE067C5-B0D5-4C60-B88D-98EEA2B6AD97}" type="datetimeFigureOut">
               <a:rPr lang="en-CA" smtClean="0"/>
-              <a:t>2024-01-29</a:t>
+              <a:t>2024-02-04</a:t>
             </a:fld>
             <a:endParaRPr lang="en-CA"/>
           </a:p>
@@ -1147,7 +1147,7 @@
           <a:p>
             <a:fld id="{1EE067C5-B0D5-4C60-B88D-98EEA2B6AD97}" type="datetimeFigureOut">
               <a:rPr lang="en-CA" smtClean="0"/>
-              <a:t>2024-01-29</a:t>
+              <a:t>2024-02-04</a:t>
             </a:fld>
             <a:endParaRPr lang="en-CA"/>
           </a:p>
@@ -1415,7 +1415,7 @@
           <a:p>
             <a:fld id="{1EE067C5-B0D5-4C60-B88D-98EEA2B6AD97}" type="datetimeFigureOut">
               <a:rPr lang="en-CA" smtClean="0"/>
-              <a:t>2024-01-29</a:t>
+              <a:t>2024-02-04</a:t>
             </a:fld>
             <a:endParaRPr lang="en-CA"/>
           </a:p>
@@ -1830,7 +1830,7 @@
           <a:p>
             <a:fld id="{1EE067C5-B0D5-4C60-B88D-98EEA2B6AD97}" type="datetimeFigureOut">
               <a:rPr lang="en-CA" smtClean="0"/>
-              <a:t>2024-01-29</a:t>
+              <a:t>2024-02-04</a:t>
             </a:fld>
             <a:endParaRPr lang="en-CA"/>
           </a:p>
@@ -1972,7 +1972,7 @@
           <a:p>
             <a:fld id="{1EE067C5-B0D5-4C60-B88D-98EEA2B6AD97}" type="datetimeFigureOut">
               <a:rPr lang="en-CA" smtClean="0"/>
-              <a:t>2024-01-29</a:t>
+              <a:t>2024-02-04</a:t>
             </a:fld>
             <a:endParaRPr lang="en-CA"/>
           </a:p>
@@ -2085,7 +2085,7 @@
           <a:p>
             <a:fld id="{1EE067C5-B0D5-4C60-B88D-98EEA2B6AD97}" type="datetimeFigureOut">
               <a:rPr lang="en-CA" smtClean="0"/>
-              <a:t>2024-01-29</a:t>
+              <a:t>2024-02-04</a:t>
             </a:fld>
             <a:endParaRPr lang="en-CA"/>
           </a:p>
@@ -2398,7 +2398,7 @@
           <a:p>
             <a:fld id="{1EE067C5-B0D5-4C60-B88D-98EEA2B6AD97}" type="datetimeFigureOut">
               <a:rPr lang="en-CA" smtClean="0"/>
-              <a:t>2024-01-29</a:t>
+              <a:t>2024-02-04</a:t>
             </a:fld>
             <a:endParaRPr lang="en-CA"/>
           </a:p>
@@ -2687,7 +2687,7 @@
           <a:p>
             <a:fld id="{1EE067C5-B0D5-4C60-B88D-98EEA2B6AD97}" type="datetimeFigureOut">
               <a:rPr lang="en-CA" smtClean="0"/>
-              <a:t>2024-01-29</a:t>
+              <a:t>2024-02-04</a:t>
             </a:fld>
             <a:endParaRPr lang="en-CA"/>
           </a:p>
@@ -2930,7 +2930,7 @@
           <a:p>
             <a:fld id="{1EE067C5-B0D5-4C60-B88D-98EEA2B6AD97}" type="datetimeFigureOut">
               <a:rPr lang="en-CA" smtClean="0"/>
-              <a:t>2024-01-29</a:t>
+              <a:t>2024-02-04</a:t>
             </a:fld>
             <a:endParaRPr lang="en-CA"/>
           </a:p>
@@ -5561,6 +5561,80 @@
           </a:p>
         </p:txBody>
       </p:sp>
+      <p:sp>
+        <p:nvSpPr>
+          <p:cNvPr id="2" name="文本框 1">
+            <a:extLst>
+              <a:ext uri="{FF2B5EF4-FFF2-40B4-BE49-F238E27FC236}">
+                <a16:creationId xmlns:a16="http://schemas.microsoft.com/office/drawing/2014/main" id="{EF727434-EEDD-6056-5718-EADDDB8DB37A}"/>
+              </a:ext>
+            </a:extLst>
+          </p:cNvPr>
+          <p:cNvSpPr txBox="1"/>
+          <p:nvPr/>
+        </p:nvSpPr>
+        <p:spPr>
+          <a:xfrm>
+            <a:off x="3884730" y="217689"/>
+            <a:ext cx="1186927" cy="276999"/>
+          </a:xfrm>
+          <a:prstGeom prst="rect">
+            <a:avLst/>
+          </a:prstGeom>
+          <a:noFill/>
+        </p:spPr>
+        <p:txBody>
+          <a:bodyPr wrap="square" rtlCol="0">
+            <a:spAutoFit/>
+          </a:bodyPr>
+          <a:lstStyle/>
+          <a:p>
+            <a:pPr algn="ctr"/>
+            <a:r>
+              <a:rPr lang="en-US" altLang="zh-CN" sz="1200" dirty="0"/>
+              <a:t>Raspberry Pi 4B</a:t>
+            </a:r>
+            <a:endParaRPr lang="en-CA" sz="1200" dirty="0"/>
+          </a:p>
+        </p:txBody>
+      </p:sp>
+      <p:sp>
+        <p:nvSpPr>
+          <p:cNvPr id="4" name="文本框 3">
+            <a:extLst>
+              <a:ext uri="{FF2B5EF4-FFF2-40B4-BE49-F238E27FC236}">
+                <a16:creationId xmlns:a16="http://schemas.microsoft.com/office/drawing/2014/main" id="{54EA8D0D-9C41-588E-B7E2-3D821455EFCE}"/>
+              </a:ext>
+            </a:extLst>
+          </p:cNvPr>
+          <p:cNvSpPr txBox="1"/>
+          <p:nvPr/>
+        </p:nvSpPr>
+        <p:spPr>
+          <a:xfrm>
+            <a:off x="3010522" y="6378969"/>
+            <a:ext cx="1084600" cy="276999"/>
+          </a:xfrm>
+          <a:prstGeom prst="rect">
+            <a:avLst/>
+          </a:prstGeom>
+          <a:noFill/>
+        </p:spPr>
+        <p:txBody>
+          <a:bodyPr wrap="square" rtlCol="0">
+            <a:spAutoFit/>
+          </a:bodyPr>
+          <a:lstStyle/>
+          <a:p>
+            <a:pPr algn="ctr"/>
+            <a:r>
+              <a:rPr lang="en-US" sz="1200" dirty="0"/>
+              <a:t>Arduino Micro</a:t>
+            </a:r>
+            <a:endParaRPr lang="en-CA" sz="1200" dirty="0"/>
+          </a:p>
+        </p:txBody>
+      </p:sp>
     </p:spTree>
     <p:extLst>
       <p:ext uri="{BB962C8B-B14F-4D97-AF65-F5344CB8AC3E}">

--- a/design/Pin Config.pptx
+++ b/design/Pin Config.pptx
@@ -261,7 +261,7 @@
           <a:p>
             <a:fld id="{1EE067C5-B0D5-4C60-B88D-98EEA2B6AD97}" type="datetimeFigureOut">
               <a:rPr lang="en-CA" smtClean="0"/>
-              <a:t>2024-02-04</a:t>
+              <a:t>2024-04-08</a:t>
             </a:fld>
             <a:endParaRPr lang="en-CA"/>
           </a:p>
@@ -461,7 +461,7 @@
           <a:p>
             <a:fld id="{1EE067C5-B0D5-4C60-B88D-98EEA2B6AD97}" type="datetimeFigureOut">
               <a:rPr lang="en-CA" smtClean="0"/>
-              <a:t>2024-02-04</a:t>
+              <a:t>2024-04-08</a:t>
             </a:fld>
             <a:endParaRPr lang="en-CA"/>
           </a:p>
@@ -671,7 +671,7 @@
           <a:p>
             <a:fld id="{1EE067C5-B0D5-4C60-B88D-98EEA2B6AD97}" type="datetimeFigureOut">
               <a:rPr lang="en-CA" smtClean="0"/>
-              <a:t>2024-02-04</a:t>
+              <a:t>2024-04-08</a:t>
             </a:fld>
             <a:endParaRPr lang="en-CA"/>
           </a:p>
@@ -871,7 +871,7 @@
           <a:p>
             <a:fld id="{1EE067C5-B0D5-4C60-B88D-98EEA2B6AD97}" type="datetimeFigureOut">
               <a:rPr lang="en-CA" smtClean="0"/>
-              <a:t>2024-02-04</a:t>
+              <a:t>2024-04-08</a:t>
             </a:fld>
             <a:endParaRPr lang="en-CA"/>
           </a:p>
@@ -1147,7 +1147,7 @@
           <a:p>
             <a:fld id="{1EE067C5-B0D5-4C60-B88D-98EEA2B6AD97}" type="datetimeFigureOut">
               <a:rPr lang="en-CA" smtClean="0"/>
-              <a:t>2024-02-04</a:t>
+              <a:t>2024-04-08</a:t>
             </a:fld>
             <a:endParaRPr lang="en-CA"/>
           </a:p>
@@ -1415,7 +1415,7 @@
           <a:p>
             <a:fld id="{1EE067C5-B0D5-4C60-B88D-98EEA2B6AD97}" type="datetimeFigureOut">
               <a:rPr lang="en-CA" smtClean="0"/>
-              <a:t>2024-02-04</a:t>
+              <a:t>2024-04-08</a:t>
             </a:fld>
             <a:endParaRPr lang="en-CA"/>
           </a:p>
@@ -1830,7 +1830,7 @@
           <a:p>
             <a:fld id="{1EE067C5-B0D5-4C60-B88D-98EEA2B6AD97}" type="datetimeFigureOut">
               <a:rPr lang="en-CA" smtClean="0"/>
-              <a:t>2024-02-04</a:t>
+              <a:t>2024-04-08</a:t>
             </a:fld>
             <a:endParaRPr lang="en-CA"/>
           </a:p>
@@ -1972,7 +1972,7 @@
           <a:p>
             <a:fld id="{1EE067C5-B0D5-4C60-B88D-98EEA2B6AD97}" type="datetimeFigureOut">
               <a:rPr lang="en-CA" smtClean="0"/>
-              <a:t>2024-02-04</a:t>
+              <a:t>2024-04-08</a:t>
             </a:fld>
             <a:endParaRPr lang="en-CA"/>
           </a:p>
@@ -2085,7 +2085,7 @@
           <a:p>
             <a:fld id="{1EE067C5-B0D5-4C60-B88D-98EEA2B6AD97}" type="datetimeFigureOut">
               <a:rPr lang="en-CA" smtClean="0"/>
-              <a:t>2024-02-04</a:t>
+              <a:t>2024-04-08</a:t>
             </a:fld>
             <a:endParaRPr lang="en-CA"/>
           </a:p>
@@ -2398,7 +2398,7 @@
           <a:p>
             <a:fld id="{1EE067C5-B0D5-4C60-B88D-98EEA2B6AD97}" type="datetimeFigureOut">
               <a:rPr lang="en-CA" smtClean="0"/>
-              <a:t>2024-02-04</a:t>
+              <a:t>2024-04-08</a:t>
             </a:fld>
             <a:endParaRPr lang="en-CA"/>
           </a:p>
@@ -2687,7 +2687,7 @@
           <a:p>
             <a:fld id="{1EE067C5-B0D5-4C60-B88D-98EEA2B6AD97}" type="datetimeFigureOut">
               <a:rPr lang="en-CA" smtClean="0"/>
-              <a:t>2024-02-04</a:t>
+              <a:t>2024-04-08</a:t>
             </a:fld>
             <a:endParaRPr lang="en-CA"/>
           </a:p>
@@ -2930,7 +2930,7 @@
           <a:p>
             <a:fld id="{1EE067C5-B0D5-4C60-B88D-98EEA2B6AD97}" type="datetimeFigureOut">
               <a:rPr lang="en-CA" smtClean="0"/>
-              <a:t>2024-02-04</a:t>
+              <a:t>2024-04-08</a:t>
             </a:fld>
             <a:endParaRPr lang="en-CA"/>
           </a:p>
@@ -3394,6 +3394,53 @@
           </a:extLst>
         </p:spPr>
       </p:pic>
+      <p:cxnSp>
+        <p:nvCxnSpPr>
+          <p:cNvPr id="1181" name="连接符: 肘形 1180">
+            <a:extLst>
+              <a:ext uri="{FF2B5EF4-FFF2-40B4-BE49-F238E27FC236}">
+                <a16:creationId xmlns:a16="http://schemas.microsoft.com/office/drawing/2014/main" id="{05AB1A92-DBE4-4502-653C-9FE24777DDB5}"/>
+              </a:ext>
+            </a:extLst>
+          </p:cNvPr>
+          <p:cNvCxnSpPr>
+            <a:cxnSpLocks/>
+            <a:stCxn id="1180" idx="0"/>
+            <a:endCxn id="1179" idx="2"/>
+          </p:cNvCxnSpPr>
+          <p:nvPr/>
+        </p:nvCxnSpPr>
+        <p:spPr>
+          <a:xfrm rot="16200000" flipV="1">
+            <a:off x="6591710" y="638714"/>
+            <a:ext cx="1277788" cy="5492787"/>
+          </a:xfrm>
+          <a:prstGeom prst="bentConnector3">
+            <a:avLst>
+              <a:gd name="adj1" fmla="val 50000"/>
+            </a:avLst>
+          </a:prstGeom>
+          <a:ln w="12700">
+            <a:solidFill>
+              <a:schemeClr val="tx1"/>
+            </a:solidFill>
+          </a:ln>
+        </p:spPr>
+        <p:style>
+          <a:lnRef idx="1">
+            <a:schemeClr val="dk1"/>
+          </a:lnRef>
+          <a:fillRef idx="0">
+            <a:schemeClr val="dk1"/>
+          </a:fillRef>
+          <a:effectRef idx="0">
+            <a:schemeClr val="dk1"/>
+          </a:effectRef>
+          <a:fontRef idx="minor">
+            <a:schemeClr val="tx1"/>
+          </a:fontRef>
+        </p:style>
+      </p:cxnSp>
       <p:pic>
         <p:nvPicPr>
           <p:cNvPr id="9" name="图片 8">
@@ -3416,7 +3463,7 @@
         </p:blipFill>
         <p:spPr>
           <a:xfrm>
-            <a:off x="2439165" y="4213067"/>
+            <a:off x="707254" y="4213067"/>
             <a:ext cx="3311917" cy="2644933"/>
           </a:xfrm>
           <a:prstGeom prst="rect">
@@ -3424,47 +3471,6 @@
           </a:prstGeom>
         </p:spPr>
       </p:pic>
-      <p:cxnSp>
-        <p:nvCxnSpPr>
-          <p:cNvPr id="17" name="直接连接符 16">
-            <a:extLst>
-              <a:ext uri="{FF2B5EF4-FFF2-40B4-BE49-F238E27FC236}">
-                <a16:creationId xmlns:a16="http://schemas.microsoft.com/office/drawing/2014/main" id="{82B93FF2-6299-2B42-0A7C-BA8943D87CE7}"/>
-              </a:ext>
-            </a:extLst>
-          </p:cNvPr>
-          <p:cNvCxnSpPr>
-            <a:cxnSpLocks/>
-            <a:stCxn id="24" idx="0"/>
-            <a:endCxn id="19" idx="2"/>
-          </p:cNvCxnSpPr>
-          <p:nvPr/>
-        </p:nvCxnSpPr>
-        <p:spPr>
-          <a:xfrm flipV="1">
-            <a:off x="4095123" y="2746214"/>
-            <a:ext cx="0" cy="1277788"/>
-          </a:xfrm>
-          <a:prstGeom prst="line">
-            <a:avLst/>
-          </a:prstGeom>
-          <a:ln w="12700"/>
-        </p:spPr>
-        <p:style>
-          <a:lnRef idx="3">
-            <a:schemeClr val="dk1"/>
-          </a:lnRef>
-          <a:fillRef idx="0">
-            <a:schemeClr val="dk1"/>
-          </a:fillRef>
-          <a:effectRef idx="2">
-            <a:schemeClr val="dk1"/>
-          </a:effectRef>
-          <a:fontRef idx="minor">
-            <a:schemeClr val="tx1"/>
-          </a:fontRef>
-        </p:style>
-      </p:cxnSp>
       <p:sp>
         <p:nvSpPr>
           <p:cNvPr id="19" name="文本框 18">
@@ -3515,7 +3521,7 @@
         </p:nvSpPr>
         <p:spPr>
           <a:xfrm>
-            <a:off x="3712051" y="4024002"/>
+            <a:off x="1980140" y="4024002"/>
             <a:ext cx="766143" cy="215444"/>
           </a:xfrm>
           <a:prstGeom prst="rect">
@@ -3539,10 +3545,10 @@
       </p:sp>
       <p:sp>
         <p:nvSpPr>
-          <p:cNvPr id="3" name="矩形 2">
-            <a:extLst>
-              <a:ext uri="{FF2B5EF4-FFF2-40B4-BE49-F238E27FC236}">
-                <a16:creationId xmlns:a16="http://schemas.microsoft.com/office/drawing/2014/main" id="{4EDB03F7-26FC-6A8A-B3BA-2E329D440ADB}"/>
+          <p:cNvPr id="15" name="椭圆 14">
+            <a:extLst>
+              <a:ext uri="{FF2B5EF4-FFF2-40B4-BE49-F238E27FC236}">
+                <a16:creationId xmlns:a16="http://schemas.microsoft.com/office/drawing/2014/main" id="{839F710A-75BA-FB00-B6A4-CCA677BB1E0D}"/>
               </a:ext>
             </a:extLst>
           </p:cNvPr>
@@ -3551,104 +3557,7 @@
         </p:nvSpPr>
         <p:spPr>
           <a:xfrm>
-            <a:off x="6181775" y="3746485"/>
-            <a:ext cx="452289" cy="452289"/>
-          </a:xfrm>
-          <a:prstGeom prst="rect">
-            <a:avLst/>
-          </a:prstGeom>
-        </p:spPr>
-        <p:style>
-          <a:lnRef idx="2">
-            <a:schemeClr val="dk1"/>
-          </a:lnRef>
-          <a:fillRef idx="1">
-            <a:schemeClr val="lt1"/>
-          </a:fillRef>
-          <a:effectRef idx="0">
-            <a:schemeClr val="dk1"/>
-          </a:effectRef>
-          <a:fontRef idx="minor">
-            <a:schemeClr val="dk1"/>
-          </a:fontRef>
-        </p:style>
-        <p:txBody>
-          <a:bodyPr rtlCol="0" anchor="ctr"/>
-          <a:lstStyle/>
-          <a:p>
-            <a:pPr algn="ctr"/>
-            <a:r>
-              <a:rPr lang="en-US" altLang="zh-CN" sz="800" dirty="0"/>
-              <a:t>HES 1</a:t>
-            </a:r>
-            <a:endParaRPr lang="en-CA" sz="800" dirty="0"/>
-          </a:p>
-        </p:txBody>
-      </p:sp>
-      <p:cxnSp>
-        <p:nvCxnSpPr>
-          <p:cNvPr id="11" name="连接符: 肘形 10">
-            <a:extLst>
-              <a:ext uri="{FF2B5EF4-FFF2-40B4-BE49-F238E27FC236}">
-                <a16:creationId xmlns:a16="http://schemas.microsoft.com/office/drawing/2014/main" id="{2F2AFD89-B687-C8DD-4018-7C0FCF708877}"/>
-              </a:ext>
-            </a:extLst>
-          </p:cNvPr>
-          <p:cNvCxnSpPr>
-            <a:cxnSpLocks/>
-            <a:stCxn id="61" idx="6"/>
-            <a:endCxn id="3" idx="1"/>
-          </p:cNvCxnSpPr>
-          <p:nvPr/>
-        </p:nvCxnSpPr>
-        <p:spPr>
-          <a:xfrm flipV="1">
-            <a:off x="4446402" y="3972630"/>
-            <a:ext cx="1735373" cy="1293389"/>
-          </a:xfrm>
-          <a:prstGeom prst="bentConnector3">
-            <a:avLst>
-              <a:gd name="adj1" fmla="val 82384"/>
-            </a:avLst>
-          </a:prstGeom>
-          <a:ln w="12700">
-            <a:solidFill>
-              <a:srgbClr val="000000">
-                <a:alpha val="50196"/>
-              </a:srgbClr>
-            </a:solidFill>
-          </a:ln>
-        </p:spPr>
-        <p:style>
-          <a:lnRef idx="3">
-            <a:schemeClr val="dk1"/>
-          </a:lnRef>
-          <a:fillRef idx="0">
-            <a:schemeClr val="dk1"/>
-          </a:fillRef>
-          <a:effectRef idx="2">
-            <a:schemeClr val="dk1"/>
-          </a:effectRef>
-          <a:fontRef idx="minor">
-            <a:schemeClr val="tx1"/>
-          </a:fontRef>
-        </p:style>
-      </p:cxnSp>
-      <p:sp>
-        <p:nvSpPr>
-          <p:cNvPr id="15" name="椭圆 14">
-            <a:extLst>
-              <a:ext uri="{FF2B5EF4-FFF2-40B4-BE49-F238E27FC236}">
-                <a16:creationId xmlns:a16="http://schemas.microsoft.com/office/drawing/2014/main" id="{839F710A-75BA-FB00-B6A4-CCA677BB1E0D}"/>
-              </a:ext>
-            </a:extLst>
-          </p:cNvPr>
-          <p:cNvSpPr/>
-          <p:nvPr/>
-        </p:nvSpPr>
-        <p:spPr>
-          <a:xfrm>
-            <a:off x="4401087" y="5561179"/>
+            <a:off x="2669176" y="5561179"/>
             <a:ext cx="45719" cy="45719"/>
           </a:xfrm>
           <a:prstGeom prst="ellipse">
@@ -3694,7 +3603,7 @@
         </p:nvSpPr>
         <p:spPr>
           <a:xfrm>
-            <a:off x="7078182" y="2957513"/>
+            <a:off x="6218282" y="2957513"/>
             <a:ext cx="536999" cy="536999"/>
           </a:xfrm>
           <a:prstGeom prst="rect">
@@ -3728,60 +3637,12 @@
           </a:p>
         </p:txBody>
       </p:sp>
-      <p:cxnSp>
-        <p:nvCxnSpPr>
-          <p:cNvPr id="36" name="连接符: 肘形 35">
-            <a:extLst>
-              <a:ext uri="{FF2B5EF4-FFF2-40B4-BE49-F238E27FC236}">
-                <a16:creationId xmlns:a16="http://schemas.microsoft.com/office/drawing/2014/main" id="{B2C56932-E1CF-6D1E-C5B8-A744595C30A0}"/>
-              </a:ext>
-            </a:extLst>
-          </p:cNvPr>
-          <p:cNvCxnSpPr>
-            <a:cxnSpLocks/>
-            <a:stCxn id="3" idx="2"/>
-            <a:endCxn id="32" idx="3"/>
-          </p:cNvCxnSpPr>
-          <p:nvPr/>
-        </p:nvCxnSpPr>
-        <p:spPr>
-          <a:xfrm rot="5400000" flipH="1" flipV="1">
-            <a:off x="6525169" y="3108763"/>
-            <a:ext cx="972761" cy="1207261"/>
-          </a:xfrm>
-          <a:prstGeom prst="bentConnector4">
-            <a:avLst>
-              <a:gd name="adj1" fmla="val -14035"/>
-              <a:gd name="adj2" fmla="val 119330"/>
-            </a:avLst>
-          </a:prstGeom>
-          <a:ln w="12700">
-            <a:solidFill>
-              <a:srgbClr val="FF0000"/>
-            </a:solidFill>
-          </a:ln>
-        </p:spPr>
-        <p:style>
-          <a:lnRef idx="1">
-            <a:schemeClr val="dk1"/>
-          </a:lnRef>
-          <a:fillRef idx="0">
-            <a:schemeClr val="dk1"/>
-          </a:fillRef>
-          <a:effectRef idx="0">
-            <a:schemeClr val="dk1"/>
-          </a:effectRef>
-          <a:fontRef idx="minor">
-            <a:schemeClr val="tx1"/>
-          </a:fontRef>
-        </p:style>
-      </p:cxnSp>
-      <p:sp>
-        <p:nvSpPr>
-          <p:cNvPr id="42" name="文本框 41">
-            <a:extLst>
-              <a:ext uri="{FF2B5EF4-FFF2-40B4-BE49-F238E27FC236}">
-                <a16:creationId xmlns:a16="http://schemas.microsoft.com/office/drawing/2014/main" id="{D66DFE14-5648-3105-F80D-AE36FD323181}"/>
+      <p:sp>
+        <p:nvSpPr>
+          <p:cNvPr id="44" name="文本框 43">
+            <a:extLst>
+              <a:ext uri="{FF2B5EF4-FFF2-40B4-BE49-F238E27FC236}">
+                <a16:creationId xmlns:a16="http://schemas.microsoft.com/office/drawing/2014/main" id="{CEB0079D-4911-ED7E-8F03-605989168EA4}"/>
               </a:ext>
             </a:extLst>
           </p:cNvPr>
@@ -3790,8 +3651,8 @@
         </p:nvSpPr>
         <p:spPr>
           <a:xfrm>
-            <a:off x="6023495" y="3784667"/>
-            <a:ext cx="158280" cy="215444"/>
+            <a:off x="6714871" y="3032268"/>
+            <a:ext cx="296410" cy="215444"/>
           </a:xfrm>
           <a:prstGeom prst="rect">
             <a:avLst/>
@@ -3806,8 +3667,8 @@
           <a:p>
             <a:pPr algn="ctr"/>
             <a:r>
-              <a:rPr lang="en-US" altLang="zh-CN" sz="800" dirty="0"/>
-              <a:t>S</a:t>
+              <a:rPr lang="en-US" sz="800" dirty="0"/>
+              <a:t>5V</a:t>
             </a:r>
             <a:endParaRPr lang="en-CA" sz="800" dirty="0"/>
           </a:p>
@@ -3815,10 +3676,10 @@
       </p:sp>
       <p:sp>
         <p:nvSpPr>
-          <p:cNvPr id="43" name="文本框 42">
-            <a:extLst>
-              <a:ext uri="{FF2B5EF4-FFF2-40B4-BE49-F238E27FC236}">
-                <a16:creationId xmlns:a16="http://schemas.microsoft.com/office/drawing/2014/main" id="{5AF8848D-09F8-FAB9-E471-349BA3B049CC}"/>
+          <p:cNvPr id="50" name="文本框 49">
+            <a:extLst>
+              <a:ext uri="{FF2B5EF4-FFF2-40B4-BE49-F238E27FC236}">
+                <a16:creationId xmlns:a16="http://schemas.microsoft.com/office/drawing/2014/main" id="{612E1ABA-F8B7-60CB-3661-07CFD0608D6D}"/>
               </a:ext>
             </a:extLst>
           </p:cNvPr>
@@ -3827,8 +3688,8 @@
         </p:nvSpPr>
         <p:spPr>
           <a:xfrm>
-            <a:off x="6391979" y="4155815"/>
-            <a:ext cx="158280" cy="215444"/>
+            <a:off x="6441336" y="3484854"/>
+            <a:ext cx="391067" cy="215444"/>
           </a:xfrm>
           <a:prstGeom prst="rect">
             <a:avLst/>
@@ -3844,7 +3705,7 @@
             <a:pPr algn="ctr"/>
             <a:r>
               <a:rPr lang="en-US" sz="800" dirty="0"/>
-              <a:t>+</a:t>
+              <a:t>GND</a:t>
             </a:r>
             <a:endParaRPr lang="en-CA" sz="800" dirty="0"/>
           </a:p>
@@ -3852,120 +3713,10 @@
       </p:sp>
       <p:sp>
         <p:nvSpPr>
-          <p:cNvPr id="44" name="文本框 43">
-            <a:extLst>
-              <a:ext uri="{FF2B5EF4-FFF2-40B4-BE49-F238E27FC236}">
-                <a16:creationId xmlns:a16="http://schemas.microsoft.com/office/drawing/2014/main" id="{CEB0079D-4911-ED7E-8F03-605989168EA4}"/>
-              </a:ext>
-            </a:extLst>
-          </p:cNvPr>
-          <p:cNvSpPr txBox="1"/>
-          <p:nvPr/>
-        </p:nvSpPr>
-        <p:spPr>
-          <a:xfrm>
-            <a:off x="7574771" y="3032268"/>
-            <a:ext cx="296410" cy="215444"/>
-          </a:xfrm>
-          <a:prstGeom prst="rect">
-            <a:avLst/>
-          </a:prstGeom>
-          <a:noFill/>
-        </p:spPr>
-        <p:txBody>
-          <a:bodyPr wrap="square" rtlCol="0">
-            <a:spAutoFit/>
-          </a:bodyPr>
-          <a:lstStyle/>
-          <a:p>
-            <a:pPr algn="ctr"/>
-            <a:r>
-              <a:rPr lang="en-US" sz="800" dirty="0"/>
-              <a:t>5V</a:t>
-            </a:r>
-            <a:endParaRPr lang="en-CA" sz="800" dirty="0"/>
-          </a:p>
-        </p:txBody>
-      </p:sp>
-      <p:sp>
-        <p:nvSpPr>
-          <p:cNvPr id="49" name="文本框 48">
-            <a:extLst>
-              <a:ext uri="{FF2B5EF4-FFF2-40B4-BE49-F238E27FC236}">
-                <a16:creationId xmlns:a16="http://schemas.microsoft.com/office/drawing/2014/main" id="{7E6DDFF5-0290-4D16-8DE9-8D785BCFE150}"/>
-              </a:ext>
-            </a:extLst>
-          </p:cNvPr>
-          <p:cNvSpPr txBox="1"/>
-          <p:nvPr/>
-        </p:nvSpPr>
-        <p:spPr>
-          <a:xfrm>
-            <a:off x="6632647" y="3779688"/>
-            <a:ext cx="118963" cy="215444"/>
-          </a:xfrm>
-          <a:prstGeom prst="rect">
-            <a:avLst/>
-          </a:prstGeom>
-          <a:noFill/>
-        </p:spPr>
-        <p:txBody>
-          <a:bodyPr wrap="square" rtlCol="0">
-            <a:spAutoFit/>
-          </a:bodyPr>
-          <a:lstStyle/>
-          <a:p>
-            <a:pPr algn="ctr"/>
-            <a:r>
-              <a:rPr lang="en-CA" sz="800" dirty="0"/>
-              <a:t>-</a:t>
-            </a:r>
-          </a:p>
-        </p:txBody>
-      </p:sp>
-      <p:sp>
-        <p:nvSpPr>
-          <p:cNvPr id="50" name="文本框 49">
-            <a:extLst>
-              <a:ext uri="{FF2B5EF4-FFF2-40B4-BE49-F238E27FC236}">
-                <a16:creationId xmlns:a16="http://schemas.microsoft.com/office/drawing/2014/main" id="{612E1ABA-F8B7-60CB-3661-07CFD0608D6D}"/>
-              </a:ext>
-            </a:extLst>
-          </p:cNvPr>
-          <p:cNvSpPr txBox="1"/>
-          <p:nvPr/>
-        </p:nvSpPr>
-        <p:spPr>
-          <a:xfrm>
-            <a:off x="7301236" y="3484854"/>
-            <a:ext cx="391067" cy="215444"/>
-          </a:xfrm>
-          <a:prstGeom prst="rect">
-            <a:avLst/>
-          </a:prstGeom>
-          <a:noFill/>
-        </p:spPr>
-        <p:txBody>
-          <a:bodyPr wrap="square" rtlCol="0">
-            <a:spAutoFit/>
-          </a:bodyPr>
-          <a:lstStyle/>
-          <a:p>
-            <a:pPr algn="ctr"/>
-            <a:r>
-              <a:rPr lang="en-US" sz="800" dirty="0"/>
-              <a:t>GND</a:t>
-            </a:r>
-            <a:endParaRPr lang="en-CA" sz="800" dirty="0"/>
-          </a:p>
-        </p:txBody>
-      </p:sp>
-      <p:sp>
-        <p:nvSpPr>
-          <p:cNvPr id="51" name="矩形 50">
-            <a:extLst>
-              <a:ext uri="{FF2B5EF4-FFF2-40B4-BE49-F238E27FC236}">
-                <a16:creationId xmlns:a16="http://schemas.microsoft.com/office/drawing/2014/main" id="{49BEDD06-40B4-C2C5-7B80-0F47FD97F910}"/>
+          <p:cNvPr id="55" name="椭圆 54">
+            <a:extLst>
+              <a:ext uri="{FF2B5EF4-FFF2-40B4-BE49-F238E27FC236}">
+                <a16:creationId xmlns:a16="http://schemas.microsoft.com/office/drawing/2014/main" id="{AB12C5D1-8CD5-61DE-C998-1B4FD0BAA8F9}"/>
               </a:ext>
             </a:extLst>
           </p:cNvPr>
@@ -3974,104 +3725,7 @@
         </p:nvSpPr>
         <p:spPr>
           <a:xfrm>
-            <a:off x="6179186" y="4405677"/>
-            <a:ext cx="452289" cy="452289"/>
-          </a:xfrm>
-          <a:prstGeom prst="rect">
-            <a:avLst/>
-          </a:prstGeom>
-        </p:spPr>
-        <p:style>
-          <a:lnRef idx="2">
-            <a:schemeClr val="dk1"/>
-          </a:lnRef>
-          <a:fillRef idx="1">
-            <a:schemeClr val="lt1"/>
-          </a:fillRef>
-          <a:effectRef idx="0">
-            <a:schemeClr val="dk1"/>
-          </a:effectRef>
-          <a:fontRef idx="minor">
-            <a:schemeClr val="dk1"/>
-          </a:fontRef>
-        </p:style>
-        <p:txBody>
-          <a:bodyPr rtlCol="0" anchor="ctr"/>
-          <a:lstStyle/>
-          <a:p>
-            <a:pPr algn="ctr"/>
-            <a:r>
-              <a:rPr lang="en-US" altLang="zh-CN" sz="800" dirty="0"/>
-              <a:t>HES 2</a:t>
-            </a:r>
-            <a:endParaRPr lang="en-CA" sz="800" dirty="0"/>
-          </a:p>
-        </p:txBody>
-      </p:sp>
-      <p:cxnSp>
-        <p:nvCxnSpPr>
-          <p:cNvPr id="52" name="连接符: 肘形 51">
-            <a:extLst>
-              <a:ext uri="{FF2B5EF4-FFF2-40B4-BE49-F238E27FC236}">
-                <a16:creationId xmlns:a16="http://schemas.microsoft.com/office/drawing/2014/main" id="{33C03EE2-1D8C-4074-45E1-86F62F282511}"/>
-              </a:ext>
-            </a:extLst>
-          </p:cNvPr>
-          <p:cNvCxnSpPr>
-            <a:cxnSpLocks/>
-            <a:stCxn id="60" idx="6"/>
-            <a:endCxn id="51" idx="1"/>
-          </p:cNvCxnSpPr>
-          <p:nvPr/>
-        </p:nvCxnSpPr>
-        <p:spPr>
-          <a:xfrm flipV="1">
-            <a:off x="4446805" y="4631822"/>
-            <a:ext cx="1732381" cy="741433"/>
-          </a:xfrm>
-          <a:prstGeom prst="bentConnector3">
-            <a:avLst>
-              <a:gd name="adj1" fmla="val 84914"/>
-            </a:avLst>
-          </a:prstGeom>
-          <a:ln w="12700">
-            <a:solidFill>
-              <a:srgbClr val="000000">
-                <a:alpha val="50196"/>
-              </a:srgbClr>
-            </a:solidFill>
-          </a:ln>
-        </p:spPr>
-        <p:style>
-          <a:lnRef idx="3">
-            <a:schemeClr val="dk1"/>
-          </a:lnRef>
-          <a:fillRef idx="0">
-            <a:schemeClr val="dk1"/>
-          </a:fillRef>
-          <a:effectRef idx="2">
-            <a:schemeClr val="dk1"/>
-          </a:effectRef>
-          <a:fontRef idx="minor">
-            <a:schemeClr val="tx1"/>
-          </a:fontRef>
-        </p:style>
-      </p:cxnSp>
-      <p:sp>
-        <p:nvSpPr>
-          <p:cNvPr id="55" name="椭圆 54">
-            <a:extLst>
-              <a:ext uri="{FF2B5EF4-FFF2-40B4-BE49-F238E27FC236}">
-                <a16:creationId xmlns:a16="http://schemas.microsoft.com/office/drawing/2014/main" id="{AB12C5D1-8CD5-61DE-C998-1B4FD0BAA8F9}"/>
-              </a:ext>
-            </a:extLst>
-          </p:cNvPr>
-          <p:cNvSpPr/>
-          <p:nvPr/>
-        </p:nvSpPr>
-        <p:spPr>
-          <a:xfrm>
-            <a:off x="4401087" y="5454310"/>
+            <a:off x="2669176" y="5454310"/>
             <a:ext cx="45719" cy="45719"/>
           </a:xfrm>
           <a:prstGeom prst="ellipse">
@@ -4117,7 +3771,7 @@
         </p:nvSpPr>
         <p:spPr>
           <a:xfrm>
-            <a:off x="4401086" y="5350395"/>
+            <a:off x="2669175" y="5350395"/>
             <a:ext cx="45719" cy="45719"/>
           </a:xfrm>
           <a:prstGeom prst="ellipse">
@@ -4163,7 +3817,7 @@
         </p:nvSpPr>
         <p:spPr>
           <a:xfrm>
-            <a:off x="4400683" y="5243159"/>
+            <a:off x="2668772" y="5243159"/>
             <a:ext cx="45719" cy="45719"/>
           </a:xfrm>
           <a:prstGeom prst="ellipse">
@@ -4197,259 +3851,10 @@
       </p:sp>
       <p:sp>
         <p:nvSpPr>
-          <p:cNvPr id="1058" name="文本框 1057">
-            <a:extLst>
-              <a:ext uri="{FF2B5EF4-FFF2-40B4-BE49-F238E27FC236}">
-                <a16:creationId xmlns:a16="http://schemas.microsoft.com/office/drawing/2014/main" id="{893A7ED3-7DFE-EC0F-084D-91F97E0EB629}"/>
-              </a:ext>
-            </a:extLst>
-          </p:cNvPr>
-          <p:cNvSpPr txBox="1"/>
-          <p:nvPr/>
-        </p:nvSpPr>
-        <p:spPr>
-          <a:xfrm>
-            <a:off x="6612989" y="4450796"/>
-            <a:ext cx="158280" cy="215444"/>
-          </a:xfrm>
-          <a:prstGeom prst="rect">
-            <a:avLst/>
-          </a:prstGeom>
-          <a:noFill/>
-        </p:spPr>
-        <p:txBody>
-          <a:bodyPr wrap="square" rtlCol="0">
-            <a:spAutoFit/>
-          </a:bodyPr>
-          <a:lstStyle/>
-          <a:p>
-            <a:pPr algn="ctr"/>
-            <a:r>
-              <a:rPr lang="en-US" sz="800" dirty="0"/>
-              <a:t>-</a:t>
-            </a:r>
-            <a:endParaRPr lang="en-CA" sz="800" dirty="0"/>
-          </a:p>
-        </p:txBody>
-      </p:sp>
-      <p:cxnSp>
-        <p:nvCxnSpPr>
-          <p:cNvPr id="1059" name="连接符: 肘形 1058">
-            <a:extLst>
-              <a:ext uri="{FF2B5EF4-FFF2-40B4-BE49-F238E27FC236}">
-                <a16:creationId xmlns:a16="http://schemas.microsoft.com/office/drawing/2014/main" id="{C65B41E7-BE24-0816-2871-BBB7500EF57F}"/>
-              </a:ext>
-            </a:extLst>
-          </p:cNvPr>
-          <p:cNvCxnSpPr>
-            <a:cxnSpLocks/>
-            <a:stCxn id="51" idx="2"/>
-            <a:endCxn id="32" idx="3"/>
-          </p:cNvCxnSpPr>
-          <p:nvPr/>
-        </p:nvCxnSpPr>
-        <p:spPr>
-          <a:xfrm rot="5400000" flipH="1" flipV="1">
-            <a:off x="6194279" y="3437065"/>
-            <a:ext cx="1631953" cy="1209850"/>
-          </a:xfrm>
-          <a:prstGeom prst="bentConnector4">
-            <a:avLst>
-              <a:gd name="adj1" fmla="val -8950"/>
-              <a:gd name="adj2" fmla="val 122438"/>
-            </a:avLst>
-          </a:prstGeom>
-          <a:ln w="12700">
-            <a:solidFill>
-              <a:srgbClr val="FF0000"/>
-            </a:solidFill>
-          </a:ln>
-        </p:spPr>
-        <p:style>
-          <a:lnRef idx="1">
-            <a:schemeClr val="dk1"/>
-          </a:lnRef>
-          <a:fillRef idx="0">
-            <a:schemeClr val="dk1"/>
-          </a:fillRef>
-          <a:effectRef idx="0">
-            <a:schemeClr val="dk1"/>
-          </a:effectRef>
-          <a:fontRef idx="minor">
-            <a:schemeClr val="tx1"/>
-          </a:fontRef>
-        </p:style>
-      </p:cxnSp>
-      <p:sp>
-        <p:nvSpPr>
-          <p:cNvPr id="1063" name="文本框 1062">
-            <a:extLst>
-              <a:ext uri="{FF2B5EF4-FFF2-40B4-BE49-F238E27FC236}">
-                <a16:creationId xmlns:a16="http://schemas.microsoft.com/office/drawing/2014/main" id="{1E51696B-6A65-1DA3-7F1D-3C92B1D7B3EA}"/>
-              </a:ext>
-            </a:extLst>
-          </p:cNvPr>
-          <p:cNvSpPr txBox="1"/>
-          <p:nvPr/>
-        </p:nvSpPr>
-        <p:spPr>
-          <a:xfrm>
-            <a:off x="6026424" y="4442757"/>
-            <a:ext cx="158280" cy="215444"/>
-          </a:xfrm>
-          <a:prstGeom prst="rect">
-            <a:avLst/>
-          </a:prstGeom>
-          <a:noFill/>
-        </p:spPr>
-        <p:txBody>
-          <a:bodyPr wrap="square" rtlCol="0">
-            <a:spAutoFit/>
-          </a:bodyPr>
-          <a:lstStyle/>
-          <a:p>
-            <a:pPr algn="ctr"/>
-            <a:r>
-              <a:rPr lang="en-US" altLang="zh-CN" sz="800" dirty="0"/>
-              <a:t>S</a:t>
-            </a:r>
-            <a:endParaRPr lang="en-CA" sz="800" dirty="0"/>
-          </a:p>
-        </p:txBody>
-      </p:sp>
-      <p:cxnSp>
-        <p:nvCxnSpPr>
-          <p:cNvPr id="46" name="连接符: 肘形 45">
-            <a:extLst>
-              <a:ext uri="{FF2B5EF4-FFF2-40B4-BE49-F238E27FC236}">
-                <a16:creationId xmlns:a16="http://schemas.microsoft.com/office/drawing/2014/main" id="{7F300796-2790-BD74-E292-9A6AA62E6CA3}"/>
-              </a:ext>
-            </a:extLst>
-          </p:cNvPr>
-          <p:cNvCxnSpPr>
-            <a:cxnSpLocks/>
-            <a:stCxn id="3" idx="3"/>
-            <a:endCxn id="32" idx="2"/>
-          </p:cNvCxnSpPr>
-          <p:nvPr/>
-        </p:nvCxnSpPr>
-        <p:spPr>
-          <a:xfrm flipV="1">
-            <a:off x="6634064" y="3494512"/>
-            <a:ext cx="712618" cy="478118"/>
-          </a:xfrm>
-          <a:prstGeom prst="bentConnector2">
-            <a:avLst/>
-          </a:prstGeom>
-          <a:ln w="12700">
-            <a:solidFill>
-              <a:srgbClr val="0070C0"/>
-            </a:solidFill>
-          </a:ln>
-        </p:spPr>
-        <p:style>
-          <a:lnRef idx="1">
-            <a:schemeClr val="dk1"/>
-          </a:lnRef>
-          <a:fillRef idx="0">
-            <a:schemeClr val="dk1"/>
-          </a:fillRef>
-          <a:effectRef idx="0">
-            <a:schemeClr val="dk1"/>
-          </a:effectRef>
-          <a:fontRef idx="minor">
-            <a:schemeClr val="tx1"/>
-          </a:fontRef>
-        </p:style>
-      </p:cxnSp>
-      <p:cxnSp>
-        <p:nvCxnSpPr>
-          <p:cNvPr id="1047" name="连接符: 肘形 1046">
-            <a:extLst>
-              <a:ext uri="{FF2B5EF4-FFF2-40B4-BE49-F238E27FC236}">
-                <a16:creationId xmlns:a16="http://schemas.microsoft.com/office/drawing/2014/main" id="{0F95263B-12F2-6205-7B41-82DD55878A17}"/>
-              </a:ext>
-            </a:extLst>
-          </p:cNvPr>
-          <p:cNvCxnSpPr>
-            <a:cxnSpLocks/>
-            <a:stCxn id="51" idx="3"/>
-            <a:endCxn id="32" idx="2"/>
-          </p:cNvCxnSpPr>
-          <p:nvPr/>
-        </p:nvCxnSpPr>
-        <p:spPr>
-          <a:xfrm flipV="1">
-            <a:off x="6631475" y="3494512"/>
-            <a:ext cx="715207" cy="1137310"/>
-          </a:xfrm>
-          <a:prstGeom prst="bentConnector2">
-            <a:avLst/>
-          </a:prstGeom>
-          <a:ln w="12700">
-            <a:solidFill>
-              <a:schemeClr val="accent1"/>
-            </a:solidFill>
-          </a:ln>
-        </p:spPr>
-        <p:style>
-          <a:lnRef idx="1">
-            <a:schemeClr val="dk1"/>
-          </a:lnRef>
-          <a:fillRef idx="0">
-            <a:schemeClr val="dk1"/>
-          </a:fillRef>
-          <a:effectRef idx="0">
-            <a:schemeClr val="dk1"/>
-          </a:effectRef>
-          <a:fontRef idx="minor">
-            <a:schemeClr val="tx1"/>
-          </a:fontRef>
-        </p:style>
-      </p:cxnSp>
-      <p:sp>
-        <p:nvSpPr>
-          <p:cNvPr id="1067" name="文本框 1066">
-            <a:extLst>
-              <a:ext uri="{FF2B5EF4-FFF2-40B4-BE49-F238E27FC236}">
-                <a16:creationId xmlns:a16="http://schemas.microsoft.com/office/drawing/2014/main" id="{5580D8F7-2A98-833C-8DA9-F03291457C30}"/>
-              </a:ext>
-            </a:extLst>
-          </p:cNvPr>
-          <p:cNvSpPr txBox="1"/>
-          <p:nvPr/>
-        </p:nvSpPr>
-        <p:spPr>
-          <a:xfrm>
-            <a:off x="6393388" y="4815269"/>
-            <a:ext cx="158280" cy="215444"/>
-          </a:xfrm>
-          <a:prstGeom prst="rect">
-            <a:avLst/>
-          </a:prstGeom>
-          <a:noFill/>
-        </p:spPr>
-        <p:txBody>
-          <a:bodyPr wrap="square" rtlCol="0">
-            <a:spAutoFit/>
-          </a:bodyPr>
-          <a:lstStyle/>
-          <a:p>
-            <a:pPr algn="ctr"/>
-            <a:r>
-              <a:rPr lang="en-US" sz="800" dirty="0"/>
-              <a:t>+</a:t>
-            </a:r>
-            <a:endParaRPr lang="en-CA" sz="800" dirty="0"/>
-          </a:p>
-        </p:txBody>
-      </p:sp>
-      <p:sp>
-        <p:nvSpPr>
-          <p:cNvPr id="1073" name="矩形 1072">
-            <a:extLst>
-              <a:ext uri="{FF2B5EF4-FFF2-40B4-BE49-F238E27FC236}">
-                <a16:creationId xmlns:a16="http://schemas.microsoft.com/office/drawing/2014/main" id="{DB91EF78-FD17-BBA7-08B9-A8A1F87EFA26}"/>
+          <p:cNvPr id="1093" name="矩形 1092">
+            <a:extLst>
+              <a:ext uri="{FF2B5EF4-FFF2-40B4-BE49-F238E27FC236}">
+                <a16:creationId xmlns:a16="http://schemas.microsoft.com/office/drawing/2014/main" id="{95133E80-9926-1419-2CF8-843970E9D026}"/>
               </a:ext>
             </a:extLst>
           </p:cNvPr>
@@ -4458,8 +3863,8 @@
         </p:nvSpPr>
         <p:spPr>
           <a:xfrm>
-            <a:off x="6179186" y="5063964"/>
-            <a:ext cx="452289" cy="452289"/>
+            <a:off x="5295090" y="6358962"/>
+            <a:ext cx="452289" cy="234423"/>
           </a:xfrm>
           <a:prstGeom prst="rect">
             <a:avLst/>
@@ -4486,7 +3891,7 @@
             <a:pPr algn="ctr"/>
             <a:r>
               <a:rPr lang="en-US" altLang="zh-CN" sz="800" dirty="0"/>
-              <a:t>HES 3</a:t>
+              <a:t>HES 1</a:t>
             </a:r>
             <a:endParaRPr lang="en-CA" sz="800" dirty="0"/>
           </a:p>
@@ -4494,10 +3899,10 @@
       </p:sp>
       <p:sp>
         <p:nvSpPr>
-          <p:cNvPr id="1074" name="文本框 1073">
-            <a:extLst>
-              <a:ext uri="{FF2B5EF4-FFF2-40B4-BE49-F238E27FC236}">
-                <a16:creationId xmlns:a16="http://schemas.microsoft.com/office/drawing/2014/main" id="{5A7CF7A1-BDBB-03C3-B462-03C026CF677D}"/>
+          <p:cNvPr id="1094" name="文本框 1093">
+            <a:extLst>
+              <a:ext uri="{FF2B5EF4-FFF2-40B4-BE49-F238E27FC236}">
+                <a16:creationId xmlns:a16="http://schemas.microsoft.com/office/drawing/2014/main" id="{B908D818-02EA-F5D9-17C6-F10DA39B32A5}"/>
               </a:ext>
             </a:extLst>
           </p:cNvPr>
@@ -4506,7 +3911,7 @@
         </p:nvSpPr>
         <p:spPr>
           <a:xfrm>
-            <a:off x="6612989" y="5109083"/>
+            <a:off x="5742245" y="6298192"/>
             <a:ext cx="158280" cy="215444"/>
           </a:xfrm>
           <a:prstGeom prst="rect">
@@ -4531,10 +3936,10 @@
       </p:sp>
       <p:sp>
         <p:nvSpPr>
-          <p:cNvPr id="1075" name="文本框 1074">
-            <a:extLst>
-              <a:ext uri="{FF2B5EF4-FFF2-40B4-BE49-F238E27FC236}">
-                <a16:creationId xmlns:a16="http://schemas.microsoft.com/office/drawing/2014/main" id="{F25B2B39-E46A-4F7D-A2C8-47021A674D57}"/>
+          <p:cNvPr id="1095" name="文本框 1094">
+            <a:extLst>
+              <a:ext uri="{FF2B5EF4-FFF2-40B4-BE49-F238E27FC236}">
+                <a16:creationId xmlns:a16="http://schemas.microsoft.com/office/drawing/2014/main" id="{4D6CB1ED-D2F3-45E7-3B6B-4F7DA0F6D190}"/>
               </a:ext>
             </a:extLst>
           </p:cNvPr>
@@ -4543,7 +3948,7 @@
         </p:nvSpPr>
         <p:spPr>
           <a:xfrm>
-            <a:off x="6026424" y="5101044"/>
+            <a:off x="5155680" y="6309205"/>
             <a:ext cx="158280" cy="215444"/>
           </a:xfrm>
           <a:prstGeom prst="rect">
@@ -4568,10 +3973,10 @@
       </p:sp>
       <p:sp>
         <p:nvSpPr>
-          <p:cNvPr id="1076" name="文本框 1075">
-            <a:extLst>
-              <a:ext uri="{FF2B5EF4-FFF2-40B4-BE49-F238E27FC236}">
-                <a16:creationId xmlns:a16="http://schemas.microsoft.com/office/drawing/2014/main" id="{3E2C9891-6634-4AAB-8489-734E5B57629E}"/>
+          <p:cNvPr id="1096" name="文本框 1095">
+            <a:extLst>
+              <a:ext uri="{FF2B5EF4-FFF2-40B4-BE49-F238E27FC236}">
+                <a16:creationId xmlns:a16="http://schemas.microsoft.com/office/drawing/2014/main" id="{9184E7AA-587B-27D1-3A5A-2480015751C4}"/>
               </a:ext>
             </a:extLst>
           </p:cNvPr>
@@ -4580,308 +3985,7 @@
         </p:nvSpPr>
         <p:spPr>
           <a:xfrm>
-            <a:off x="6393388" y="5473556"/>
-            <a:ext cx="158280" cy="215444"/>
-          </a:xfrm>
-          <a:prstGeom prst="rect">
-            <a:avLst/>
-          </a:prstGeom>
-          <a:noFill/>
-        </p:spPr>
-        <p:txBody>
-          <a:bodyPr wrap="square" rtlCol="0">
-            <a:spAutoFit/>
-          </a:bodyPr>
-          <a:lstStyle/>
-          <a:p>
-            <a:pPr algn="ctr"/>
-            <a:r>
-              <a:rPr lang="en-US" sz="800" dirty="0"/>
-              <a:t>+</a:t>
-            </a:r>
-            <a:endParaRPr lang="en-CA" sz="800" dirty="0"/>
-          </a:p>
-        </p:txBody>
-      </p:sp>
-      <p:cxnSp>
-        <p:nvCxnSpPr>
-          <p:cNvPr id="1077" name="连接符: 肘形 1076">
-            <a:extLst>
-              <a:ext uri="{FF2B5EF4-FFF2-40B4-BE49-F238E27FC236}">
-                <a16:creationId xmlns:a16="http://schemas.microsoft.com/office/drawing/2014/main" id="{FD51E193-A1EE-EC62-1A6F-B514873641A1}"/>
-              </a:ext>
-            </a:extLst>
-          </p:cNvPr>
-          <p:cNvCxnSpPr>
-            <a:cxnSpLocks/>
-            <a:stCxn id="55" idx="6"/>
-            <a:endCxn id="1073" idx="1"/>
-          </p:cNvCxnSpPr>
-          <p:nvPr/>
-        </p:nvCxnSpPr>
-        <p:spPr>
-          <a:xfrm flipV="1">
-            <a:off x="4446806" y="5290109"/>
-            <a:ext cx="1732380" cy="187061"/>
-          </a:xfrm>
-          <a:prstGeom prst="bentConnector3">
-            <a:avLst>
-              <a:gd name="adj1" fmla="val 86975"/>
-            </a:avLst>
-          </a:prstGeom>
-          <a:ln w="12700">
-            <a:solidFill>
-              <a:srgbClr val="000000">
-                <a:alpha val="50196"/>
-              </a:srgbClr>
-            </a:solidFill>
-          </a:ln>
-        </p:spPr>
-        <p:style>
-          <a:lnRef idx="3">
-            <a:schemeClr val="dk1"/>
-          </a:lnRef>
-          <a:fillRef idx="0">
-            <a:schemeClr val="dk1"/>
-          </a:fillRef>
-          <a:effectRef idx="2">
-            <a:schemeClr val="dk1"/>
-          </a:effectRef>
-          <a:fontRef idx="minor">
-            <a:schemeClr val="tx1"/>
-          </a:fontRef>
-        </p:style>
-      </p:cxnSp>
-      <p:cxnSp>
-        <p:nvCxnSpPr>
-          <p:cNvPr id="1082" name="连接符: 肘形 1081">
-            <a:extLst>
-              <a:ext uri="{FF2B5EF4-FFF2-40B4-BE49-F238E27FC236}">
-                <a16:creationId xmlns:a16="http://schemas.microsoft.com/office/drawing/2014/main" id="{30A8D8BC-C92A-350A-06F2-C32C2A56B85A}"/>
-              </a:ext>
-            </a:extLst>
-          </p:cNvPr>
-          <p:cNvCxnSpPr>
-            <a:cxnSpLocks/>
-            <a:stCxn id="1073" idx="2"/>
-            <a:endCxn id="32" idx="3"/>
-          </p:cNvCxnSpPr>
-          <p:nvPr/>
-        </p:nvCxnSpPr>
-        <p:spPr>
-          <a:xfrm rot="5400000" flipH="1" flipV="1">
-            <a:off x="5865136" y="3766208"/>
-            <a:ext cx="2290240" cy="1209850"/>
-          </a:xfrm>
-          <a:prstGeom prst="bentConnector4">
-            <a:avLst>
-              <a:gd name="adj1" fmla="val -9981"/>
-              <a:gd name="adj2" fmla="val 125785"/>
-            </a:avLst>
-          </a:prstGeom>
-          <a:ln w="12700">
-            <a:solidFill>
-              <a:srgbClr val="FF0000"/>
-            </a:solidFill>
-          </a:ln>
-        </p:spPr>
-        <p:style>
-          <a:lnRef idx="1">
-            <a:schemeClr val="dk1"/>
-          </a:lnRef>
-          <a:fillRef idx="0">
-            <a:schemeClr val="dk1"/>
-          </a:fillRef>
-          <a:effectRef idx="0">
-            <a:schemeClr val="dk1"/>
-          </a:effectRef>
-          <a:fontRef idx="minor">
-            <a:schemeClr val="tx1"/>
-          </a:fontRef>
-        </p:style>
-      </p:cxnSp>
-      <p:cxnSp>
-        <p:nvCxnSpPr>
-          <p:cNvPr id="1087" name="连接符: 肘形 1086">
-            <a:extLst>
-              <a:ext uri="{FF2B5EF4-FFF2-40B4-BE49-F238E27FC236}">
-                <a16:creationId xmlns:a16="http://schemas.microsoft.com/office/drawing/2014/main" id="{33C4CEB4-AC4E-58CB-4C9D-93B81F989EA3}"/>
-              </a:ext>
-            </a:extLst>
-          </p:cNvPr>
-          <p:cNvCxnSpPr>
-            <a:cxnSpLocks/>
-            <a:stCxn id="1073" idx="3"/>
-            <a:endCxn id="32" idx="2"/>
-          </p:cNvCxnSpPr>
-          <p:nvPr/>
-        </p:nvCxnSpPr>
-        <p:spPr>
-          <a:xfrm flipV="1">
-            <a:off x="6631475" y="3494512"/>
-            <a:ext cx="715207" cy="1795597"/>
-          </a:xfrm>
-          <a:prstGeom prst="bentConnector2">
-            <a:avLst/>
-          </a:prstGeom>
-          <a:ln w="12700">
-            <a:solidFill>
-              <a:schemeClr val="accent1"/>
-            </a:solidFill>
-          </a:ln>
-        </p:spPr>
-        <p:style>
-          <a:lnRef idx="1">
-            <a:schemeClr val="dk1"/>
-          </a:lnRef>
-          <a:fillRef idx="0">
-            <a:schemeClr val="dk1"/>
-          </a:fillRef>
-          <a:effectRef idx="0">
-            <a:schemeClr val="dk1"/>
-          </a:effectRef>
-          <a:fontRef idx="minor">
-            <a:schemeClr val="tx1"/>
-          </a:fontRef>
-        </p:style>
-      </p:cxnSp>
-      <p:sp>
-        <p:nvSpPr>
-          <p:cNvPr id="1093" name="矩形 1092">
-            <a:extLst>
-              <a:ext uri="{FF2B5EF4-FFF2-40B4-BE49-F238E27FC236}">
-                <a16:creationId xmlns:a16="http://schemas.microsoft.com/office/drawing/2014/main" id="{95133E80-9926-1419-2CF8-843970E9D026}"/>
-              </a:ext>
-            </a:extLst>
-          </p:cNvPr>
-          <p:cNvSpPr/>
-          <p:nvPr/>
-        </p:nvSpPr>
-        <p:spPr>
-          <a:xfrm>
-            <a:off x="6179186" y="5805397"/>
-            <a:ext cx="452289" cy="452289"/>
-          </a:xfrm>
-          <a:prstGeom prst="rect">
-            <a:avLst/>
-          </a:prstGeom>
-        </p:spPr>
-        <p:style>
-          <a:lnRef idx="2">
-            <a:schemeClr val="dk1"/>
-          </a:lnRef>
-          <a:fillRef idx="1">
-            <a:schemeClr val="lt1"/>
-          </a:fillRef>
-          <a:effectRef idx="0">
-            <a:schemeClr val="dk1"/>
-          </a:effectRef>
-          <a:fontRef idx="minor">
-            <a:schemeClr val="dk1"/>
-          </a:fontRef>
-        </p:style>
-        <p:txBody>
-          <a:bodyPr rtlCol="0" anchor="ctr"/>
-          <a:lstStyle/>
-          <a:p>
-            <a:pPr algn="ctr"/>
-            <a:r>
-              <a:rPr lang="en-US" altLang="zh-CN" sz="800" dirty="0"/>
-              <a:t>HES 4</a:t>
-            </a:r>
-            <a:endParaRPr lang="en-CA" sz="800" dirty="0"/>
-          </a:p>
-        </p:txBody>
-      </p:sp>
-      <p:sp>
-        <p:nvSpPr>
-          <p:cNvPr id="1094" name="文本框 1093">
-            <a:extLst>
-              <a:ext uri="{FF2B5EF4-FFF2-40B4-BE49-F238E27FC236}">
-                <a16:creationId xmlns:a16="http://schemas.microsoft.com/office/drawing/2014/main" id="{B908D818-02EA-F5D9-17C6-F10DA39B32A5}"/>
-              </a:ext>
-            </a:extLst>
-          </p:cNvPr>
-          <p:cNvSpPr txBox="1"/>
-          <p:nvPr/>
-        </p:nvSpPr>
-        <p:spPr>
-          <a:xfrm>
-            <a:off x="6612989" y="5850516"/>
-            <a:ext cx="158280" cy="215444"/>
-          </a:xfrm>
-          <a:prstGeom prst="rect">
-            <a:avLst/>
-          </a:prstGeom>
-          <a:noFill/>
-        </p:spPr>
-        <p:txBody>
-          <a:bodyPr wrap="square" rtlCol="0">
-            <a:spAutoFit/>
-          </a:bodyPr>
-          <a:lstStyle/>
-          <a:p>
-            <a:pPr algn="ctr"/>
-            <a:r>
-              <a:rPr lang="en-US" sz="800" dirty="0"/>
-              <a:t>-</a:t>
-            </a:r>
-            <a:endParaRPr lang="en-CA" sz="800" dirty="0"/>
-          </a:p>
-        </p:txBody>
-      </p:sp>
-      <p:sp>
-        <p:nvSpPr>
-          <p:cNvPr id="1095" name="文本框 1094">
-            <a:extLst>
-              <a:ext uri="{FF2B5EF4-FFF2-40B4-BE49-F238E27FC236}">
-                <a16:creationId xmlns:a16="http://schemas.microsoft.com/office/drawing/2014/main" id="{4D6CB1ED-D2F3-45E7-3B6B-4F7DA0F6D190}"/>
-              </a:ext>
-            </a:extLst>
-          </p:cNvPr>
-          <p:cNvSpPr txBox="1"/>
-          <p:nvPr/>
-        </p:nvSpPr>
-        <p:spPr>
-          <a:xfrm>
-            <a:off x="6026424" y="5842477"/>
-            <a:ext cx="158280" cy="215444"/>
-          </a:xfrm>
-          <a:prstGeom prst="rect">
-            <a:avLst/>
-          </a:prstGeom>
-          <a:noFill/>
-        </p:spPr>
-        <p:txBody>
-          <a:bodyPr wrap="square" rtlCol="0">
-            <a:spAutoFit/>
-          </a:bodyPr>
-          <a:lstStyle/>
-          <a:p>
-            <a:pPr algn="ctr"/>
-            <a:r>
-              <a:rPr lang="en-US" altLang="zh-CN" sz="800" dirty="0"/>
-              <a:t>S</a:t>
-            </a:r>
-            <a:endParaRPr lang="en-CA" sz="800" dirty="0"/>
-          </a:p>
-        </p:txBody>
-      </p:sp>
-      <p:sp>
-        <p:nvSpPr>
-          <p:cNvPr id="1096" name="文本框 1095">
-            <a:extLst>
-              <a:ext uri="{FF2B5EF4-FFF2-40B4-BE49-F238E27FC236}">
-                <a16:creationId xmlns:a16="http://schemas.microsoft.com/office/drawing/2014/main" id="{9184E7AA-587B-27D1-3A5A-2480015751C4}"/>
-              </a:ext>
-            </a:extLst>
-          </p:cNvPr>
-          <p:cNvSpPr txBox="1"/>
-          <p:nvPr/>
-        </p:nvSpPr>
-        <p:spPr>
-          <a:xfrm>
-            <a:off x="6393388" y="6214989"/>
+            <a:off x="5521234" y="6561294"/>
             <a:ext cx="158280" cy="215444"/>
           </a:xfrm>
           <a:prstGeom prst="rect">
@@ -4922,12 +4026,12 @@
         </p:nvCxnSpPr>
         <p:spPr>
           <a:xfrm>
-            <a:off x="4446806" y="5584039"/>
-            <a:ext cx="1732380" cy="447503"/>
+            <a:off x="2714895" y="5584039"/>
+            <a:ext cx="2580195" cy="892135"/>
           </a:xfrm>
           <a:prstGeom prst="bentConnector3">
             <a:avLst>
-              <a:gd name="adj1" fmla="val 86975"/>
+              <a:gd name="adj1" fmla="val 47878"/>
             </a:avLst>
           </a:prstGeom>
           <a:ln w="12700">
@@ -4971,13 +4075,13 @@
         </p:nvCxnSpPr>
         <p:spPr>
           <a:xfrm rot="5400000" flipH="1" flipV="1">
-            <a:off x="5494419" y="4136925"/>
-            <a:ext cx="3031673" cy="1209850"/>
+            <a:off x="4454572" y="4292676"/>
+            <a:ext cx="3367372" cy="1234046"/>
           </a:xfrm>
           <a:prstGeom prst="bentConnector4">
             <a:avLst>
-              <a:gd name="adj1" fmla="val -7540"/>
-              <a:gd name="adj2" fmla="val 128933"/>
+              <a:gd name="adj1" fmla="val -6789"/>
+              <a:gd name="adj2" fmla="val 118524"/>
             </a:avLst>
           </a:prstGeom>
           <a:ln w="12700">
@@ -5019,8 +4123,8 @@
         </p:nvCxnSpPr>
         <p:spPr>
           <a:xfrm flipV="1">
-            <a:off x="6631475" y="3494512"/>
-            <a:ext cx="715207" cy="2537030"/>
+            <a:off x="5747379" y="3494512"/>
+            <a:ext cx="739403" cy="2981662"/>
           </a:xfrm>
           <a:prstGeom prst="bentConnector2">
             <a:avLst/>
@@ -5612,7 +4716,7 @@
         </p:nvSpPr>
         <p:spPr>
           <a:xfrm>
-            <a:off x="3010522" y="6378969"/>
+            <a:off x="1278611" y="6378969"/>
             <a:ext cx="1084600" cy="276999"/>
           </a:xfrm>
           <a:prstGeom prst="rect">
@@ -5632,6 +4736,2001 @@
               <a:t>Arduino Micro</a:t>
             </a:r>
             <a:endParaRPr lang="en-CA" sz="1200" dirty="0"/>
+          </a:p>
+        </p:txBody>
+      </p:sp>
+      <p:pic>
+        <p:nvPicPr>
+          <p:cNvPr id="13" name="图片 12">
+            <a:extLst>
+              <a:ext uri="{FF2B5EF4-FFF2-40B4-BE49-F238E27FC236}">
+                <a16:creationId xmlns:a16="http://schemas.microsoft.com/office/drawing/2014/main" id="{9F039209-B73B-B7CA-6D21-17CDF97A6D96}"/>
+              </a:ext>
+            </a:extLst>
+          </p:cNvPr>
+          <p:cNvPicPr>
+            <a:picLocks noChangeAspect="1"/>
+          </p:cNvPicPr>
+          <p:nvPr/>
+        </p:nvPicPr>
+        <p:blipFill>
+          <a:blip r:embed="rId14"/>
+          <a:stretch>
+            <a:fillRect/>
+          </a:stretch>
+        </p:blipFill>
+        <p:spPr>
+          <a:xfrm>
+            <a:off x="8403017" y="4253169"/>
+            <a:ext cx="3147960" cy="2514915"/>
+          </a:xfrm>
+          <a:prstGeom prst="rect">
+            <a:avLst/>
+          </a:prstGeom>
+        </p:spPr>
+      </p:pic>
+      <p:sp>
+        <p:nvSpPr>
+          <p:cNvPr id="26" name="矩形 25">
+            <a:extLst>
+              <a:ext uri="{FF2B5EF4-FFF2-40B4-BE49-F238E27FC236}">
+                <a16:creationId xmlns:a16="http://schemas.microsoft.com/office/drawing/2014/main" id="{ACC1FC65-BE19-9B76-1C48-38C309CA9EA0}"/>
+              </a:ext>
+            </a:extLst>
+          </p:cNvPr>
+          <p:cNvSpPr/>
+          <p:nvPr/>
+        </p:nvSpPr>
+        <p:spPr>
+          <a:xfrm>
+            <a:off x="5296678" y="5836299"/>
+            <a:ext cx="452289" cy="234423"/>
+          </a:xfrm>
+          <a:prstGeom prst="rect">
+            <a:avLst/>
+          </a:prstGeom>
+        </p:spPr>
+        <p:style>
+          <a:lnRef idx="2">
+            <a:schemeClr val="dk1"/>
+          </a:lnRef>
+          <a:fillRef idx="1">
+            <a:schemeClr val="lt1"/>
+          </a:fillRef>
+          <a:effectRef idx="0">
+            <a:schemeClr val="dk1"/>
+          </a:effectRef>
+          <a:fontRef idx="minor">
+            <a:schemeClr val="dk1"/>
+          </a:fontRef>
+        </p:style>
+        <p:txBody>
+          <a:bodyPr rtlCol="0" anchor="ctr"/>
+          <a:lstStyle/>
+          <a:p>
+            <a:pPr algn="ctr"/>
+            <a:r>
+              <a:rPr lang="en-US" altLang="zh-CN" sz="800" dirty="0"/>
+              <a:t>HES 2</a:t>
+            </a:r>
+            <a:endParaRPr lang="en-CA" sz="800" dirty="0"/>
+          </a:p>
+        </p:txBody>
+      </p:sp>
+      <p:sp>
+        <p:nvSpPr>
+          <p:cNvPr id="28" name="文本框 27">
+            <a:extLst>
+              <a:ext uri="{FF2B5EF4-FFF2-40B4-BE49-F238E27FC236}">
+                <a16:creationId xmlns:a16="http://schemas.microsoft.com/office/drawing/2014/main" id="{3C048D30-8F1E-5C2D-479B-A941B93F2C8C}"/>
+              </a:ext>
+            </a:extLst>
+          </p:cNvPr>
+          <p:cNvSpPr txBox="1"/>
+          <p:nvPr/>
+        </p:nvSpPr>
+        <p:spPr>
+          <a:xfrm>
+            <a:off x="5743833" y="5775529"/>
+            <a:ext cx="158280" cy="215444"/>
+          </a:xfrm>
+          <a:prstGeom prst="rect">
+            <a:avLst/>
+          </a:prstGeom>
+          <a:noFill/>
+        </p:spPr>
+        <p:txBody>
+          <a:bodyPr wrap="square" rtlCol="0">
+            <a:spAutoFit/>
+          </a:bodyPr>
+          <a:lstStyle/>
+          <a:p>
+            <a:pPr algn="ctr"/>
+            <a:r>
+              <a:rPr lang="en-US" sz="800" dirty="0"/>
+              <a:t>-</a:t>
+            </a:r>
+            <a:endParaRPr lang="en-CA" sz="800" dirty="0"/>
+          </a:p>
+        </p:txBody>
+      </p:sp>
+      <p:sp>
+        <p:nvSpPr>
+          <p:cNvPr id="29" name="文本框 28">
+            <a:extLst>
+              <a:ext uri="{FF2B5EF4-FFF2-40B4-BE49-F238E27FC236}">
+                <a16:creationId xmlns:a16="http://schemas.microsoft.com/office/drawing/2014/main" id="{0B2836E9-709A-41D0-19EB-AA36B0BD6310}"/>
+              </a:ext>
+            </a:extLst>
+          </p:cNvPr>
+          <p:cNvSpPr txBox="1"/>
+          <p:nvPr/>
+        </p:nvSpPr>
+        <p:spPr>
+          <a:xfrm>
+            <a:off x="5157268" y="5786542"/>
+            <a:ext cx="158280" cy="215444"/>
+          </a:xfrm>
+          <a:prstGeom prst="rect">
+            <a:avLst/>
+          </a:prstGeom>
+          <a:noFill/>
+        </p:spPr>
+        <p:txBody>
+          <a:bodyPr wrap="square" rtlCol="0">
+            <a:spAutoFit/>
+          </a:bodyPr>
+          <a:lstStyle/>
+          <a:p>
+            <a:pPr algn="ctr"/>
+            <a:r>
+              <a:rPr lang="en-US" altLang="zh-CN" sz="800" dirty="0"/>
+              <a:t>S</a:t>
+            </a:r>
+            <a:endParaRPr lang="en-CA" sz="800" dirty="0"/>
+          </a:p>
+        </p:txBody>
+      </p:sp>
+      <p:sp>
+        <p:nvSpPr>
+          <p:cNvPr id="30" name="文本框 29">
+            <a:extLst>
+              <a:ext uri="{FF2B5EF4-FFF2-40B4-BE49-F238E27FC236}">
+                <a16:creationId xmlns:a16="http://schemas.microsoft.com/office/drawing/2014/main" id="{66079F1B-1CA0-3CDA-B2DD-DF0EC93C75F5}"/>
+              </a:ext>
+            </a:extLst>
+          </p:cNvPr>
+          <p:cNvSpPr txBox="1"/>
+          <p:nvPr/>
+        </p:nvSpPr>
+        <p:spPr>
+          <a:xfrm>
+            <a:off x="5522822" y="6038631"/>
+            <a:ext cx="158280" cy="215444"/>
+          </a:xfrm>
+          <a:prstGeom prst="rect">
+            <a:avLst/>
+          </a:prstGeom>
+          <a:noFill/>
+        </p:spPr>
+        <p:txBody>
+          <a:bodyPr wrap="square" rtlCol="0">
+            <a:spAutoFit/>
+          </a:bodyPr>
+          <a:lstStyle/>
+          <a:p>
+            <a:pPr algn="ctr"/>
+            <a:r>
+              <a:rPr lang="en-US" sz="800" dirty="0"/>
+              <a:t>+</a:t>
+            </a:r>
+            <a:endParaRPr lang="en-CA" sz="800" dirty="0"/>
+          </a:p>
+        </p:txBody>
+      </p:sp>
+      <p:cxnSp>
+        <p:nvCxnSpPr>
+          <p:cNvPr id="31" name="连接符: 肘形 30">
+            <a:extLst>
+              <a:ext uri="{FF2B5EF4-FFF2-40B4-BE49-F238E27FC236}">
+                <a16:creationId xmlns:a16="http://schemas.microsoft.com/office/drawing/2014/main" id="{22917610-FFC0-6ED1-C2B3-FC207A41E608}"/>
+              </a:ext>
+            </a:extLst>
+          </p:cNvPr>
+          <p:cNvCxnSpPr>
+            <a:cxnSpLocks/>
+            <a:stCxn id="26" idx="2"/>
+            <a:endCxn id="32" idx="3"/>
+          </p:cNvCxnSpPr>
+          <p:nvPr/>
+        </p:nvCxnSpPr>
+        <p:spPr>
+          <a:xfrm rot="5400000" flipH="1" flipV="1">
+            <a:off x="4716697" y="4032139"/>
+            <a:ext cx="2844709" cy="1232458"/>
+          </a:xfrm>
+          <a:prstGeom prst="bentConnector4">
+            <a:avLst>
+              <a:gd name="adj1" fmla="val -8036"/>
+              <a:gd name="adj2" fmla="val 118548"/>
+            </a:avLst>
+          </a:prstGeom>
+          <a:ln w="12700">
+            <a:solidFill>
+              <a:srgbClr val="FF0000"/>
+            </a:solidFill>
+          </a:ln>
+        </p:spPr>
+        <p:style>
+          <a:lnRef idx="1">
+            <a:schemeClr val="dk1"/>
+          </a:lnRef>
+          <a:fillRef idx="0">
+            <a:schemeClr val="dk1"/>
+          </a:fillRef>
+          <a:effectRef idx="0">
+            <a:schemeClr val="dk1"/>
+          </a:effectRef>
+          <a:fontRef idx="minor">
+            <a:schemeClr val="tx1"/>
+          </a:fontRef>
+        </p:style>
+      </p:cxnSp>
+      <p:cxnSp>
+        <p:nvCxnSpPr>
+          <p:cNvPr id="35" name="连接符: 肘形 34">
+            <a:extLst>
+              <a:ext uri="{FF2B5EF4-FFF2-40B4-BE49-F238E27FC236}">
+                <a16:creationId xmlns:a16="http://schemas.microsoft.com/office/drawing/2014/main" id="{1A8DE461-02BF-387F-4346-1EA029667648}"/>
+              </a:ext>
+            </a:extLst>
+          </p:cNvPr>
+          <p:cNvCxnSpPr>
+            <a:cxnSpLocks/>
+            <a:stCxn id="26" idx="3"/>
+            <a:endCxn id="32" idx="2"/>
+          </p:cNvCxnSpPr>
+          <p:nvPr/>
+        </p:nvCxnSpPr>
+        <p:spPr>
+          <a:xfrm flipV="1">
+            <a:off x="5748967" y="3494512"/>
+            <a:ext cx="737815" cy="2458999"/>
+          </a:xfrm>
+          <a:prstGeom prst="bentConnector2">
+            <a:avLst/>
+          </a:prstGeom>
+          <a:ln w="12700">
+            <a:solidFill>
+              <a:schemeClr val="accent1"/>
+            </a:solidFill>
+          </a:ln>
+        </p:spPr>
+        <p:style>
+          <a:lnRef idx="1">
+            <a:schemeClr val="dk1"/>
+          </a:lnRef>
+          <a:fillRef idx="0">
+            <a:schemeClr val="dk1"/>
+          </a:fillRef>
+          <a:effectRef idx="0">
+            <a:schemeClr val="dk1"/>
+          </a:effectRef>
+          <a:fontRef idx="minor">
+            <a:schemeClr val="tx1"/>
+          </a:fontRef>
+        </p:style>
+      </p:cxnSp>
+      <p:cxnSp>
+        <p:nvCxnSpPr>
+          <p:cNvPr id="39" name="连接符: 肘形 38">
+            <a:extLst>
+              <a:ext uri="{FF2B5EF4-FFF2-40B4-BE49-F238E27FC236}">
+                <a16:creationId xmlns:a16="http://schemas.microsoft.com/office/drawing/2014/main" id="{5733940E-5806-2216-E9E4-D9DDE2110035}"/>
+              </a:ext>
+            </a:extLst>
+          </p:cNvPr>
+          <p:cNvCxnSpPr>
+            <a:cxnSpLocks/>
+            <a:stCxn id="55" idx="6"/>
+            <a:endCxn id="26" idx="1"/>
+          </p:cNvCxnSpPr>
+          <p:nvPr/>
+        </p:nvCxnSpPr>
+        <p:spPr>
+          <a:xfrm>
+            <a:off x="2714895" y="5477170"/>
+            <a:ext cx="2581783" cy="476341"/>
+          </a:xfrm>
+          <a:prstGeom prst="bentConnector3">
+            <a:avLst>
+              <a:gd name="adj1" fmla="val 50000"/>
+            </a:avLst>
+          </a:prstGeom>
+          <a:ln w="12700">
+            <a:solidFill>
+              <a:srgbClr val="000000">
+                <a:alpha val="50196"/>
+              </a:srgbClr>
+            </a:solidFill>
+          </a:ln>
+        </p:spPr>
+        <p:style>
+          <a:lnRef idx="3">
+            <a:schemeClr val="dk1"/>
+          </a:lnRef>
+          <a:fillRef idx="0">
+            <a:schemeClr val="dk1"/>
+          </a:fillRef>
+          <a:effectRef idx="2">
+            <a:schemeClr val="dk1"/>
+          </a:effectRef>
+          <a:fontRef idx="minor">
+            <a:schemeClr val="tx1"/>
+          </a:fontRef>
+        </p:style>
+      </p:cxnSp>
+      <p:sp>
+        <p:nvSpPr>
+          <p:cNvPr id="59" name="矩形 58">
+            <a:extLst>
+              <a:ext uri="{FF2B5EF4-FFF2-40B4-BE49-F238E27FC236}">
+                <a16:creationId xmlns:a16="http://schemas.microsoft.com/office/drawing/2014/main" id="{EC34169E-B068-B332-4EAF-42E407A69349}"/>
+              </a:ext>
+            </a:extLst>
+          </p:cNvPr>
+          <p:cNvSpPr/>
+          <p:nvPr/>
+        </p:nvSpPr>
+        <p:spPr>
+          <a:xfrm>
+            <a:off x="5300224" y="5320693"/>
+            <a:ext cx="452289" cy="234423"/>
+          </a:xfrm>
+          <a:prstGeom prst="rect">
+            <a:avLst/>
+          </a:prstGeom>
+        </p:spPr>
+        <p:style>
+          <a:lnRef idx="2">
+            <a:schemeClr val="dk1"/>
+          </a:lnRef>
+          <a:fillRef idx="1">
+            <a:schemeClr val="lt1"/>
+          </a:fillRef>
+          <a:effectRef idx="0">
+            <a:schemeClr val="dk1"/>
+          </a:effectRef>
+          <a:fontRef idx="minor">
+            <a:schemeClr val="dk1"/>
+          </a:fontRef>
+        </p:style>
+        <p:txBody>
+          <a:bodyPr rtlCol="0" anchor="ctr"/>
+          <a:lstStyle/>
+          <a:p>
+            <a:pPr algn="ctr"/>
+            <a:r>
+              <a:rPr lang="en-US" altLang="zh-CN" sz="800" dirty="0"/>
+              <a:t>HES 3</a:t>
+            </a:r>
+            <a:endParaRPr lang="en-CA" sz="800" dirty="0"/>
+          </a:p>
+        </p:txBody>
+      </p:sp>
+      <p:sp>
+        <p:nvSpPr>
+          <p:cNvPr id="62" name="文本框 61">
+            <a:extLst>
+              <a:ext uri="{FF2B5EF4-FFF2-40B4-BE49-F238E27FC236}">
+                <a16:creationId xmlns:a16="http://schemas.microsoft.com/office/drawing/2014/main" id="{FC4E2FBF-37BB-2EF1-DF90-5A25FDF1F75A}"/>
+              </a:ext>
+            </a:extLst>
+          </p:cNvPr>
+          <p:cNvSpPr txBox="1"/>
+          <p:nvPr/>
+        </p:nvSpPr>
+        <p:spPr>
+          <a:xfrm>
+            <a:off x="5747379" y="5259923"/>
+            <a:ext cx="158280" cy="215444"/>
+          </a:xfrm>
+          <a:prstGeom prst="rect">
+            <a:avLst/>
+          </a:prstGeom>
+          <a:noFill/>
+        </p:spPr>
+        <p:txBody>
+          <a:bodyPr wrap="square" rtlCol="0">
+            <a:spAutoFit/>
+          </a:bodyPr>
+          <a:lstStyle/>
+          <a:p>
+            <a:pPr algn="ctr"/>
+            <a:r>
+              <a:rPr lang="en-US" sz="800" dirty="0"/>
+              <a:t>-</a:t>
+            </a:r>
+            <a:endParaRPr lang="en-CA" sz="800" dirty="0"/>
+          </a:p>
+        </p:txBody>
+      </p:sp>
+      <p:sp>
+        <p:nvSpPr>
+          <p:cNvPr id="63" name="文本框 62">
+            <a:extLst>
+              <a:ext uri="{FF2B5EF4-FFF2-40B4-BE49-F238E27FC236}">
+                <a16:creationId xmlns:a16="http://schemas.microsoft.com/office/drawing/2014/main" id="{F0364919-7263-43C2-5B20-2F87B4F52433}"/>
+              </a:ext>
+            </a:extLst>
+          </p:cNvPr>
+          <p:cNvSpPr txBox="1"/>
+          <p:nvPr/>
+        </p:nvSpPr>
+        <p:spPr>
+          <a:xfrm>
+            <a:off x="5160814" y="5270936"/>
+            <a:ext cx="158280" cy="215444"/>
+          </a:xfrm>
+          <a:prstGeom prst="rect">
+            <a:avLst/>
+          </a:prstGeom>
+          <a:noFill/>
+        </p:spPr>
+        <p:txBody>
+          <a:bodyPr wrap="square" rtlCol="0">
+            <a:spAutoFit/>
+          </a:bodyPr>
+          <a:lstStyle/>
+          <a:p>
+            <a:pPr algn="ctr"/>
+            <a:r>
+              <a:rPr lang="en-US" altLang="zh-CN" sz="800" dirty="0"/>
+              <a:t>S</a:t>
+            </a:r>
+            <a:endParaRPr lang="en-CA" sz="800" dirty="0"/>
+          </a:p>
+        </p:txBody>
+      </p:sp>
+      <p:sp>
+        <p:nvSpPr>
+          <p:cNvPr id="1024" name="文本框 1023">
+            <a:extLst>
+              <a:ext uri="{FF2B5EF4-FFF2-40B4-BE49-F238E27FC236}">
+                <a16:creationId xmlns:a16="http://schemas.microsoft.com/office/drawing/2014/main" id="{71A7DA78-2E60-71EA-DDF2-7C450B3F0C79}"/>
+              </a:ext>
+            </a:extLst>
+          </p:cNvPr>
+          <p:cNvSpPr txBox="1"/>
+          <p:nvPr/>
+        </p:nvSpPr>
+        <p:spPr>
+          <a:xfrm>
+            <a:off x="5526368" y="5523025"/>
+            <a:ext cx="158280" cy="215444"/>
+          </a:xfrm>
+          <a:prstGeom prst="rect">
+            <a:avLst/>
+          </a:prstGeom>
+          <a:noFill/>
+        </p:spPr>
+        <p:txBody>
+          <a:bodyPr wrap="square" rtlCol="0">
+            <a:spAutoFit/>
+          </a:bodyPr>
+          <a:lstStyle/>
+          <a:p>
+            <a:pPr algn="ctr"/>
+            <a:r>
+              <a:rPr lang="en-US" sz="800" dirty="0"/>
+              <a:t>+</a:t>
+            </a:r>
+            <a:endParaRPr lang="en-CA" sz="800" dirty="0"/>
+          </a:p>
+        </p:txBody>
+      </p:sp>
+      <p:cxnSp>
+        <p:nvCxnSpPr>
+          <p:cNvPr id="1027" name="连接符: 肘形 1026">
+            <a:extLst>
+              <a:ext uri="{FF2B5EF4-FFF2-40B4-BE49-F238E27FC236}">
+                <a16:creationId xmlns:a16="http://schemas.microsoft.com/office/drawing/2014/main" id="{1FE27B01-D25C-A498-0122-2ABDB7155F4E}"/>
+              </a:ext>
+            </a:extLst>
+          </p:cNvPr>
+          <p:cNvCxnSpPr>
+            <a:cxnSpLocks/>
+            <a:stCxn id="59" idx="2"/>
+            <a:endCxn id="32" idx="3"/>
+          </p:cNvCxnSpPr>
+          <p:nvPr/>
+        </p:nvCxnSpPr>
+        <p:spPr>
+          <a:xfrm rot="5400000" flipH="1" flipV="1">
+            <a:off x="4976273" y="3776109"/>
+            <a:ext cx="2329103" cy="1228912"/>
+          </a:xfrm>
+          <a:prstGeom prst="bentConnector4">
+            <a:avLst>
+              <a:gd name="adj1" fmla="val -9815"/>
+              <a:gd name="adj2" fmla="val 118602"/>
+            </a:avLst>
+          </a:prstGeom>
+          <a:ln w="12700">
+            <a:solidFill>
+              <a:srgbClr val="FF0000"/>
+            </a:solidFill>
+          </a:ln>
+        </p:spPr>
+        <p:style>
+          <a:lnRef idx="1">
+            <a:schemeClr val="dk1"/>
+          </a:lnRef>
+          <a:fillRef idx="0">
+            <a:schemeClr val="dk1"/>
+          </a:fillRef>
+          <a:effectRef idx="0">
+            <a:schemeClr val="dk1"/>
+          </a:effectRef>
+          <a:fontRef idx="minor">
+            <a:schemeClr val="tx1"/>
+          </a:fontRef>
+        </p:style>
+      </p:cxnSp>
+      <p:cxnSp>
+        <p:nvCxnSpPr>
+          <p:cNvPr id="1030" name="连接符: 肘形 1029">
+            <a:extLst>
+              <a:ext uri="{FF2B5EF4-FFF2-40B4-BE49-F238E27FC236}">
+                <a16:creationId xmlns:a16="http://schemas.microsoft.com/office/drawing/2014/main" id="{50A29BE8-971E-36DD-44F8-1429F6E0F506}"/>
+              </a:ext>
+            </a:extLst>
+          </p:cNvPr>
+          <p:cNvCxnSpPr>
+            <a:cxnSpLocks/>
+            <a:stCxn id="59" idx="3"/>
+            <a:endCxn id="32" idx="2"/>
+          </p:cNvCxnSpPr>
+          <p:nvPr/>
+        </p:nvCxnSpPr>
+        <p:spPr>
+          <a:xfrm flipV="1">
+            <a:off x="5752513" y="3494512"/>
+            <a:ext cx="734269" cy="1943393"/>
+          </a:xfrm>
+          <a:prstGeom prst="bentConnector2">
+            <a:avLst/>
+          </a:prstGeom>
+          <a:ln w="12700">
+            <a:solidFill>
+              <a:schemeClr val="accent1"/>
+            </a:solidFill>
+          </a:ln>
+        </p:spPr>
+        <p:style>
+          <a:lnRef idx="1">
+            <a:schemeClr val="dk1"/>
+          </a:lnRef>
+          <a:fillRef idx="0">
+            <a:schemeClr val="dk1"/>
+          </a:fillRef>
+          <a:effectRef idx="0">
+            <a:schemeClr val="dk1"/>
+          </a:effectRef>
+          <a:fontRef idx="minor">
+            <a:schemeClr val="tx1"/>
+          </a:fontRef>
+        </p:style>
+      </p:cxnSp>
+      <p:cxnSp>
+        <p:nvCxnSpPr>
+          <p:cNvPr id="1034" name="连接符: 肘形 1033">
+            <a:extLst>
+              <a:ext uri="{FF2B5EF4-FFF2-40B4-BE49-F238E27FC236}">
+                <a16:creationId xmlns:a16="http://schemas.microsoft.com/office/drawing/2014/main" id="{738CFCEC-AACA-BE88-D0B6-C3350ABBF5AD}"/>
+              </a:ext>
+            </a:extLst>
+          </p:cNvPr>
+          <p:cNvCxnSpPr>
+            <a:cxnSpLocks/>
+            <a:stCxn id="60" idx="6"/>
+            <a:endCxn id="59" idx="1"/>
+          </p:cNvCxnSpPr>
+          <p:nvPr/>
+        </p:nvCxnSpPr>
+        <p:spPr>
+          <a:xfrm>
+            <a:off x="2714894" y="5373255"/>
+            <a:ext cx="2585330" cy="64650"/>
+          </a:xfrm>
+          <a:prstGeom prst="bentConnector3">
+            <a:avLst>
+              <a:gd name="adj1" fmla="val 50000"/>
+            </a:avLst>
+          </a:prstGeom>
+          <a:ln w="12700">
+            <a:solidFill>
+              <a:srgbClr val="000000">
+                <a:alpha val="50196"/>
+              </a:srgbClr>
+            </a:solidFill>
+          </a:ln>
+        </p:spPr>
+        <p:style>
+          <a:lnRef idx="3">
+            <a:schemeClr val="dk1"/>
+          </a:lnRef>
+          <a:fillRef idx="0">
+            <a:schemeClr val="dk1"/>
+          </a:fillRef>
+          <a:effectRef idx="2">
+            <a:schemeClr val="dk1"/>
+          </a:effectRef>
+          <a:fontRef idx="minor">
+            <a:schemeClr val="tx1"/>
+          </a:fontRef>
+        </p:style>
+      </p:cxnSp>
+      <p:sp>
+        <p:nvSpPr>
+          <p:cNvPr id="1038" name="椭圆 1037">
+            <a:extLst>
+              <a:ext uri="{FF2B5EF4-FFF2-40B4-BE49-F238E27FC236}">
+                <a16:creationId xmlns:a16="http://schemas.microsoft.com/office/drawing/2014/main" id="{488C5A54-3E07-BE44-C884-C735F7D7520A}"/>
+              </a:ext>
+            </a:extLst>
+          </p:cNvPr>
+          <p:cNvSpPr/>
+          <p:nvPr/>
+        </p:nvSpPr>
+        <p:spPr>
+          <a:xfrm>
+            <a:off x="2668772" y="5139243"/>
+            <a:ext cx="45719" cy="45719"/>
+          </a:xfrm>
+          <a:prstGeom prst="ellipse">
+            <a:avLst/>
+          </a:prstGeom>
+        </p:spPr>
+        <p:style>
+          <a:lnRef idx="2">
+            <a:schemeClr val="accent3">
+              <a:shade val="15000"/>
+            </a:schemeClr>
+          </a:lnRef>
+          <a:fillRef idx="1">
+            <a:schemeClr val="accent3"/>
+          </a:fillRef>
+          <a:effectRef idx="0">
+            <a:schemeClr val="accent3"/>
+          </a:effectRef>
+          <a:fontRef idx="minor">
+            <a:schemeClr val="lt1"/>
+          </a:fontRef>
+        </p:style>
+        <p:txBody>
+          <a:bodyPr rtlCol="0" anchor="ctr"/>
+          <a:lstStyle/>
+          <a:p>
+            <a:pPr algn="ctr"/>
+            <a:endParaRPr lang="en-CA"/>
+          </a:p>
+        </p:txBody>
+      </p:sp>
+      <p:sp>
+        <p:nvSpPr>
+          <p:cNvPr id="1039" name="矩形 1038">
+            <a:extLst>
+              <a:ext uri="{FF2B5EF4-FFF2-40B4-BE49-F238E27FC236}">
+                <a16:creationId xmlns:a16="http://schemas.microsoft.com/office/drawing/2014/main" id="{4D94AB51-01C8-2D8A-39AC-19D274476DF4}"/>
+              </a:ext>
+            </a:extLst>
+          </p:cNvPr>
+          <p:cNvSpPr/>
+          <p:nvPr/>
+        </p:nvSpPr>
+        <p:spPr>
+          <a:xfrm>
+            <a:off x="5296678" y="4812729"/>
+            <a:ext cx="452289" cy="234423"/>
+          </a:xfrm>
+          <a:prstGeom prst="rect">
+            <a:avLst/>
+          </a:prstGeom>
+        </p:spPr>
+        <p:style>
+          <a:lnRef idx="2">
+            <a:schemeClr val="dk1"/>
+          </a:lnRef>
+          <a:fillRef idx="1">
+            <a:schemeClr val="lt1"/>
+          </a:fillRef>
+          <a:effectRef idx="0">
+            <a:schemeClr val="dk1"/>
+          </a:effectRef>
+          <a:fontRef idx="minor">
+            <a:schemeClr val="dk1"/>
+          </a:fontRef>
+        </p:style>
+        <p:txBody>
+          <a:bodyPr rtlCol="0" anchor="ctr"/>
+          <a:lstStyle/>
+          <a:p>
+            <a:pPr algn="ctr"/>
+            <a:r>
+              <a:rPr lang="en-US" altLang="zh-CN" sz="800" dirty="0"/>
+              <a:t>HES 4</a:t>
+            </a:r>
+            <a:endParaRPr lang="en-CA" sz="800" dirty="0"/>
+          </a:p>
+        </p:txBody>
+      </p:sp>
+      <p:sp>
+        <p:nvSpPr>
+          <p:cNvPr id="1040" name="文本框 1039">
+            <a:extLst>
+              <a:ext uri="{FF2B5EF4-FFF2-40B4-BE49-F238E27FC236}">
+                <a16:creationId xmlns:a16="http://schemas.microsoft.com/office/drawing/2014/main" id="{2ED8F286-EAF3-8DAA-7DF6-A8897216EFD9}"/>
+              </a:ext>
+            </a:extLst>
+          </p:cNvPr>
+          <p:cNvSpPr txBox="1"/>
+          <p:nvPr/>
+        </p:nvSpPr>
+        <p:spPr>
+          <a:xfrm>
+            <a:off x="5743833" y="4751959"/>
+            <a:ext cx="158280" cy="215444"/>
+          </a:xfrm>
+          <a:prstGeom prst="rect">
+            <a:avLst/>
+          </a:prstGeom>
+          <a:noFill/>
+        </p:spPr>
+        <p:txBody>
+          <a:bodyPr wrap="square" rtlCol="0">
+            <a:spAutoFit/>
+          </a:bodyPr>
+          <a:lstStyle/>
+          <a:p>
+            <a:pPr algn="ctr"/>
+            <a:r>
+              <a:rPr lang="en-US" sz="800" dirty="0"/>
+              <a:t>-</a:t>
+            </a:r>
+            <a:endParaRPr lang="en-CA" sz="800" dirty="0"/>
+          </a:p>
+        </p:txBody>
+      </p:sp>
+      <p:sp>
+        <p:nvSpPr>
+          <p:cNvPr id="1041" name="文本框 1040">
+            <a:extLst>
+              <a:ext uri="{FF2B5EF4-FFF2-40B4-BE49-F238E27FC236}">
+                <a16:creationId xmlns:a16="http://schemas.microsoft.com/office/drawing/2014/main" id="{4A5077DF-E904-1868-D0AD-9C5B9C035913}"/>
+              </a:ext>
+            </a:extLst>
+          </p:cNvPr>
+          <p:cNvSpPr txBox="1"/>
+          <p:nvPr/>
+        </p:nvSpPr>
+        <p:spPr>
+          <a:xfrm>
+            <a:off x="5157268" y="4762972"/>
+            <a:ext cx="158280" cy="215444"/>
+          </a:xfrm>
+          <a:prstGeom prst="rect">
+            <a:avLst/>
+          </a:prstGeom>
+          <a:noFill/>
+        </p:spPr>
+        <p:txBody>
+          <a:bodyPr wrap="square" rtlCol="0">
+            <a:spAutoFit/>
+          </a:bodyPr>
+          <a:lstStyle/>
+          <a:p>
+            <a:pPr algn="ctr"/>
+            <a:r>
+              <a:rPr lang="en-US" altLang="zh-CN" sz="800" dirty="0"/>
+              <a:t>S</a:t>
+            </a:r>
+            <a:endParaRPr lang="en-CA" sz="800" dirty="0"/>
+          </a:p>
+        </p:txBody>
+      </p:sp>
+      <p:sp>
+        <p:nvSpPr>
+          <p:cNvPr id="1042" name="文本框 1041">
+            <a:extLst>
+              <a:ext uri="{FF2B5EF4-FFF2-40B4-BE49-F238E27FC236}">
+                <a16:creationId xmlns:a16="http://schemas.microsoft.com/office/drawing/2014/main" id="{465D6482-96E0-DDFE-CA94-8F71221D740F}"/>
+              </a:ext>
+            </a:extLst>
+          </p:cNvPr>
+          <p:cNvSpPr txBox="1"/>
+          <p:nvPr/>
+        </p:nvSpPr>
+        <p:spPr>
+          <a:xfrm>
+            <a:off x="5522822" y="5015061"/>
+            <a:ext cx="158280" cy="215444"/>
+          </a:xfrm>
+          <a:prstGeom prst="rect">
+            <a:avLst/>
+          </a:prstGeom>
+          <a:noFill/>
+        </p:spPr>
+        <p:txBody>
+          <a:bodyPr wrap="square" rtlCol="0">
+            <a:spAutoFit/>
+          </a:bodyPr>
+          <a:lstStyle/>
+          <a:p>
+            <a:pPr algn="ctr"/>
+            <a:r>
+              <a:rPr lang="en-US" sz="800" dirty="0"/>
+              <a:t>+</a:t>
+            </a:r>
+            <a:endParaRPr lang="en-CA" sz="800" dirty="0"/>
+          </a:p>
+        </p:txBody>
+      </p:sp>
+      <p:cxnSp>
+        <p:nvCxnSpPr>
+          <p:cNvPr id="1043" name="连接符: 肘形 1042">
+            <a:extLst>
+              <a:ext uri="{FF2B5EF4-FFF2-40B4-BE49-F238E27FC236}">
+                <a16:creationId xmlns:a16="http://schemas.microsoft.com/office/drawing/2014/main" id="{E854C68D-D421-7E6D-7F09-A180B90E3227}"/>
+              </a:ext>
+            </a:extLst>
+          </p:cNvPr>
+          <p:cNvCxnSpPr>
+            <a:cxnSpLocks/>
+            <a:stCxn id="1039" idx="2"/>
+            <a:endCxn id="32" idx="3"/>
+          </p:cNvCxnSpPr>
+          <p:nvPr/>
+        </p:nvCxnSpPr>
+        <p:spPr>
+          <a:xfrm rot="5400000" flipH="1" flipV="1">
+            <a:off x="5228482" y="3520354"/>
+            <a:ext cx="1821139" cy="1232458"/>
+          </a:xfrm>
+          <a:prstGeom prst="bentConnector4">
+            <a:avLst>
+              <a:gd name="adj1" fmla="val -12553"/>
+              <a:gd name="adj2" fmla="val 118548"/>
+            </a:avLst>
+          </a:prstGeom>
+          <a:ln w="12700">
+            <a:solidFill>
+              <a:srgbClr val="FF0000"/>
+            </a:solidFill>
+          </a:ln>
+        </p:spPr>
+        <p:style>
+          <a:lnRef idx="1">
+            <a:schemeClr val="dk1"/>
+          </a:lnRef>
+          <a:fillRef idx="0">
+            <a:schemeClr val="dk1"/>
+          </a:fillRef>
+          <a:effectRef idx="0">
+            <a:schemeClr val="dk1"/>
+          </a:effectRef>
+          <a:fontRef idx="minor">
+            <a:schemeClr val="tx1"/>
+          </a:fontRef>
+        </p:style>
+      </p:cxnSp>
+      <p:cxnSp>
+        <p:nvCxnSpPr>
+          <p:cNvPr id="1046" name="连接符: 肘形 1045">
+            <a:extLst>
+              <a:ext uri="{FF2B5EF4-FFF2-40B4-BE49-F238E27FC236}">
+                <a16:creationId xmlns:a16="http://schemas.microsoft.com/office/drawing/2014/main" id="{8DF2AB05-9EB2-E1D7-F051-486DB9A82425}"/>
+              </a:ext>
+            </a:extLst>
+          </p:cNvPr>
+          <p:cNvCxnSpPr>
+            <a:cxnSpLocks/>
+            <a:stCxn id="1039" idx="3"/>
+            <a:endCxn id="32" idx="2"/>
+          </p:cNvCxnSpPr>
+          <p:nvPr/>
+        </p:nvCxnSpPr>
+        <p:spPr>
+          <a:xfrm flipV="1">
+            <a:off x="5748967" y="3494512"/>
+            <a:ext cx="737815" cy="1435429"/>
+          </a:xfrm>
+          <a:prstGeom prst="bentConnector2">
+            <a:avLst/>
+          </a:prstGeom>
+          <a:ln w="12700">
+            <a:solidFill>
+              <a:schemeClr val="accent1"/>
+            </a:solidFill>
+          </a:ln>
+        </p:spPr>
+        <p:style>
+          <a:lnRef idx="1">
+            <a:schemeClr val="dk1"/>
+          </a:lnRef>
+          <a:fillRef idx="0">
+            <a:schemeClr val="dk1"/>
+          </a:fillRef>
+          <a:effectRef idx="0">
+            <a:schemeClr val="dk1"/>
+          </a:effectRef>
+          <a:fontRef idx="minor">
+            <a:schemeClr val="tx1"/>
+          </a:fontRef>
+        </p:style>
+      </p:cxnSp>
+      <p:cxnSp>
+        <p:nvCxnSpPr>
+          <p:cNvPr id="1052" name="连接符: 肘形 1051">
+            <a:extLst>
+              <a:ext uri="{FF2B5EF4-FFF2-40B4-BE49-F238E27FC236}">
+                <a16:creationId xmlns:a16="http://schemas.microsoft.com/office/drawing/2014/main" id="{A40F1369-27B7-C918-24F5-9CA937E3C2A4}"/>
+              </a:ext>
+            </a:extLst>
+          </p:cNvPr>
+          <p:cNvCxnSpPr>
+            <a:cxnSpLocks/>
+            <a:stCxn id="61" idx="6"/>
+            <a:endCxn id="1039" idx="1"/>
+          </p:cNvCxnSpPr>
+          <p:nvPr/>
+        </p:nvCxnSpPr>
+        <p:spPr>
+          <a:xfrm flipV="1">
+            <a:off x="2714491" y="4929941"/>
+            <a:ext cx="2582187" cy="336078"/>
+          </a:xfrm>
+          <a:prstGeom prst="bentConnector3">
+            <a:avLst>
+              <a:gd name="adj1" fmla="val 50000"/>
+            </a:avLst>
+          </a:prstGeom>
+          <a:ln w="12700">
+            <a:solidFill>
+              <a:srgbClr val="000000">
+                <a:alpha val="50196"/>
+              </a:srgbClr>
+            </a:solidFill>
+          </a:ln>
+        </p:spPr>
+        <p:style>
+          <a:lnRef idx="3">
+            <a:schemeClr val="dk1"/>
+          </a:lnRef>
+          <a:fillRef idx="0">
+            <a:schemeClr val="dk1"/>
+          </a:fillRef>
+          <a:effectRef idx="2">
+            <a:schemeClr val="dk1"/>
+          </a:effectRef>
+          <a:fontRef idx="minor">
+            <a:schemeClr val="tx1"/>
+          </a:fontRef>
+        </p:style>
+      </p:cxnSp>
+      <p:sp>
+        <p:nvSpPr>
+          <p:cNvPr id="1062" name="矩形 1061">
+            <a:extLst>
+              <a:ext uri="{FF2B5EF4-FFF2-40B4-BE49-F238E27FC236}">
+                <a16:creationId xmlns:a16="http://schemas.microsoft.com/office/drawing/2014/main" id="{E9DB82BD-4232-135A-0547-B6308D3D1D91}"/>
+              </a:ext>
+            </a:extLst>
+          </p:cNvPr>
+          <p:cNvSpPr/>
+          <p:nvPr/>
+        </p:nvSpPr>
+        <p:spPr>
+          <a:xfrm>
+            <a:off x="5290968" y="4303996"/>
+            <a:ext cx="452289" cy="234423"/>
+          </a:xfrm>
+          <a:prstGeom prst="rect">
+            <a:avLst/>
+          </a:prstGeom>
+        </p:spPr>
+        <p:style>
+          <a:lnRef idx="2">
+            <a:schemeClr val="dk1"/>
+          </a:lnRef>
+          <a:fillRef idx="1">
+            <a:schemeClr val="lt1"/>
+          </a:fillRef>
+          <a:effectRef idx="0">
+            <a:schemeClr val="dk1"/>
+          </a:effectRef>
+          <a:fontRef idx="minor">
+            <a:schemeClr val="dk1"/>
+          </a:fontRef>
+        </p:style>
+        <p:txBody>
+          <a:bodyPr rtlCol="0" anchor="ctr"/>
+          <a:lstStyle/>
+          <a:p>
+            <a:pPr algn="ctr"/>
+            <a:r>
+              <a:rPr lang="en-US" altLang="zh-CN" sz="800" dirty="0"/>
+              <a:t>HES 5</a:t>
+            </a:r>
+            <a:endParaRPr lang="en-CA" sz="800" dirty="0"/>
+          </a:p>
+        </p:txBody>
+      </p:sp>
+      <p:sp>
+        <p:nvSpPr>
+          <p:cNvPr id="1064" name="文本框 1063">
+            <a:extLst>
+              <a:ext uri="{FF2B5EF4-FFF2-40B4-BE49-F238E27FC236}">
+                <a16:creationId xmlns:a16="http://schemas.microsoft.com/office/drawing/2014/main" id="{C2ABA355-DD9F-E31C-E15D-1DE1A7AB12F2}"/>
+              </a:ext>
+            </a:extLst>
+          </p:cNvPr>
+          <p:cNvSpPr txBox="1"/>
+          <p:nvPr/>
+        </p:nvSpPr>
+        <p:spPr>
+          <a:xfrm>
+            <a:off x="5738123" y="4243226"/>
+            <a:ext cx="158280" cy="215444"/>
+          </a:xfrm>
+          <a:prstGeom prst="rect">
+            <a:avLst/>
+          </a:prstGeom>
+          <a:noFill/>
+        </p:spPr>
+        <p:txBody>
+          <a:bodyPr wrap="square" rtlCol="0">
+            <a:spAutoFit/>
+          </a:bodyPr>
+          <a:lstStyle/>
+          <a:p>
+            <a:pPr algn="ctr"/>
+            <a:r>
+              <a:rPr lang="en-US" sz="800" dirty="0"/>
+              <a:t>-</a:t>
+            </a:r>
+            <a:endParaRPr lang="en-CA" sz="800" dirty="0"/>
+          </a:p>
+        </p:txBody>
+      </p:sp>
+      <p:sp>
+        <p:nvSpPr>
+          <p:cNvPr id="1065" name="文本框 1064">
+            <a:extLst>
+              <a:ext uri="{FF2B5EF4-FFF2-40B4-BE49-F238E27FC236}">
+                <a16:creationId xmlns:a16="http://schemas.microsoft.com/office/drawing/2014/main" id="{2F780186-2E99-8EFF-0030-ECD10B022594}"/>
+              </a:ext>
+            </a:extLst>
+          </p:cNvPr>
+          <p:cNvSpPr txBox="1"/>
+          <p:nvPr/>
+        </p:nvSpPr>
+        <p:spPr>
+          <a:xfrm>
+            <a:off x="5151558" y="4254239"/>
+            <a:ext cx="158280" cy="215444"/>
+          </a:xfrm>
+          <a:prstGeom prst="rect">
+            <a:avLst/>
+          </a:prstGeom>
+          <a:noFill/>
+        </p:spPr>
+        <p:txBody>
+          <a:bodyPr wrap="square" rtlCol="0">
+            <a:spAutoFit/>
+          </a:bodyPr>
+          <a:lstStyle/>
+          <a:p>
+            <a:pPr algn="ctr"/>
+            <a:r>
+              <a:rPr lang="en-US" altLang="zh-CN" sz="800" dirty="0"/>
+              <a:t>S</a:t>
+            </a:r>
+            <a:endParaRPr lang="en-CA" sz="800" dirty="0"/>
+          </a:p>
+        </p:txBody>
+      </p:sp>
+      <p:sp>
+        <p:nvSpPr>
+          <p:cNvPr id="1066" name="文本框 1065">
+            <a:extLst>
+              <a:ext uri="{FF2B5EF4-FFF2-40B4-BE49-F238E27FC236}">
+                <a16:creationId xmlns:a16="http://schemas.microsoft.com/office/drawing/2014/main" id="{51CA7EBE-8F9B-1C6E-C60A-39DCB8C9CC04}"/>
+              </a:ext>
+            </a:extLst>
+          </p:cNvPr>
+          <p:cNvSpPr txBox="1"/>
+          <p:nvPr/>
+        </p:nvSpPr>
+        <p:spPr>
+          <a:xfrm>
+            <a:off x="5517112" y="4506328"/>
+            <a:ext cx="158280" cy="215444"/>
+          </a:xfrm>
+          <a:prstGeom prst="rect">
+            <a:avLst/>
+          </a:prstGeom>
+          <a:noFill/>
+        </p:spPr>
+        <p:txBody>
+          <a:bodyPr wrap="square" rtlCol="0">
+            <a:spAutoFit/>
+          </a:bodyPr>
+          <a:lstStyle/>
+          <a:p>
+            <a:pPr algn="ctr"/>
+            <a:r>
+              <a:rPr lang="en-US" sz="800" dirty="0"/>
+              <a:t>+</a:t>
+            </a:r>
+            <a:endParaRPr lang="en-CA" sz="800" dirty="0"/>
+          </a:p>
+        </p:txBody>
+      </p:sp>
+      <p:cxnSp>
+        <p:nvCxnSpPr>
+          <p:cNvPr id="1111" name="连接符: 肘形 1110">
+            <a:extLst>
+              <a:ext uri="{FF2B5EF4-FFF2-40B4-BE49-F238E27FC236}">
+                <a16:creationId xmlns:a16="http://schemas.microsoft.com/office/drawing/2014/main" id="{A02E169F-6945-2926-1125-4BE938260E3E}"/>
+              </a:ext>
+            </a:extLst>
+          </p:cNvPr>
+          <p:cNvCxnSpPr>
+            <a:cxnSpLocks/>
+            <a:stCxn id="1062" idx="3"/>
+            <a:endCxn id="32" idx="2"/>
+          </p:cNvCxnSpPr>
+          <p:nvPr/>
+        </p:nvCxnSpPr>
+        <p:spPr>
+          <a:xfrm flipV="1">
+            <a:off x="5743257" y="3494512"/>
+            <a:ext cx="743525" cy="926696"/>
+          </a:xfrm>
+          <a:prstGeom prst="bentConnector2">
+            <a:avLst/>
+          </a:prstGeom>
+          <a:ln w="12700">
+            <a:solidFill>
+              <a:schemeClr val="accent1"/>
+            </a:solidFill>
+          </a:ln>
+        </p:spPr>
+        <p:style>
+          <a:lnRef idx="1">
+            <a:schemeClr val="dk1"/>
+          </a:lnRef>
+          <a:fillRef idx="0">
+            <a:schemeClr val="dk1"/>
+          </a:fillRef>
+          <a:effectRef idx="0">
+            <a:schemeClr val="dk1"/>
+          </a:effectRef>
+          <a:fontRef idx="minor">
+            <a:schemeClr val="tx1"/>
+          </a:fontRef>
+        </p:style>
+      </p:cxnSp>
+      <p:cxnSp>
+        <p:nvCxnSpPr>
+          <p:cNvPr id="1115" name="连接符: 肘形 1114">
+            <a:extLst>
+              <a:ext uri="{FF2B5EF4-FFF2-40B4-BE49-F238E27FC236}">
+                <a16:creationId xmlns:a16="http://schemas.microsoft.com/office/drawing/2014/main" id="{AC5C481F-A98E-4685-3DB2-C017D452D3A2}"/>
+              </a:ext>
+            </a:extLst>
+          </p:cNvPr>
+          <p:cNvCxnSpPr>
+            <a:cxnSpLocks/>
+            <a:stCxn id="1062" idx="2"/>
+            <a:endCxn id="32" idx="3"/>
+          </p:cNvCxnSpPr>
+          <p:nvPr/>
+        </p:nvCxnSpPr>
+        <p:spPr>
+          <a:xfrm rot="5400000" flipH="1" flipV="1">
+            <a:off x="5479994" y="3263132"/>
+            <a:ext cx="1312406" cy="1238168"/>
+          </a:xfrm>
+          <a:prstGeom prst="bentConnector4">
+            <a:avLst>
+              <a:gd name="adj1" fmla="val -17418"/>
+              <a:gd name="adj2" fmla="val 118463"/>
+            </a:avLst>
+          </a:prstGeom>
+          <a:ln w="12700">
+            <a:solidFill>
+              <a:srgbClr val="FF0000"/>
+            </a:solidFill>
+          </a:ln>
+        </p:spPr>
+        <p:style>
+          <a:lnRef idx="1">
+            <a:schemeClr val="dk1"/>
+          </a:lnRef>
+          <a:fillRef idx="0">
+            <a:schemeClr val="dk1"/>
+          </a:fillRef>
+          <a:effectRef idx="0">
+            <a:schemeClr val="dk1"/>
+          </a:effectRef>
+          <a:fontRef idx="minor">
+            <a:schemeClr val="tx1"/>
+          </a:fontRef>
+        </p:style>
+      </p:cxnSp>
+      <p:cxnSp>
+        <p:nvCxnSpPr>
+          <p:cNvPr id="1118" name="连接符: 肘形 1117">
+            <a:extLst>
+              <a:ext uri="{FF2B5EF4-FFF2-40B4-BE49-F238E27FC236}">
+                <a16:creationId xmlns:a16="http://schemas.microsoft.com/office/drawing/2014/main" id="{0E187786-EC2B-D715-AFA2-08B153772197}"/>
+              </a:ext>
+            </a:extLst>
+          </p:cNvPr>
+          <p:cNvCxnSpPr>
+            <a:cxnSpLocks/>
+            <a:stCxn id="1038" idx="6"/>
+            <a:endCxn id="1062" idx="1"/>
+          </p:cNvCxnSpPr>
+          <p:nvPr/>
+        </p:nvCxnSpPr>
+        <p:spPr>
+          <a:xfrm flipV="1">
+            <a:off x="2714491" y="4421208"/>
+            <a:ext cx="2576477" cy="740895"/>
+          </a:xfrm>
+          <a:prstGeom prst="bentConnector3">
+            <a:avLst>
+              <a:gd name="adj1" fmla="val 47967"/>
+            </a:avLst>
+          </a:prstGeom>
+          <a:ln w="12700">
+            <a:solidFill>
+              <a:srgbClr val="000000">
+                <a:alpha val="50196"/>
+              </a:srgbClr>
+            </a:solidFill>
+          </a:ln>
+        </p:spPr>
+        <p:style>
+          <a:lnRef idx="3">
+            <a:schemeClr val="dk1"/>
+          </a:lnRef>
+          <a:fillRef idx="0">
+            <a:schemeClr val="dk1"/>
+          </a:fillRef>
+          <a:effectRef idx="2">
+            <a:schemeClr val="dk1"/>
+          </a:effectRef>
+          <a:fontRef idx="minor">
+            <a:schemeClr val="tx1"/>
+          </a:fontRef>
+        </p:style>
+      </p:cxnSp>
+      <p:sp>
+        <p:nvSpPr>
+          <p:cNvPr id="1160" name="文本框 1159">
+            <a:extLst>
+              <a:ext uri="{FF2B5EF4-FFF2-40B4-BE49-F238E27FC236}">
+                <a16:creationId xmlns:a16="http://schemas.microsoft.com/office/drawing/2014/main" id="{E9822F42-113B-BFF9-7B2D-2E8FFAA298A7}"/>
+              </a:ext>
+            </a:extLst>
+          </p:cNvPr>
+          <p:cNvSpPr txBox="1"/>
+          <p:nvPr/>
+        </p:nvSpPr>
+        <p:spPr>
+          <a:xfrm>
+            <a:off x="8716914" y="6112653"/>
+            <a:ext cx="1084600" cy="276999"/>
+          </a:xfrm>
+          <a:prstGeom prst="rect">
+            <a:avLst/>
+          </a:prstGeom>
+          <a:noFill/>
+        </p:spPr>
+        <p:txBody>
+          <a:bodyPr wrap="square" rtlCol="0">
+            <a:spAutoFit/>
+          </a:bodyPr>
+          <a:lstStyle/>
+          <a:p>
+            <a:pPr algn="ctr"/>
+            <a:r>
+              <a:rPr lang="en-US" sz="1200" dirty="0"/>
+              <a:t>Arduino </a:t>
+            </a:r>
+            <a:r>
+              <a:rPr lang="en-US" altLang="zh-CN" sz="1200" dirty="0"/>
+              <a:t>Nano</a:t>
+            </a:r>
+            <a:endParaRPr lang="en-CA" sz="1200" dirty="0"/>
+          </a:p>
+        </p:txBody>
+      </p:sp>
+      <p:cxnSp>
+        <p:nvCxnSpPr>
+          <p:cNvPr id="1168" name="连接符: 肘形 1167">
+            <a:extLst>
+              <a:ext uri="{FF2B5EF4-FFF2-40B4-BE49-F238E27FC236}">
+                <a16:creationId xmlns:a16="http://schemas.microsoft.com/office/drawing/2014/main" id="{034D1757-0864-3F61-36F2-9AEB9290AD14}"/>
+              </a:ext>
+            </a:extLst>
+          </p:cNvPr>
+          <p:cNvCxnSpPr>
+            <a:stCxn id="32" idx="0"/>
+            <a:endCxn id="53" idx="3"/>
+          </p:cNvCxnSpPr>
+          <p:nvPr/>
+        </p:nvCxnSpPr>
+        <p:spPr>
+          <a:xfrm rot="5400000" flipH="1" flipV="1">
+            <a:off x="7129946" y="-13741"/>
+            <a:ext cx="2328090" cy="3614419"/>
+          </a:xfrm>
+          <a:prstGeom prst="bentConnector4">
+            <a:avLst>
+              <a:gd name="adj1" fmla="val 5987"/>
+              <a:gd name="adj2" fmla="val 106325"/>
+            </a:avLst>
+          </a:prstGeom>
+          <a:ln w="12700">
+            <a:solidFill>
+              <a:schemeClr val="tx1"/>
+            </a:solidFill>
+          </a:ln>
+        </p:spPr>
+        <p:style>
+          <a:lnRef idx="1">
+            <a:schemeClr val="dk1"/>
+          </a:lnRef>
+          <a:fillRef idx="0">
+            <a:schemeClr val="dk1"/>
+          </a:fillRef>
+          <a:effectRef idx="0">
+            <a:schemeClr val="dk1"/>
+          </a:effectRef>
+          <a:fontRef idx="minor">
+            <a:schemeClr val="tx1"/>
+          </a:fontRef>
+        </p:style>
+      </p:cxnSp>
+      <p:sp>
+        <p:nvSpPr>
+          <p:cNvPr id="1171" name="文本框 1170">
+            <a:extLst>
+              <a:ext uri="{FF2B5EF4-FFF2-40B4-BE49-F238E27FC236}">
+                <a16:creationId xmlns:a16="http://schemas.microsoft.com/office/drawing/2014/main" id="{9EAFAD74-10CD-2598-D62C-D18C541AF4D9}"/>
+              </a:ext>
+            </a:extLst>
+          </p:cNvPr>
+          <p:cNvSpPr txBox="1"/>
+          <p:nvPr/>
+        </p:nvSpPr>
+        <p:spPr>
+          <a:xfrm>
+            <a:off x="5561732" y="2739241"/>
+            <a:ext cx="969670" cy="215444"/>
+          </a:xfrm>
+          <a:prstGeom prst="rect">
+            <a:avLst/>
+          </a:prstGeom>
+          <a:noFill/>
+        </p:spPr>
+        <p:txBody>
+          <a:bodyPr wrap="square" rtlCol="0">
+            <a:spAutoFit/>
+          </a:bodyPr>
+          <a:lstStyle/>
+          <a:p>
+            <a:pPr algn="ctr"/>
+            <a:r>
+              <a:rPr lang="en-CA" sz="800" dirty="0"/>
+              <a:t>5.5mm/2.1mm DC</a:t>
+            </a:r>
+          </a:p>
+        </p:txBody>
+      </p:sp>
+      <p:sp>
+        <p:nvSpPr>
+          <p:cNvPr id="1172" name="文本框 18">
+            <a:extLst>
+              <a:ext uri="{FF2B5EF4-FFF2-40B4-BE49-F238E27FC236}">
+                <a16:creationId xmlns:a16="http://schemas.microsoft.com/office/drawing/2014/main" id="{F340CD91-CD8C-A65A-4753-1A611737178D}"/>
+              </a:ext>
+            </a:extLst>
+          </p:cNvPr>
+          <p:cNvSpPr txBox="1"/>
+          <p:nvPr/>
+        </p:nvSpPr>
+        <p:spPr>
+          <a:xfrm>
+            <a:off x="9977341" y="413979"/>
+            <a:ext cx="549075" cy="215444"/>
+          </a:xfrm>
+          <a:prstGeom prst="rect">
+            <a:avLst/>
+          </a:prstGeom>
+          <a:noFill/>
+        </p:spPr>
+        <p:txBody>
+          <a:bodyPr wrap="square" rtlCol="0">
+            <a:spAutoFit/>
+          </a:bodyPr>
+          <a:lstStyle/>
+          <a:p>
+            <a:pPr algn="ctr"/>
+            <a:r>
+              <a:rPr lang="en-CA" sz="800" dirty="0"/>
+              <a:t>USB-A 2</a:t>
+            </a:r>
+          </a:p>
+        </p:txBody>
+      </p:sp>
+      <p:cxnSp>
+        <p:nvCxnSpPr>
+          <p:cNvPr id="1175" name="连接符: 肘形 1174">
+            <a:extLst>
+              <a:ext uri="{FF2B5EF4-FFF2-40B4-BE49-F238E27FC236}">
+                <a16:creationId xmlns:a16="http://schemas.microsoft.com/office/drawing/2014/main" id="{284562F3-4592-1293-389C-D6600A4B6691}"/>
+              </a:ext>
+            </a:extLst>
+          </p:cNvPr>
+          <p:cNvCxnSpPr>
+            <a:cxnSpLocks/>
+            <a:stCxn id="24" idx="0"/>
+            <a:endCxn id="19" idx="2"/>
+          </p:cNvCxnSpPr>
+          <p:nvPr/>
+        </p:nvCxnSpPr>
+        <p:spPr>
+          <a:xfrm rot="5400000" flipH="1" flipV="1">
+            <a:off x="2590273" y="2519153"/>
+            <a:ext cx="1277788" cy="1731911"/>
+          </a:xfrm>
+          <a:prstGeom prst="bentConnector3">
+            <a:avLst>
+              <a:gd name="adj1" fmla="val 50000"/>
+            </a:avLst>
+          </a:prstGeom>
+          <a:ln w="12700">
+            <a:solidFill>
+              <a:schemeClr val="tx1"/>
+            </a:solidFill>
+          </a:ln>
+        </p:spPr>
+        <p:style>
+          <a:lnRef idx="1">
+            <a:schemeClr val="dk1"/>
+          </a:lnRef>
+          <a:fillRef idx="0">
+            <a:schemeClr val="dk1"/>
+          </a:fillRef>
+          <a:effectRef idx="0">
+            <a:schemeClr val="dk1"/>
+          </a:effectRef>
+          <a:fontRef idx="minor">
+            <a:schemeClr val="tx1"/>
+          </a:fontRef>
+        </p:style>
+      </p:cxnSp>
+      <p:sp>
+        <p:nvSpPr>
+          <p:cNvPr id="1179" name="文本框 1178">
+            <a:extLst>
+              <a:ext uri="{FF2B5EF4-FFF2-40B4-BE49-F238E27FC236}">
+                <a16:creationId xmlns:a16="http://schemas.microsoft.com/office/drawing/2014/main" id="{FBBC39FC-B875-1CA4-B075-C6F679D0BB89}"/>
+              </a:ext>
+            </a:extLst>
+          </p:cNvPr>
+          <p:cNvSpPr txBox="1"/>
+          <p:nvPr/>
+        </p:nvSpPr>
+        <p:spPr>
+          <a:xfrm>
+            <a:off x="4171089" y="2530770"/>
+            <a:ext cx="626242" cy="215444"/>
+          </a:xfrm>
+          <a:prstGeom prst="rect">
+            <a:avLst/>
+          </a:prstGeom>
+          <a:noFill/>
+        </p:spPr>
+        <p:txBody>
+          <a:bodyPr wrap="square" rtlCol="0">
+            <a:spAutoFit/>
+          </a:bodyPr>
+          <a:lstStyle/>
+          <a:p>
+            <a:pPr algn="ctr"/>
+            <a:r>
+              <a:rPr lang="en-CA" sz="800" dirty="0"/>
+              <a:t>USB-A 2</a:t>
+            </a:r>
+          </a:p>
+        </p:txBody>
+      </p:sp>
+      <p:sp>
+        <p:nvSpPr>
+          <p:cNvPr id="1180" name="文本框 1179">
+            <a:extLst>
+              <a:ext uri="{FF2B5EF4-FFF2-40B4-BE49-F238E27FC236}">
+                <a16:creationId xmlns:a16="http://schemas.microsoft.com/office/drawing/2014/main" id="{EDF4DE5D-39C1-508B-F7E7-6D2260D97F41}"/>
+              </a:ext>
+            </a:extLst>
+          </p:cNvPr>
+          <p:cNvSpPr txBox="1"/>
+          <p:nvPr/>
+        </p:nvSpPr>
+        <p:spPr>
+          <a:xfrm>
+            <a:off x="9593925" y="4024002"/>
+            <a:ext cx="766143" cy="215444"/>
+          </a:xfrm>
+          <a:prstGeom prst="rect">
+            <a:avLst/>
+          </a:prstGeom>
+          <a:noFill/>
+        </p:spPr>
+        <p:txBody>
+          <a:bodyPr wrap="square" rtlCol="0">
+            <a:spAutoFit/>
+          </a:bodyPr>
+          <a:lstStyle/>
+          <a:p>
+            <a:pPr algn="ctr"/>
+            <a:r>
+              <a:rPr lang="en-CA" sz="800" dirty="0"/>
+              <a:t>Mini USB</a:t>
+            </a:r>
+          </a:p>
+        </p:txBody>
+      </p:sp>
+      <p:sp>
+        <p:nvSpPr>
+          <p:cNvPr id="1189" name="矩形 1188">
+            <a:extLst>
+              <a:ext uri="{FF2B5EF4-FFF2-40B4-BE49-F238E27FC236}">
+                <a16:creationId xmlns:a16="http://schemas.microsoft.com/office/drawing/2014/main" id="{F57DFD93-7F15-125C-3F42-D45855D59BAC}"/>
+              </a:ext>
+            </a:extLst>
+          </p:cNvPr>
+          <p:cNvSpPr/>
+          <p:nvPr/>
+        </p:nvSpPr>
+        <p:spPr>
+          <a:xfrm>
+            <a:off x="7135323" y="5129440"/>
+            <a:ext cx="546007" cy="297390"/>
+          </a:xfrm>
+          <a:prstGeom prst="rect">
+            <a:avLst/>
+          </a:prstGeom>
+        </p:spPr>
+        <p:style>
+          <a:lnRef idx="2">
+            <a:schemeClr val="dk1"/>
+          </a:lnRef>
+          <a:fillRef idx="1">
+            <a:schemeClr val="lt1"/>
+          </a:fillRef>
+          <a:effectRef idx="0">
+            <a:schemeClr val="dk1"/>
+          </a:effectRef>
+          <a:fontRef idx="minor">
+            <a:schemeClr val="dk1"/>
+          </a:fontRef>
+        </p:style>
+        <p:txBody>
+          <a:bodyPr rtlCol="0" anchor="ctr"/>
+          <a:lstStyle/>
+          <a:p>
+            <a:pPr algn="ctr"/>
+            <a:r>
+              <a:rPr lang="en-US" altLang="zh-CN" sz="800" dirty="0"/>
+              <a:t>Voltage Sensor</a:t>
+            </a:r>
+            <a:endParaRPr lang="en-CA" sz="800" dirty="0"/>
+          </a:p>
+        </p:txBody>
+      </p:sp>
+      <p:sp>
+        <p:nvSpPr>
+          <p:cNvPr id="1197" name="椭圆 1196">
+            <a:extLst>
+              <a:ext uri="{FF2B5EF4-FFF2-40B4-BE49-F238E27FC236}">
+                <a16:creationId xmlns:a16="http://schemas.microsoft.com/office/drawing/2014/main" id="{AB8FFB7A-8C33-B1BF-7BCD-C9C794F481A2}"/>
+              </a:ext>
+            </a:extLst>
+          </p:cNvPr>
+          <p:cNvSpPr/>
+          <p:nvPr/>
+        </p:nvSpPr>
+        <p:spPr>
+          <a:xfrm>
+            <a:off x="9642430" y="4772829"/>
+            <a:ext cx="45719" cy="45719"/>
+          </a:xfrm>
+          <a:prstGeom prst="ellipse">
+            <a:avLst/>
+          </a:prstGeom>
+        </p:spPr>
+        <p:style>
+          <a:lnRef idx="2">
+            <a:schemeClr val="accent3">
+              <a:shade val="15000"/>
+            </a:schemeClr>
+          </a:lnRef>
+          <a:fillRef idx="1">
+            <a:schemeClr val="accent3"/>
+          </a:fillRef>
+          <a:effectRef idx="0">
+            <a:schemeClr val="accent3"/>
+          </a:effectRef>
+          <a:fontRef idx="minor">
+            <a:schemeClr val="lt1"/>
+          </a:fontRef>
+        </p:style>
+        <p:txBody>
+          <a:bodyPr rtlCol="0" anchor="ctr"/>
+          <a:lstStyle/>
+          <a:p>
+            <a:pPr algn="ctr"/>
+            <a:endParaRPr lang="en-CA"/>
+          </a:p>
+        </p:txBody>
+      </p:sp>
+      <p:sp>
+        <p:nvSpPr>
+          <p:cNvPr id="1198" name="文本框 1197">
+            <a:extLst>
+              <a:ext uri="{FF2B5EF4-FFF2-40B4-BE49-F238E27FC236}">
+                <a16:creationId xmlns:a16="http://schemas.microsoft.com/office/drawing/2014/main" id="{76F72F59-EE49-137B-FE63-5C1B534068E0}"/>
+              </a:ext>
+            </a:extLst>
+          </p:cNvPr>
+          <p:cNvSpPr txBox="1"/>
+          <p:nvPr/>
+        </p:nvSpPr>
+        <p:spPr>
+          <a:xfrm>
+            <a:off x="7267699" y="4959875"/>
+            <a:ext cx="158280" cy="215444"/>
+          </a:xfrm>
+          <a:prstGeom prst="rect">
+            <a:avLst/>
+          </a:prstGeom>
+          <a:noFill/>
+        </p:spPr>
+        <p:txBody>
+          <a:bodyPr wrap="square" rtlCol="0">
+            <a:spAutoFit/>
+          </a:bodyPr>
+          <a:lstStyle/>
+          <a:p>
+            <a:pPr algn="ctr"/>
+            <a:r>
+              <a:rPr lang="en-US" altLang="zh-CN" sz="800" dirty="0"/>
+              <a:t>S</a:t>
+            </a:r>
+            <a:endParaRPr lang="en-CA" sz="800" dirty="0"/>
+          </a:p>
+        </p:txBody>
+      </p:sp>
+      <p:cxnSp>
+        <p:nvCxnSpPr>
+          <p:cNvPr id="1199" name="连接符: 肘形 1198">
+            <a:extLst>
+              <a:ext uri="{FF2B5EF4-FFF2-40B4-BE49-F238E27FC236}">
+                <a16:creationId xmlns:a16="http://schemas.microsoft.com/office/drawing/2014/main" id="{97A6CE47-9529-E093-6E18-3FB735C928AB}"/>
+              </a:ext>
+            </a:extLst>
+          </p:cNvPr>
+          <p:cNvCxnSpPr>
+            <a:cxnSpLocks/>
+            <a:stCxn id="1189" idx="0"/>
+            <a:endCxn id="1197" idx="2"/>
+          </p:cNvCxnSpPr>
+          <p:nvPr/>
+        </p:nvCxnSpPr>
+        <p:spPr>
+          <a:xfrm rot="5400000" flipH="1" flipV="1">
+            <a:off x="8358503" y="3845514"/>
+            <a:ext cx="333751" cy="2234103"/>
+          </a:xfrm>
+          <a:prstGeom prst="bentConnector2">
+            <a:avLst/>
+          </a:prstGeom>
+          <a:ln w="12700">
+            <a:solidFill>
+              <a:srgbClr val="000000">
+                <a:alpha val="50196"/>
+              </a:srgbClr>
+            </a:solidFill>
+          </a:ln>
+        </p:spPr>
+        <p:style>
+          <a:lnRef idx="3">
+            <a:schemeClr val="dk1"/>
+          </a:lnRef>
+          <a:fillRef idx="0">
+            <a:schemeClr val="dk1"/>
+          </a:fillRef>
+          <a:effectRef idx="2">
+            <a:schemeClr val="dk1"/>
+          </a:effectRef>
+          <a:fontRef idx="minor">
+            <a:schemeClr val="tx1"/>
+          </a:fontRef>
+        </p:style>
+      </p:cxnSp>
+      <p:sp>
+        <p:nvSpPr>
+          <p:cNvPr id="1203" name="椭圆 1202">
+            <a:extLst>
+              <a:ext uri="{FF2B5EF4-FFF2-40B4-BE49-F238E27FC236}">
+                <a16:creationId xmlns:a16="http://schemas.microsoft.com/office/drawing/2014/main" id="{04D1AD15-5DC5-B6CF-8836-5B4341B27740}"/>
+              </a:ext>
+            </a:extLst>
+          </p:cNvPr>
+          <p:cNvSpPr/>
+          <p:nvPr/>
+        </p:nvSpPr>
+        <p:spPr>
+          <a:xfrm>
+            <a:off x="9642429" y="5826775"/>
+            <a:ext cx="45719" cy="45719"/>
+          </a:xfrm>
+          <a:prstGeom prst="ellipse">
+            <a:avLst/>
+          </a:prstGeom>
+        </p:spPr>
+        <p:style>
+          <a:lnRef idx="2">
+            <a:schemeClr val="accent3">
+              <a:shade val="15000"/>
+            </a:schemeClr>
+          </a:lnRef>
+          <a:fillRef idx="1">
+            <a:schemeClr val="accent3"/>
+          </a:fillRef>
+          <a:effectRef idx="0">
+            <a:schemeClr val="accent3"/>
+          </a:effectRef>
+          <a:fontRef idx="minor">
+            <a:schemeClr val="lt1"/>
+          </a:fontRef>
+        </p:style>
+        <p:txBody>
+          <a:bodyPr rtlCol="0" anchor="ctr"/>
+          <a:lstStyle/>
+          <a:p>
+            <a:pPr algn="ctr"/>
+            <a:endParaRPr lang="en-CA"/>
+          </a:p>
+        </p:txBody>
+      </p:sp>
+      <p:cxnSp>
+        <p:nvCxnSpPr>
+          <p:cNvPr id="1205" name="连接符: 肘形 1204">
+            <a:extLst>
+              <a:ext uri="{FF2B5EF4-FFF2-40B4-BE49-F238E27FC236}">
+                <a16:creationId xmlns:a16="http://schemas.microsoft.com/office/drawing/2014/main" id="{C823900C-443F-492A-136B-B1DB9CDABFEA}"/>
+              </a:ext>
+            </a:extLst>
+          </p:cNvPr>
+          <p:cNvCxnSpPr>
+            <a:cxnSpLocks/>
+            <a:stCxn id="1189" idx="2"/>
+            <a:endCxn id="1203" idx="2"/>
+          </p:cNvCxnSpPr>
+          <p:nvPr/>
+        </p:nvCxnSpPr>
+        <p:spPr>
+          <a:xfrm rot="16200000" flipH="1">
+            <a:off x="8313976" y="4521181"/>
+            <a:ext cx="422805" cy="2234102"/>
+          </a:xfrm>
+          <a:prstGeom prst="bentConnector2">
+            <a:avLst/>
+          </a:prstGeom>
+          <a:ln w="12700">
+            <a:solidFill>
+              <a:schemeClr val="accent1"/>
+            </a:solidFill>
+          </a:ln>
+        </p:spPr>
+        <p:style>
+          <a:lnRef idx="1">
+            <a:schemeClr val="dk1"/>
+          </a:lnRef>
+          <a:fillRef idx="0">
+            <a:schemeClr val="dk1"/>
+          </a:fillRef>
+          <a:effectRef idx="0">
+            <a:schemeClr val="dk1"/>
+          </a:effectRef>
+          <a:fontRef idx="minor">
+            <a:schemeClr val="tx1"/>
+          </a:fontRef>
+        </p:style>
+      </p:cxnSp>
+      <p:sp>
+        <p:nvSpPr>
+          <p:cNvPr id="1210" name="文本框 1209">
+            <a:extLst>
+              <a:ext uri="{FF2B5EF4-FFF2-40B4-BE49-F238E27FC236}">
+                <a16:creationId xmlns:a16="http://schemas.microsoft.com/office/drawing/2014/main" id="{9CD9C3E1-251F-894A-499D-74D595820BF8}"/>
+              </a:ext>
+            </a:extLst>
+          </p:cNvPr>
+          <p:cNvSpPr txBox="1"/>
+          <p:nvPr/>
+        </p:nvSpPr>
+        <p:spPr>
+          <a:xfrm>
+            <a:off x="7406140" y="5376195"/>
+            <a:ext cx="158280" cy="215444"/>
+          </a:xfrm>
+          <a:prstGeom prst="rect">
+            <a:avLst/>
+          </a:prstGeom>
+          <a:noFill/>
+        </p:spPr>
+        <p:txBody>
+          <a:bodyPr wrap="square" rtlCol="0">
+            <a:spAutoFit/>
+          </a:bodyPr>
+          <a:lstStyle/>
+          <a:p>
+            <a:pPr algn="ctr"/>
+            <a:r>
+              <a:rPr lang="en-US" sz="800" dirty="0"/>
+              <a:t>-</a:t>
+            </a:r>
+            <a:endParaRPr lang="en-CA" sz="800" dirty="0"/>
+          </a:p>
+        </p:txBody>
+      </p:sp>
+      <p:cxnSp>
+        <p:nvCxnSpPr>
+          <p:cNvPr id="1211" name="连接符: 肘形 1210">
+            <a:extLst>
+              <a:ext uri="{FF2B5EF4-FFF2-40B4-BE49-F238E27FC236}">
+                <a16:creationId xmlns:a16="http://schemas.microsoft.com/office/drawing/2014/main" id="{D0D9AA18-ACFF-F785-09D6-61D20F1196D0}"/>
+              </a:ext>
+            </a:extLst>
+          </p:cNvPr>
+          <p:cNvCxnSpPr>
+            <a:cxnSpLocks/>
+            <a:stCxn id="1189" idx="3"/>
+            <a:endCxn id="1214" idx="2"/>
+          </p:cNvCxnSpPr>
+          <p:nvPr/>
+        </p:nvCxnSpPr>
+        <p:spPr>
+          <a:xfrm>
+            <a:off x="7681330" y="5278135"/>
+            <a:ext cx="1961098" cy="362477"/>
+          </a:xfrm>
+          <a:prstGeom prst="bentConnector3">
+            <a:avLst>
+              <a:gd name="adj1" fmla="val 35487"/>
+            </a:avLst>
+          </a:prstGeom>
+          <a:ln w="12700">
+            <a:solidFill>
+              <a:srgbClr val="FF0000"/>
+            </a:solidFill>
+          </a:ln>
+        </p:spPr>
+        <p:style>
+          <a:lnRef idx="1">
+            <a:schemeClr val="dk1"/>
+          </a:lnRef>
+          <a:fillRef idx="0">
+            <a:schemeClr val="dk1"/>
+          </a:fillRef>
+          <a:effectRef idx="0">
+            <a:schemeClr val="dk1"/>
+          </a:effectRef>
+          <a:fontRef idx="minor">
+            <a:schemeClr val="tx1"/>
+          </a:fontRef>
+        </p:style>
+      </p:cxnSp>
+      <p:sp>
+        <p:nvSpPr>
+          <p:cNvPr id="1214" name="椭圆 1213">
+            <a:extLst>
+              <a:ext uri="{FF2B5EF4-FFF2-40B4-BE49-F238E27FC236}">
+                <a16:creationId xmlns:a16="http://schemas.microsoft.com/office/drawing/2014/main" id="{E56FF942-2099-8347-3651-A3C75D2D3C77}"/>
+              </a:ext>
+            </a:extLst>
+          </p:cNvPr>
+          <p:cNvSpPr/>
+          <p:nvPr/>
+        </p:nvSpPr>
+        <p:spPr>
+          <a:xfrm>
+            <a:off x="9642428" y="5617752"/>
+            <a:ext cx="45719" cy="45719"/>
+          </a:xfrm>
+          <a:prstGeom prst="ellipse">
+            <a:avLst/>
+          </a:prstGeom>
+        </p:spPr>
+        <p:style>
+          <a:lnRef idx="2">
+            <a:schemeClr val="accent3">
+              <a:shade val="15000"/>
+            </a:schemeClr>
+          </a:lnRef>
+          <a:fillRef idx="1">
+            <a:schemeClr val="accent3"/>
+          </a:fillRef>
+          <a:effectRef idx="0">
+            <a:schemeClr val="accent3"/>
+          </a:effectRef>
+          <a:fontRef idx="minor">
+            <a:schemeClr val="lt1"/>
+          </a:fontRef>
+        </p:style>
+        <p:txBody>
+          <a:bodyPr rtlCol="0" anchor="ctr"/>
+          <a:lstStyle/>
+          <a:p>
+            <a:pPr algn="ctr"/>
+            <a:endParaRPr lang="en-CA"/>
+          </a:p>
+        </p:txBody>
+      </p:sp>
+      <p:sp>
+        <p:nvSpPr>
+          <p:cNvPr id="1217" name="文本框 1216">
+            <a:extLst>
+              <a:ext uri="{FF2B5EF4-FFF2-40B4-BE49-F238E27FC236}">
+                <a16:creationId xmlns:a16="http://schemas.microsoft.com/office/drawing/2014/main" id="{8342823D-2AE6-32E9-3BD3-00163CB22D98}"/>
+              </a:ext>
+            </a:extLst>
+          </p:cNvPr>
+          <p:cNvSpPr txBox="1"/>
+          <p:nvPr/>
+        </p:nvSpPr>
+        <p:spPr>
+          <a:xfrm>
+            <a:off x="7676378" y="5089841"/>
+            <a:ext cx="158280" cy="215444"/>
+          </a:xfrm>
+          <a:prstGeom prst="rect">
+            <a:avLst/>
+          </a:prstGeom>
+          <a:noFill/>
+        </p:spPr>
+        <p:txBody>
+          <a:bodyPr wrap="square" rtlCol="0">
+            <a:spAutoFit/>
+          </a:bodyPr>
+          <a:lstStyle/>
+          <a:p>
+            <a:pPr algn="ctr"/>
+            <a:r>
+              <a:rPr lang="en-US" sz="800" dirty="0"/>
+              <a:t>+</a:t>
+            </a:r>
+            <a:endParaRPr lang="en-CA" sz="800" dirty="0"/>
           </a:p>
         </p:txBody>
       </p:sp>

--- a/design/Pin Config.pptx
+++ b/design/Pin Config.pptx
@@ -6734,6 +6734,1172 @@
           </a:p>
         </p:txBody>
       </p:sp>
+      <p:sp>
+        <p:nvSpPr>
+          <p:cNvPr id="5" name="矩形 4">
+            <a:extLst>
+              <a:ext uri="{FF2B5EF4-FFF2-40B4-BE49-F238E27FC236}">
+                <a16:creationId xmlns:a16="http://schemas.microsoft.com/office/drawing/2014/main" id="{BA04F5E2-5E68-472C-E133-9E02568B6D72}"/>
+              </a:ext>
+            </a:extLst>
+          </p:cNvPr>
+          <p:cNvSpPr/>
+          <p:nvPr/>
+        </p:nvSpPr>
+        <p:spPr>
+          <a:xfrm>
+            <a:off x="3107500" y="1349684"/>
+            <a:ext cx="582041" cy="366096"/>
+          </a:xfrm>
+          <a:prstGeom prst="rect">
+            <a:avLst/>
+          </a:prstGeom>
+        </p:spPr>
+        <p:style>
+          <a:lnRef idx="2">
+            <a:schemeClr val="dk1"/>
+          </a:lnRef>
+          <a:fillRef idx="1">
+            <a:schemeClr val="lt1"/>
+          </a:fillRef>
+          <a:effectRef idx="0">
+            <a:schemeClr val="dk1"/>
+          </a:effectRef>
+          <a:fontRef idx="minor">
+            <a:schemeClr val="dk1"/>
+          </a:fontRef>
+        </p:style>
+        <p:txBody>
+          <a:bodyPr rtlCol="0" anchor="ctr"/>
+          <a:lstStyle/>
+          <a:p>
+            <a:pPr algn="ctr"/>
+            <a:r>
+              <a:rPr lang="en-US" sz="800" dirty="0"/>
+              <a:t>Left Indicator</a:t>
+            </a:r>
+            <a:endParaRPr lang="en-CA" sz="800" dirty="0"/>
+          </a:p>
+        </p:txBody>
+      </p:sp>
+      <p:cxnSp>
+        <p:nvCxnSpPr>
+          <p:cNvPr id="11" name="连接符: 肘形 10">
+            <a:extLst>
+              <a:ext uri="{FF2B5EF4-FFF2-40B4-BE49-F238E27FC236}">
+                <a16:creationId xmlns:a16="http://schemas.microsoft.com/office/drawing/2014/main" id="{69E3343A-63E0-B99E-BA3B-0ADF2364E796}"/>
+              </a:ext>
+            </a:extLst>
+          </p:cNvPr>
+          <p:cNvCxnSpPr>
+            <a:cxnSpLocks/>
+            <a:stCxn id="5" idx="3"/>
+            <a:endCxn id="20" idx="2"/>
+          </p:cNvCxnSpPr>
+          <p:nvPr/>
+        </p:nvCxnSpPr>
+        <p:spPr>
+          <a:xfrm>
+            <a:off x="3689541" y="1532732"/>
+            <a:ext cx="3245065" cy="460051"/>
+          </a:xfrm>
+          <a:prstGeom prst="bentConnector3">
+            <a:avLst>
+              <a:gd name="adj1" fmla="val 50000"/>
+            </a:avLst>
+          </a:prstGeom>
+          <a:ln w="12700">
+            <a:solidFill>
+              <a:srgbClr val="000000">
+                <a:alpha val="50196"/>
+              </a:srgbClr>
+            </a:solidFill>
+          </a:ln>
+        </p:spPr>
+        <p:style>
+          <a:lnRef idx="3">
+            <a:schemeClr val="dk1"/>
+          </a:lnRef>
+          <a:fillRef idx="0">
+            <a:schemeClr val="dk1"/>
+          </a:fillRef>
+          <a:effectRef idx="2">
+            <a:schemeClr val="dk1"/>
+          </a:effectRef>
+          <a:fontRef idx="minor">
+            <a:schemeClr val="tx1"/>
+          </a:fontRef>
+        </p:style>
+      </p:cxnSp>
+      <p:sp>
+        <p:nvSpPr>
+          <p:cNvPr id="20" name="椭圆 19">
+            <a:extLst>
+              <a:ext uri="{FF2B5EF4-FFF2-40B4-BE49-F238E27FC236}">
+                <a16:creationId xmlns:a16="http://schemas.microsoft.com/office/drawing/2014/main" id="{C90BC273-5B9A-29CA-43A1-BE7818D2326A}"/>
+              </a:ext>
+            </a:extLst>
+          </p:cNvPr>
+          <p:cNvSpPr/>
+          <p:nvPr/>
+        </p:nvSpPr>
+        <p:spPr>
+          <a:xfrm>
+            <a:off x="6934606" y="1969923"/>
+            <a:ext cx="45719" cy="45719"/>
+          </a:xfrm>
+          <a:prstGeom prst="ellipse">
+            <a:avLst/>
+          </a:prstGeom>
+        </p:spPr>
+        <p:style>
+          <a:lnRef idx="2">
+            <a:schemeClr val="accent3">
+              <a:shade val="15000"/>
+            </a:schemeClr>
+          </a:lnRef>
+          <a:fillRef idx="1">
+            <a:schemeClr val="accent3"/>
+          </a:fillRef>
+          <a:effectRef idx="0">
+            <a:schemeClr val="accent3"/>
+          </a:effectRef>
+          <a:fontRef idx="minor">
+            <a:schemeClr val="lt1"/>
+          </a:fontRef>
+        </p:style>
+        <p:txBody>
+          <a:bodyPr rtlCol="0" anchor="ctr"/>
+          <a:lstStyle/>
+          <a:p>
+            <a:pPr algn="ctr"/>
+            <a:endParaRPr lang="en-CA"/>
+          </a:p>
+        </p:txBody>
+      </p:sp>
+      <p:cxnSp>
+        <p:nvCxnSpPr>
+          <p:cNvPr id="23" name="连接符: 肘形 22">
+            <a:extLst>
+              <a:ext uri="{FF2B5EF4-FFF2-40B4-BE49-F238E27FC236}">
+                <a16:creationId xmlns:a16="http://schemas.microsoft.com/office/drawing/2014/main" id="{05118BD5-B431-200D-C0C7-96A56BC13E8A}"/>
+              </a:ext>
+            </a:extLst>
+          </p:cNvPr>
+          <p:cNvCxnSpPr>
+            <a:cxnSpLocks/>
+            <a:stCxn id="5" idx="3"/>
+            <a:endCxn id="33" idx="2"/>
+          </p:cNvCxnSpPr>
+          <p:nvPr/>
+        </p:nvCxnSpPr>
+        <p:spPr>
+          <a:xfrm>
+            <a:off x="3689541" y="1532732"/>
+            <a:ext cx="3245065" cy="569872"/>
+          </a:xfrm>
+          <a:prstGeom prst="bentConnector3">
+            <a:avLst>
+              <a:gd name="adj1" fmla="val 50000"/>
+            </a:avLst>
+          </a:prstGeom>
+          <a:ln w="12700">
+            <a:solidFill>
+              <a:srgbClr val="000000">
+                <a:alpha val="50196"/>
+              </a:srgbClr>
+            </a:solidFill>
+          </a:ln>
+        </p:spPr>
+        <p:style>
+          <a:lnRef idx="3">
+            <a:schemeClr val="dk1"/>
+          </a:lnRef>
+          <a:fillRef idx="0">
+            <a:schemeClr val="dk1"/>
+          </a:fillRef>
+          <a:effectRef idx="2">
+            <a:schemeClr val="dk1"/>
+          </a:effectRef>
+          <a:fontRef idx="minor">
+            <a:schemeClr val="tx1"/>
+          </a:fontRef>
+        </p:style>
+      </p:cxnSp>
+      <p:sp>
+        <p:nvSpPr>
+          <p:cNvPr id="33" name="椭圆 32">
+            <a:extLst>
+              <a:ext uri="{FF2B5EF4-FFF2-40B4-BE49-F238E27FC236}">
+                <a16:creationId xmlns:a16="http://schemas.microsoft.com/office/drawing/2014/main" id="{C4391FF6-6AA7-DB10-1951-66044B917B42}"/>
+              </a:ext>
+            </a:extLst>
+          </p:cNvPr>
+          <p:cNvSpPr/>
+          <p:nvPr/>
+        </p:nvSpPr>
+        <p:spPr>
+          <a:xfrm>
+            <a:off x="6934606" y="2079744"/>
+            <a:ext cx="45719" cy="45719"/>
+          </a:xfrm>
+          <a:prstGeom prst="ellipse">
+            <a:avLst/>
+          </a:prstGeom>
+        </p:spPr>
+        <p:style>
+          <a:lnRef idx="2">
+            <a:schemeClr val="accent3">
+              <a:shade val="15000"/>
+            </a:schemeClr>
+          </a:lnRef>
+          <a:fillRef idx="1">
+            <a:schemeClr val="accent3"/>
+          </a:fillRef>
+          <a:effectRef idx="0">
+            <a:schemeClr val="accent3"/>
+          </a:effectRef>
+          <a:fontRef idx="minor">
+            <a:schemeClr val="lt1"/>
+          </a:fontRef>
+        </p:style>
+        <p:txBody>
+          <a:bodyPr rtlCol="0" anchor="ctr"/>
+          <a:lstStyle/>
+          <a:p>
+            <a:pPr algn="ctr"/>
+            <a:endParaRPr lang="en-CA" dirty="0"/>
+          </a:p>
+        </p:txBody>
+      </p:sp>
+      <p:sp>
+        <p:nvSpPr>
+          <p:cNvPr id="37" name="椭圆 36">
+            <a:extLst>
+              <a:ext uri="{FF2B5EF4-FFF2-40B4-BE49-F238E27FC236}">
+                <a16:creationId xmlns:a16="http://schemas.microsoft.com/office/drawing/2014/main" id="{15BD5929-F351-4316-D8AC-FA63FB53C131}"/>
+              </a:ext>
+            </a:extLst>
+          </p:cNvPr>
+          <p:cNvSpPr/>
+          <p:nvPr/>
+        </p:nvSpPr>
+        <p:spPr>
+          <a:xfrm>
+            <a:off x="6934606" y="2411596"/>
+            <a:ext cx="45719" cy="45719"/>
+          </a:xfrm>
+          <a:prstGeom prst="ellipse">
+            <a:avLst/>
+          </a:prstGeom>
+        </p:spPr>
+        <p:style>
+          <a:lnRef idx="2">
+            <a:schemeClr val="accent3">
+              <a:shade val="15000"/>
+            </a:schemeClr>
+          </a:lnRef>
+          <a:fillRef idx="1">
+            <a:schemeClr val="accent3"/>
+          </a:fillRef>
+          <a:effectRef idx="0">
+            <a:schemeClr val="accent3"/>
+          </a:effectRef>
+          <a:fontRef idx="minor">
+            <a:schemeClr val="lt1"/>
+          </a:fontRef>
+        </p:style>
+        <p:txBody>
+          <a:bodyPr rtlCol="0" anchor="ctr"/>
+          <a:lstStyle/>
+          <a:p>
+            <a:pPr algn="ctr"/>
+            <a:endParaRPr lang="en-CA" dirty="0"/>
+          </a:p>
+        </p:txBody>
+      </p:sp>
+      <p:cxnSp>
+        <p:nvCxnSpPr>
+          <p:cNvPr id="38" name="连接符: 肘形 37">
+            <a:extLst>
+              <a:ext uri="{FF2B5EF4-FFF2-40B4-BE49-F238E27FC236}">
+                <a16:creationId xmlns:a16="http://schemas.microsoft.com/office/drawing/2014/main" id="{D4757F5F-672D-15E6-67F5-A3DDF845CB99}"/>
+              </a:ext>
+            </a:extLst>
+          </p:cNvPr>
+          <p:cNvCxnSpPr>
+            <a:cxnSpLocks/>
+            <a:stCxn id="5" idx="3"/>
+            <a:endCxn id="37" idx="2"/>
+          </p:cNvCxnSpPr>
+          <p:nvPr/>
+        </p:nvCxnSpPr>
+        <p:spPr>
+          <a:xfrm>
+            <a:off x="3689541" y="1532732"/>
+            <a:ext cx="3245065" cy="901724"/>
+          </a:xfrm>
+          <a:prstGeom prst="bentConnector3">
+            <a:avLst>
+              <a:gd name="adj1" fmla="val 50000"/>
+            </a:avLst>
+          </a:prstGeom>
+          <a:ln w="12700">
+            <a:solidFill>
+              <a:srgbClr val="000000">
+                <a:alpha val="50196"/>
+              </a:srgbClr>
+            </a:solidFill>
+          </a:ln>
+        </p:spPr>
+        <p:style>
+          <a:lnRef idx="3">
+            <a:schemeClr val="dk1"/>
+          </a:lnRef>
+          <a:fillRef idx="0">
+            <a:schemeClr val="dk1"/>
+          </a:fillRef>
+          <a:effectRef idx="2">
+            <a:schemeClr val="dk1"/>
+          </a:effectRef>
+          <a:fontRef idx="minor">
+            <a:schemeClr val="tx1"/>
+          </a:fontRef>
+        </p:style>
+      </p:cxnSp>
+      <p:cxnSp>
+        <p:nvCxnSpPr>
+          <p:cNvPr id="42" name="连接符: 肘形 41">
+            <a:extLst>
+              <a:ext uri="{FF2B5EF4-FFF2-40B4-BE49-F238E27FC236}">
+                <a16:creationId xmlns:a16="http://schemas.microsoft.com/office/drawing/2014/main" id="{13602FA4-50A4-9B44-14B0-67F6C4BB61E0}"/>
+              </a:ext>
+            </a:extLst>
+          </p:cNvPr>
+          <p:cNvCxnSpPr>
+            <a:cxnSpLocks/>
+            <a:stCxn id="5" idx="2"/>
+            <a:endCxn id="48" idx="2"/>
+          </p:cNvCxnSpPr>
+          <p:nvPr/>
+        </p:nvCxnSpPr>
+        <p:spPr>
+          <a:xfrm rot="16200000" flipH="1">
+            <a:off x="4752698" y="361603"/>
+            <a:ext cx="827731" cy="3536084"/>
+          </a:xfrm>
+          <a:prstGeom prst="bentConnector2">
+            <a:avLst/>
+          </a:prstGeom>
+          <a:ln w="12700">
+            <a:solidFill>
+              <a:schemeClr val="accent1"/>
+            </a:solidFill>
+          </a:ln>
+        </p:spPr>
+        <p:style>
+          <a:lnRef idx="1">
+            <a:schemeClr val="dk1"/>
+          </a:lnRef>
+          <a:fillRef idx="0">
+            <a:schemeClr val="dk1"/>
+          </a:fillRef>
+          <a:effectRef idx="0">
+            <a:schemeClr val="dk1"/>
+          </a:effectRef>
+          <a:fontRef idx="minor">
+            <a:schemeClr val="tx1"/>
+          </a:fontRef>
+        </p:style>
+      </p:cxnSp>
+      <p:sp>
+        <p:nvSpPr>
+          <p:cNvPr id="48" name="椭圆 47">
+            <a:extLst>
+              <a:ext uri="{FF2B5EF4-FFF2-40B4-BE49-F238E27FC236}">
+                <a16:creationId xmlns:a16="http://schemas.microsoft.com/office/drawing/2014/main" id="{02E40E65-66EE-380B-D2C2-DE42BCC995B2}"/>
+              </a:ext>
+            </a:extLst>
+          </p:cNvPr>
+          <p:cNvSpPr/>
+          <p:nvPr/>
+        </p:nvSpPr>
+        <p:spPr>
+          <a:xfrm>
+            <a:off x="6934605" y="2520651"/>
+            <a:ext cx="45719" cy="45719"/>
+          </a:xfrm>
+          <a:prstGeom prst="ellipse">
+            <a:avLst/>
+          </a:prstGeom>
+        </p:spPr>
+        <p:style>
+          <a:lnRef idx="2">
+            <a:schemeClr val="accent3">
+              <a:shade val="15000"/>
+            </a:schemeClr>
+          </a:lnRef>
+          <a:fillRef idx="1">
+            <a:schemeClr val="accent3"/>
+          </a:fillRef>
+          <a:effectRef idx="0">
+            <a:schemeClr val="accent3"/>
+          </a:effectRef>
+          <a:fontRef idx="minor">
+            <a:schemeClr val="lt1"/>
+          </a:fontRef>
+        </p:style>
+        <p:txBody>
+          <a:bodyPr rtlCol="0" anchor="ctr"/>
+          <a:lstStyle/>
+          <a:p>
+            <a:pPr algn="ctr"/>
+            <a:endParaRPr lang="en-CA" dirty="0"/>
+          </a:p>
+        </p:txBody>
+      </p:sp>
+      <p:sp>
+        <p:nvSpPr>
+          <p:cNvPr id="51" name="椭圆 50">
+            <a:extLst>
+              <a:ext uri="{FF2B5EF4-FFF2-40B4-BE49-F238E27FC236}">
+                <a16:creationId xmlns:a16="http://schemas.microsoft.com/office/drawing/2014/main" id="{02EDB9C7-6131-FCA9-0C61-3E4198EF3582}"/>
+              </a:ext>
+            </a:extLst>
+          </p:cNvPr>
+          <p:cNvSpPr/>
+          <p:nvPr/>
+        </p:nvSpPr>
+        <p:spPr>
+          <a:xfrm>
+            <a:off x="7037000" y="2190839"/>
+            <a:ext cx="45719" cy="45719"/>
+          </a:xfrm>
+          <a:prstGeom prst="ellipse">
+            <a:avLst/>
+          </a:prstGeom>
+        </p:spPr>
+        <p:style>
+          <a:lnRef idx="2">
+            <a:schemeClr val="accent3">
+              <a:shade val="15000"/>
+            </a:schemeClr>
+          </a:lnRef>
+          <a:fillRef idx="1">
+            <a:schemeClr val="accent3"/>
+          </a:fillRef>
+          <a:effectRef idx="0">
+            <a:schemeClr val="accent3"/>
+          </a:effectRef>
+          <a:fontRef idx="minor">
+            <a:schemeClr val="lt1"/>
+          </a:fontRef>
+        </p:style>
+        <p:txBody>
+          <a:bodyPr rtlCol="0" anchor="ctr"/>
+          <a:lstStyle/>
+          <a:p>
+            <a:pPr algn="ctr"/>
+            <a:endParaRPr lang="en-CA" dirty="0"/>
+          </a:p>
+        </p:txBody>
+      </p:sp>
+      <p:cxnSp>
+        <p:nvCxnSpPr>
+          <p:cNvPr id="52" name="连接符: 肘形 51">
+            <a:extLst>
+              <a:ext uri="{FF2B5EF4-FFF2-40B4-BE49-F238E27FC236}">
+                <a16:creationId xmlns:a16="http://schemas.microsoft.com/office/drawing/2014/main" id="{DC6F0FF9-4699-A0EC-9E3C-DD64512C1A5C}"/>
+              </a:ext>
+            </a:extLst>
+          </p:cNvPr>
+          <p:cNvCxnSpPr>
+            <a:cxnSpLocks/>
+            <a:stCxn id="5" idx="2"/>
+            <a:endCxn id="51" idx="2"/>
+          </p:cNvCxnSpPr>
+          <p:nvPr/>
+        </p:nvCxnSpPr>
+        <p:spPr>
+          <a:xfrm rot="16200000" flipH="1">
+            <a:off x="4968801" y="145499"/>
+            <a:ext cx="497919" cy="3638479"/>
+          </a:xfrm>
+          <a:prstGeom prst="bentConnector2">
+            <a:avLst/>
+          </a:prstGeom>
+          <a:ln w="12700">
+            <a:solidFill>
+              <a:schemeClr val="accent1"/>
+            </a:solidFill>
+          </a:ln>
+        </p:spPr>
+        <p:style>
+          <a:lnRef idx="1">
+            <a:schemeClr val="dk1"/>
+          </a:lnRef>
+          <a:fillRef idx="0">
+            <a:schemeClr val="dk1"/>
+          </a:fillRef>
+          <a:effectRef idx="0">
+            <a:schemeClr val="dk1"/>
+          </a:effectRef>
+          <a:fontRef idx="minor">
+            <a:schemeClr val="tx1"/>
+          </a:fontRef>
+        </p:style>
+      </p:cxnSp>
+      <p:sp>
+        <p:nvSpPr>
+          <p:cNvPr id="58" name="椭圆 57">
+            <a:extLst>
+              <a:ext uri="{FF2B5EF4-FFF2-40B4-BE49-F238E27FC236}">
+                <a16:creationId xmlns:a16="http://schemas.microsoft.com/office/drawing/2014/main" id="{E0E45FBC-98EB-04D4-279C-14C79DCDB581}"/>
+              </a:ext>
+            </a:extLst>
+          </p:cNvPr>
+          <p:cNvSpPr/>
+          <p:nvPr/>
+        </p:nvSpPr>
+        <p:spPr>
+          <a:xfrm>
+            <a:off x="6934232" y="1747722"/>
+            <a:ext cx="45719" cy="45719"/>
+          </a:xfrm>
+          <a:prstGeom prst="ellipse">
+            <a:avLst/>
+          </a:prstGeom>
+        </p:spPr>
+        <p:style>
+          <a:lnRef idx="2">
+            <a:schemeClr val="accent3">
+              <a:shade val="15000"/>
+            </a:schemeClr>
+          </a:lnRef>
+          <a:fillRef idx="1">
+            <a:schemeClr val="accent3"/>
+          </a:fillRef>
+          <a:effectRef idx="0">
+            <a:schemeClr val="accent3"/>
+          </a:effectRef>
+          <a:fontRef idx="minor">
+            <a:schemeClr val="lt1"/>
+          </a:fontRef>
+        </p:style>
+        <p:txBody>
+          <a:bodyPr rtlCol="0" anchor="ctr"/>
+          <a:lstStyle/>
+          <a:p>
+            <a:pPr algn="ctr"/>
+            <a:endParaRPr lang="en-CA" dirty="0"/>
+          </a:p>
+        </p:txBody>
+      </p:sp>
+      <p:cxnSp>
+        <p:nvCxnSpPr>
+          <p:cNvPr id="1028" name="连接符: 肘形 1027">
+            <a:extLst>
+              <a:ext uri="{FF2B5EF4-FFF2-40B4-BE49-F238E27FC236}">
+                <a16:creationId xmlns:a16="http://schemas.microsoft.com/office/drawing/2014/main" id="{1ADA9EDA-1181-7A84-F696-5637CF0E9BEF}"/>
+              </a:ext>
+            </a:extLst>
+          </p:cNvPr>
+          <p:cNvCxnSpPr>
+            <a:cxnSpLocks/>
+            <a:stCxn id="5" idx="2"/>
+            <a:endCxn id="58" idx="2"/>
+          </p:cNvCxnSpPr>
+          <p:nvPr/>
+        </p:nvCxnSpPr>
+        <p:spPr>
+          <a:xfrm rot="16200000" flipH="1">
+            <a:off x="5138975" y="-24675"/>
+            <a:ext cx="54802" cy="3535711"/>
+          </a:xfrm>
+          <a:prstGeom prst="bentConnector2">
+            <a:avLst/>
+          </a:prstGeom>
+          <a:ln w="12700">
+            <a:solidFill>
+              <a:schemeClr val="accent1"/>
+            </a:solidFill>
+          </a:ln>
+        </p:spPr>
+        <p:style>
+          <a:lnRef idx="1">
+            <a:schemeClr val="dk1"/>
+          </a:lnRef>
+          <a:fillRef idx="0">
+            <a:schemeClr val="dk1"/>
+          </a:fillRef>
+          <a:effectRef idx="0">
+            <a:schemeClr val="dk1"/>
+          </a:effectRef>
+          <a:fontRef idx="minor">
+            <a:schemeClr val="tx1"/>
+          </a:fontRef>
+        </p:style>
+      </p:cxnSp>
+      <p:sp>
+        <p:nvSpPr>
+          <p:cNvPr id="1033" name="矩形 1032">
+            <a:extLst>
+              <a:ext uri="{FF2B5EF4-FFF2-40B4-BE49-F238E27FC236}">
+                <a16:creationId xmlns:a16="http://schemas.microsoft.com/office/drawing/2014/main" id="{89C7E2E0-4673-C9E2-0BCC-26ED8C116A6B}"/>
+              </a:ext>
+            </a:extLst>
+          </p:cNvPr>
+          <p:cNvSpPr/>
+          <p:nvPr/>
+        </p:nvSpPr>
+        <p:spPr>
+          <a:xfrm>
+            <a:off x="8435429" y="1426218"/>
+            <a:ext cx="582041" cy="366096"/>
+          </a:xfrm>
+          <a:prstGeom prst="rect">
+            <a:avLst/>
+          </a:prstGeom>
+        </p:spPr>
+        <p:style>
+          <a:lnRef idx="2">
+            <a:schemeClr val="dk1"/>
+          </a:lnRef>
+          <a:fillRef idx="1">
+            <a:schemeClr val="lt1"/>
+          </a:fillRef>
+          <a:effectRef idx="0">
+            <a:schemeClr val="dk1"/>
+          </a:effectRef>
+          <a:fontRef idx="minor">
+            <a:schemeClr val="dk1"/>
+          </a:fontRef>
+        </p:style>
+        <p:txBody>
+          <a:bodyPr rtlCol="0" anchor="ctr"/>
+          <a:lstStyle/>
+          <a:p>
+            <a:pPr algn="ctr"/>
+            <a:r>
+              <a:rPr lang="en-US" sz="800" dirty="0"/>
+              <a:t>Right Indicator</a:t>
+            </a:r>
+            <a:endParaRPr lang="en-CA" sz="800" dirty="0"/>
+          </a:p>
+        </p:txBody>
+      </p:sp>
+      <p:cxnSp>
+        <p:nvCxnSpPr>
+          <p:cNvPr id="1050" name="连接符: 肘形 1049">
+            <a:extLst>
+              <a:ext uri="{FF2B5EF4-FFF2-40B4-BE49-F238E27FC236}">
+                <a16:creationId xmlns:a16="http://schemas.microsoft.com/office/drawing/2014/main" id="{5ED34DD3-DD5B-22C0-416F-C1D8F03F42A5}"/>
+              </a:ext>
+            </a:extLst>
+          </p:cNvPr>
+          <p:cNvCxnSpPr>
+            <a:cxnSpLocks/>
+            <a:stCxn id="1033" idx="1"/>
+            <a:endCxn id="1055" idx="6"/>
+          </p:cNvCxnSpPr>
+          <p:nvPr/>
+        </p:nvCxnSpPr>
+        <p:spPr>
+          <a:xfrm rot="10800000">
+            <a:off x="6979951" y="995544"/>
+            <a:ext cx="1455479" cy="613723"/>
+          </a:xfrm>
+          <a:prstGeom prst="bentConnector3">
+            <a:avLst>
+              <a:gd name="adj1" fmla="val 50000"/>
+            </a:avLst>
+          </a:prstGeom>
+          <a:ln w="12700">
+            <a:solidFill>
+              <a:srgbClr val="000000">
+                <a:alpha val="50196"/>
+              </a:srgbClr>
+            </a:solidFill>
+          </a:ln>
+        </p:spPr>
+        <p:style>
+          <a:lnRef idx="3">
+            <a:schemeClr val="dk1"/>
+          </a:lnRef>
+          <a:fillRef idx="0">
+            <a:schemeClr val="dk1"/>
+          </a:fillRef>
+          <a:effectRef idx="2">
+            <a:schemeClr val="dk1"/>
+          </a:effectRef>
+          <a:fontRef idx="minor">
+            <a:schemeClr val="tx1"/>
+          </a:fontRef>
+        </p:style>
+      </p:cxnSp>
+      <p:sp>
+        <p:nvSpPr>
+          <p:cNvPr id="1055" name="椭圆 1054">
+            <a:extLst>
+              <a:ext uri="{FF2B5EF4-FFF2-40B4-BE49-F238E27FC236}">
+                <a16:creationId xmlns:a16="http://schemas.microsoft.com/office/drawing/2014/main" id="{CC347AEB-8F04-EE25-B164-A1DCDD9F7FE3}"/>
+              </a:ext>
+            </a:extLst>
+          </p:cNvPr>
+          <p:cNvSpPr/>
+          <p:nvPr/>
+        </p:nvSpPr>
+        <p:spPr>
+          <a:xfrm>
+            <a:off x="6934231" y="972683"/>
+            <a:ext cx="45719" cy="45719"/>
+          </a:xfrm>
+          <a:prstGeom prst="ellipse">
+            <a:avLst/>
+          </a:prstGeom>
+        </p:spPr>
+        <p:style>
+          <a:lnRef idx="2">
+            <a:schemeClr val="accent3">
+              <a:shade val="15000"/>
+            </a:schemeClr>
+          </a:lnRef>
+          <a:fillRef idx="1">
+            <a:schemeClr val="accent3"/>
+          </a:fillRef>
+          <a:effectRef idx="0">
+            <a:schemeClr val="accent3"/>
+          </a:effectRef>
+          <a:fontRef idx="minor">
+            <a:schemeClr val="lt1"/>
+          </a:fontRef>
+        </p:style>
+        <p:txBody>
+          <a:bodyPr rtlCol="0" anchor="ctr"/>
+          <a:lstStyle/>
+          <a:p>
+            <a:pPr algn="ctr"/>
+            <a:endParaRPr lang="en-CA" dirty="0"/>
+          </a:p>
+        </p:txBody>
+      </p:sp>
+      <p:cxnSp>
+        <p:nvCxnSpPr>
+          <p:cNvPr id="1057" name="连接符: 肘形 1056">
+            <a:extLst>
+              <a:ext uri="{FF2B5EF4-FFF2-40B4-BE49-F238E27FC236}">
+                <a16:creationId xmlns:a16="http://schemas.microsoft.com/office/drawing/2014/main" id="{C1E3FFDE-4055-40B9-04EB-369E2F7B8E55}"/>
+              </a:ext>
+            </a:extLst>
+          </p:cNvPr>
+          <p:cNvCxnSpPr>
+            <a:cxnSpLocks/>
+            <a:stCxn id="1033" idx="0"/>
+            <a:endCxn id="1060" idx="6"/>
+          </p:cNvCxnSpPr>
+          <p:nvPr/>
+        </p:nvCxnSpPr>
+        <p:spPr>
+          <a:xfrm rot="16200000" flipV="1">
+            <a:off x="7582812" y="282579"/>
+            <a:ext cx="540777" cy="1746501"/>
+          </a:xfrm>
+          <a:prstGeom prst="bentConnector2">
+            <a:avLst/>
+          </a:prstGeom>
+          <a:ln w="12700">
+            <a:solidFill>
+              <a:schemeClr val="accent1"/>
+            </a:solidFill>
+          </a:ln>
+        </p:spPr>
+        <p:style>
+          <a:lnRef idx="1">
+            <a:schemeClr val="dk1"/>
+          </a:lnRef>
+          <a:fillRef idx="0">
+            <a:schemeClr val="dk1"/>
+          </a:fillRef>
+          <a:effectRef idx="0">
+            <a:schemeClr val="dk1"/>
+          </a:effectRef>
+          <a:fontRef idx="minor">
+            <a:schemeClr val="tx1"/>
+          </a:fontRef>
+        </p:style>
+      </p:cxnSp>
+      <p:sp>
+        <p:nvSpPr>
+          <p:cNvPr id="1060" name="椭圆 1059">
+            <a:extLst>
+              <a:ext uri="{FF2B5EF4-FFF2-40B4-BE49-F238E27FC236}">
+                <a16:creationId xmlns:a16="http://schemas.microsoft.com/office/drawing/2014/main" id="{80059226-CCB7-5CBD-3491-AA051DE97285}"/>
+              </a:ext>
+            </a:extLst>
+          </p:cNvPr>
+          <p:cNvSpPr/>
+          <p:nvPr/>
+        </p:nvSpPr>
+        <p:spPr>
+          <a:xfrm>
+            <a:off x="6934230" y="862581"/>
+            <a:ext cx="45719" cy="45719"/>
+          </a:xfrm>
+          <a:prstGeom prst="ellipse">
+            <a:avLst/>
+          </a:prstGeom>
+        </p:spPr>
+        <p:style>
+          <a:lnRef idx="2">
+            <a:schemeClr val="accent3">
+              <a:shade val="15000"/>
+            </a:schemeClr>
+          </a:lnRef>
+          <a:fillRef idx="1">
+            <a:schemeClr val="accent3"/>
+          </a:fillRef>
+          <a:effectRef idx="0">
+            <a:schemeClr val="accent3"/>
+          </a:effectRef>
+          <a:fontRef idx="minor">
+            <a:schemeClr val="lt1"/>
+          </a:fontRef>
+        </p:style>
+        <p:txBody>
+          <a:bodyPr rtlCol="0" anchor="ctr"/>
+          <a:lstStyle/>
+          <a:p>
+            <a:pPr algn="ctr"/>
+            <a:endParaRPr lang="en-CA" dirty="0"/>
+          </a:p>
+        </p:txBody>
+      </p:sp>
+      <p:sp>
+        <p:nvSpPr>
+          <p:cNvPr id="1069" name="椭圆 1068">
+            <a:extLst>
+              <a:ext uri="{FF2B5EF4-FFF2-40B4-BE49-F238E27FC236}">
+                <a16:creationId xmlns:a16="http://schemas.microsoft.com/office/drawing/2014/main" id="{EBA5304B-354A-8D0A-D2FA-5FE472DFDBB3}"/>
+              </a:ext>
+            </a:extLst>
+          </p:cNvPr>
+          <p:cNvSpPr/>
+          <p:nvPr/>
+        </p:nvSpPr>
+        <p:spPr>
+          <a:xfrm>
+            <a:off x="6934230" y="1082201"/>
+            <a:ext cx="45719" cy="45719"/>
+          </a:xfrm>
+          <a:prstGeom prst="ellipse">
+            <a:avLst/>
+          </a:prstGeom>
+        </p:spPr>
+        <p:style>
+          <a:lnRef idx="2">
+            <a:schemeClr val="accent3">
+              <a:shade val="15000"/>
+            </a:schemeClr>
+          </a:lnRef>
+          <a:fillRef idx="1">
+            <a:schemeClr val="accent3"/>
+          </a:fillRef>
+          <a:effectRef idx="0">
+            <a:schemeClr val="accent3"/>
+          </a:effectRef>
+          <a:fontRef idx="minor">
+            <a:schemeClr val="lt1"/>
+          </a:fontRef>
+        </p:style>
+        <p:txBody>
+          <a:bodyPr rtlCol="0" anchor="ctr"/>
+          <a:lstStyle/>
+          <a:p>
+            <a:pPr algn="ctr"/>
+            <a:endParaRPr lang="en-CA" dirty="0"/>
+          </a:p>
+        </p:txBody>
+      </p:sp>
+      <p:cxnSp>
+        <p:nvCxnSpPr>
+          <p:cNvPr id="1070" name="连接符: 肘形 1069">
+            <a:extLst>
+              <a:ext uri="{FF2B5EF4-FFF2-40B4-BE49-F238E27FC236}">
+                <a16:creationId xmlns:a16="http://schemas.microsoft.com/office/drawing/2014/main" id="{D8E1837E-1E2A-8809-D6E7-FDF07AEC481F}"/>
+              </a:ext>
+            </a:extLst>
+          </p:cNvPr>
+          <p:cNvCxnSpPr>
+            <a:cxnSpLocks/>
+            <a:stCxn id="1033" idx="1"/>
+            <a:endCxn id="1069" idx="6"/>
+          </p:cNvCxnSpPr>
+          <p:nvPr/>
+        </p:nvCxnSpPr>
+        <p:spPr>
+          <a:xfrm rot="10800000">
+            <a:off x="6979949" y="1105062"/>
+            <a:ext cx="1455480" cy="504205"/>
+          </a:xfrm>
+          <a:prstGeom prst="bentConnector3">
+            <a:avLst>
+              <a:gd name="adj1" fmla="val 50000"/>
+            </a:avLst>
+          </a:prstGeom>
+          <a:ln w="12700">
+            <a:solidFill>
+              <a:srgbClr val="000000">
+                <a:alpha val="50196"/>
+              </a:srgbClr>
+            </a:solidFill>
+          </a:ln>
+        </p:spPr>
+        <p:style>
+          <a:lnRef idx="3">
+            <a:schemeClr val="dk1"/>
+          </a:lnRef>
+          <a:fillRef idx="0">
+            <a:schemeClr val="dk1"/>
+          </a:fillRef>
+          <a:effectRef idx="2">
+            <a:schemeClr val="dk1"/>
+          </a:effectRef>
+          <a:fontRef idx="minor">
+            <a:schemeClr val="tx1"/>
+          </a:fontRef>
+        </p:style>
+      </p:cxnSp>
+      <p:cxnSp>
+        <p:nvCxnSpPr>
+          <p:cNvPr id="1073" name="连接符: 肘形 1072">
+            <a:extLst>
+              <a:ext uri="{FF2B5EF4-FFF2-40B4-BE49-F238E27FC236}">
+                <a16:creationId xmlns:a16="http://schemas.microsoft.com/office/drawing/2014/main" id="{6D3F5615-5694-E520-C1FA-D9A41EB7A910}"/>
+              </a:ext>
+            </a:extLst>
+          </p:cNvPr>
+          <p:cNvCxnSpPr>
+            <a:cxnSpLocks/>
+            <a:stCxn id="1033" idx="0"/>
+            <a:endCxn id="1076" idx="6"/>
+          </p:cNvCxnSpPr>
+          <p:nvPr/>
+        </p:nvCxnSpPr>
+        <p:spPr>
+          <a:xfrm rot="16200000" flipV="1">
+            <a:off x="7522707" y="222474"/>
+            <a:ext cx="763756" cy="1643731"/>
+          </a:xfrm>
+          <a:prstGeom prst="bentConnector2">
+            <a:avLst/>
+          </a:prstGeom>
+          <a:ln w="12700">
+            <a:solidFill>
+              <a:schemeClr val="accent1"/>
+            </a:solidFill>
+          </a:ln>
+        </p:spPr>
+        <p:style>
+          <a:lnRef idx="1">
+            <a:schemeClr val="dk1"/>
+          </a:lnRef>
+          <a:fillRef idx="0">
+            <a:schemeClr val="dk1"/>
+          </a:fillRef>
+          <a:effectRef idx="0">
+            <a:schemeClr val="dk1"/>
+          </a:effectRef>
+          <a:fontRef idx="minor">
+            <a:schemeClr val="tx1"/>
+          </a:fontRef>
+        </p:style>
+      </p:cxnSp>
+      <p:sp>
+        <p:nvSpPr>
+          <p:cNvPr id="1076" name="椭圆 1075">
+            <a:extLst>
+              <a:ext uri="{FF2B5EF4-FFF2-40B4-BE49-F238E27FC236}">
+                <a16:creationId xmlns:a16="http://schemas.microsoft.com/office/drawing/2014/main" id="{5E0BB5AD-03B7-7DAA-9B8E-304A06C694B8}"/>
+              </a:ext>
+            </a:extLst>
+          </p:cNvPr>
+          <p:cNvSpPr/>
+          <p:nvPr/>
+        </p:nvSpPr>
+        <p:spPr>
+          <a:xfrm>
+            <a:off x="7037000" y="639602"/>
+            <a:ext cx="45719" cy="45719"/>
+          </a:xfrm>
+          <a:prstGeom prst="ellipse">
+            <a:avLst/>
+          </a:prstGeom>
+        </p:spPr>
+        <p:style>
+          <a:lnRef idx="2">
+            <a:schemeClr val="accent3">
+              <a:shade val="15000"/>
+            </a:schemeClr>
+          </a:lnRef>
+          <a:fillRef idx="1">
+            <a:schemeClr val="accent3"/>
+          </a:fillRef>
+          <a:effectRef idx="0">
+            <a:schemeClr val="accent3"/>
+          </a:effectRef>
+          <a:fontRef idx="minor">
+            <a:schemeClr val="lt1"/>
+          </a:fontRef>
+        </p:style>
+        <p:txBody>
+          <a:bodyPr rtlCol="0" anchor="ctr"/>
+          <a:lstStyle/>
+          <a:p>
+            <a:pPr algn="ctr"/>
+            <a:endParaRPr lang="en-CA" dirty="0"/>
+          </a:p>
+        </p:txBody>
+      </p:sp>
+      <p:sp>
+        <p:nvSpPr>
+          <p:cNvPr id="1078" name="椭圆 1077">
+            <a:extLst>
+              <a:ext uri="{FF2B5EF4-FFF2-40B4-BE49-F238E27FC236}">
+                <a16:creationId xmlns:a16="http://schemas.microsoft.com/office/drawing/2014/main" id="{2AFD37B3-C4D2-2DA6-C5BB-84F76024376B}"/>
+              </a:ext>
+            </a:extLst>
+          </p:cNvPr>
+          <p:cNvSpPr/>
+          <p:nvPr/>
+        </p:nvSpPr>
+        <p:spPr>
+          <a:xfrm>
+            <a:off x="6934230" y="1192042"/>
+            <a:ext cx="45719" cy="45719"/>
+          </a:xfrm>
+          <a:prstGeom prst="ellipse">
+            <a:avLst/>
+          </a:prstGeom>
+        </p:spPr>
+        <p:style>
+          <a:lnRef idx="2">
+            <a:schemeClr val="accent3">
+              <a:shade val="15000"/>
+            </a:schemeClr>
+          </a:lnRef>
+          <a:fillRef idx="1">
+            <a:schemeClr val="accent3"/>
+          </a:fillRef>
+          <a:effectRef idx="0">
+            <a:schemeClr val="accent3"/>
+          </a:effectRef>
+          <a:fontRef idx="minor">
+            <a:schemeClr val="lt1"/>
+          </a:fontRef>
+        </p:style>
+        <p:txBody>
+          <a:bodyPr rtlCol="0" anchor="ctr"/>
+          <a:lstStyle/>
+          <a:p>
+            <a:pPr algn="ctr"/>
+            <a:endParaRPr lang="en-CA" dirty="0"/>
+          </a:p>
+        </p:txBody>
+      </p:sp>
+      <p:sp>
+        <p:nvSpPr>
+          <p:cNvPr id="1079" name="椭圆 1078">
+            <a:extLst>
+              <a:ext uri="{FF2B5EF4-FFF2-40B4-BE49-F238E27FC236}">
+                <a16:creationId xmlns:a16="http://schemas.microsoft.com/office/drawing/2014/main" id="{47DFD4B4-9DE9-C466-6530-B618F5356FE8}"/>
+              </a:ext>
+            </a:extLst>
+          </p:cNvPr>
+          <p:cNvSpPr/>
+          <p:nvPr/>
+        </p:nvSpPr>
+        <p:spPr>
+          <a:xfrm>
+            <a:off x="7035651" y="1415495"/>
+            <a:ext cx="45719" cy="45719"/>
+          </a:xfrm>
+          <a:prstGeom prst="ellipse">
+            <a:avLst/>
+          </a:prstGeom>
+        </p:spPr>
+        <p:style>
+          <a:lnRef idx="2">
+            <a:schemeClr val="accent3">
+              <a:shade val="15000"/>
+            </a:schemeClr>
+          </a:lnRef>
+          <a:fillRef idx="1">
+            <a:schemeClr val="accent3"/>
+          </a:fillRef>
+          <a:effectRef idx="0">
+            <a:schemeClr val="accent3"/>
+          </a:effectRef>
+          <a:fontRef idx="minor">
+            <a:schemeClr val="lt1"/>
+          </a:fontRef>
+        </p:style>
+        <p:txBody>
+          <a:bodyPr rtlCol="0" anchor="ctr"/>
+          <a:lstStyle/>
+          <a:p>
+            <a:pPr algn="ctr"/>
+            <a:endParaRPr lang="en-CA" dirty="0"/>
+          </a:p>
+        </p:txBody>
+      </p:sp>
+      <p:cxnSp>
+        <p:nvCxnSpPr>
+          <p:cNvPr id="1080" name="连接符: 肘形 1079">
+            <a:extLst>
+              <a:ext uri="{FF2B5EF4-FFF2-40B4-BE49-F238E27FC236}">
+                <a16:creationId xmlns:a16="http://schemas.microsoft.com/office/drawing/2014/main" id="{820897AA-0315-33D9-D8FC-6418281A4F7D}"/>
+              </a:ext>
+            </a:extLst>
+          </p:cNvPr>
+          <p:cNvCxnSpPr>
+            <a:cxnSpLocks/>
+            <a:stCxn id="1033" idx="0"/>
+            <a:endCxn id="1079" idx="6"/>
+          </p:cNvCxnSpPr>
+          <p:nvPr/>
+        </p:nvCxnSpPr>
+        <p:spPr>
+          <a:xfrm rot="16200000" flipH="1" flipV="1">
+            <a:off x="7897841" y="609746"/>
+            <a:ext cx="12137" cy="1645080"/>
+          </a:xfrm>
+          <a:prstGeom prst="bentConnector4">
+            <a:avLst>
+              <a:gd name="adj1" fmla="val -1883497"/>
+              <a:gd name="adj2" fmla="val 58845"/>
+            </a:avLst>
+          </a:prstGeom>
+          <a:ln w="12700">
+            <a:solidFill>
+              <a:schemeClr val="accent1"/>
+            </a:solidFill>
+          </a:ln>
+        </p:spPr>
+        <p:style>
+          <a:lnRef idx="1">
+            <a:schemeClr val="dk1"/>
+          </a:lnRef>
+          <a:fillRef idx="0">
+            <a:schemeClr val="dk1"/>
+          </a:fillRef>
+          <a:effectRef idx="0">
+            <a:schemeClr val="dk1"/>
+          </a:effectRef>
+          <a:fontRef idx="minor">
+            <a:schemeClr val="tx1"/>
+          </a:fontRef>
+        </p:style>
+      </p:cxnSp>
     </p:spTree>
     <p:extLst>
       <p:ext uri="{BB962C8B-B14F-4D97-AF65-F5344CB8AC3E}">

--- a/design/Pin Config.pptx
+++ b/design/Pin Config.pptx
@@ -261,7 +261,7 @@
           <a:p>
             <a:fld id="{1EE067C5-B0D5-4C60-B88D-98EEA2B6AD97}" type="datetimeFigureOut">
               <a:rPr lang="en-CA" smtClean="0"/>
-              <a:t>2024-04-08</a:t>
+              <a:t>2024-04-12</a:t>
             </a:fld>
             <a:endParaRPr lang="en-CA"/>
           </a:p>
@@ -461,7 +461,7 @@
           <a:p>
             <a:fld id="{1EE067C5-B0D5-4C60-B88D-98EEA2B6AD97}" type="datetimeFigureOut">
               <a:rPr lang="en-CA" smtClean="0"/>
-              <a:t>2024-04-08</a:t>
+              <a:t>2024-04-12</a:t>
             </a:fld>
             <a:endParaRPr lang="en-CA"/>
           </a:p>
@@ -671,7 +671,7 @@
           <a:p>
             <a:fld id="{1EE067C5-B0D5-4C60-B88D-98EEA2B6AD97}" type="datetimeFigureOut">
               <a:rPr lang="en-CA" smtClean="0"/>
-              <a:t>2024-04-08</a:t>
+              <a:t>2024-04-12</a:t>
             </a:fld>
             <a:endParaRPr lang="en-CA"/>
           </a:p>
@@ -871,7 +871,7 @@
           <a:p>
             <a:fld id="{1EE067C5-B0D5-4C60-B88D-98EEA2B6AD97}" type="datetimeFigureOut">
               <a:rPr lang="en-CA" smtClean="0"/>
-              <a:t>2024-04-08</a:t>
+              <a:t>2024-04-12</a:t>
             </a:fld>
             <a:endParaRPr lang="en-CA"/>
           </a:p>
@@ -1147,7 +1147,7 @@
           <a:p>
             <a:fld id="{1EE067C5-B0D5-4C60-B88D-98EEA2B6AD97}" type="datetimeFigureOut">
               <a:rPr lang="en-CA" smtClean="0"/>
-              <a:t>2024-04-08</a:t>
+              <a:t>2024-04-12</a:t>
             </a:fld>
             <a:endParaRPr lang="en-CA"/>
           </a:p>
@@ -1415,7 +1415,7 @@
           <a:p>
             <a:fld id="{1EE067C5-B0D5-4C60-B88D-98EEA2B6AD97}" type="datetimeFigureOut">
               <a:rPr lang="en-CA" smtClean="0"/>
-              <a:t>2024-04-08</a:t>
+              <a:t>2024-04-12</a:t>
             </a:fld>
             <a:endParaRPr lang="en-CA"/>
           </a:p>
@@ -1830,7 +1830,7 @@
           <a:p>
             <a:fld id="{1EE067C5-B0D5-4C60-B88D-98EEA2B6AD97}" type="datetimeFigureOut">
               <a:rPr lang="en-CA" smtClean="0"/>
-              <a:t>2024-04-08</a:t>
+              <a:t>2024-04-12</a:t>
             </a:fld>
             <a:endParaRPr lang="en-CA"/>
           </a:p>
@@ -1972,7 +1972,7 @@
           <a:p>
             <a:fld id="{1EE067C5-B0D5-4C60-B88D-98EEA2B6AD97}" type="datetimeFigureOut">
               <a:rPr lang="en-CA" smtClean="0"/>
-              <a:t>2024-04-08</a:t>
+              <a:t>2024-04-12</a:t>
             </a:fld>
             <a:endParaRPr lang="en-CA"/>
           </a:p>
@@ -2085,7 +2085,7 @@
           <a:p>
             <a:fld id="{1EE067C5-B0D5-4C60-B88D-98EEA2B6AD97}" type="datetimeFigureOut">
               <a:rPr lang="en-CA" smtClean="0"/>
-              <a:t>2024-04-08</a:t>
+              <a:t>2024-04-12</a:t>
             </a:fld>
             <a:endParaRPr lang="en-CA"/>
           </a:p>
@@ -2398,7 +2398,7 @@
           <a:p>
             <a:fld id="{1EE067C5-B0D5-4C60-B88D-98EEA2B6AD97}" type="datetimeFigureOut">
               <a:rPr lang="en-CA" smtClean="0"/>
-              <a:t>2024-04-08</a:t>
+              <a:t>2024-04-12</a:t>
             </a:fld>
             <a:endParaRPr lang="en-CA"/>
           </a:p>
@@ -2687,7 +2687,7 @@
           <a:p>
             <a:fld id="{1EE067C5-B0D5-4C60-B88D-98EEA2B6AD97}" type="datetimeFigureOut">
               <a:rPr lang="en-CA" smtClean="0"/>
-              <a:t>2024-04-08</a:t>
+              <a:t>2024-04-12</a:t>
             </a:fld>
             <a:endParaRPr lang="en-CA"/>
           </a:p>
@@ -2930,7 +2930,7 @@
           <a:p>
             <a:fld id="{1EE067C5-B0D5-4C60-B88D-98EEA2B6AD97}" type="datetimeFigureOut">
               <a:rPr lang="en-CA" smtClean="0"/>
-              <a:t>2024-04-08</a:t>
+              <a:t>2024-04-12</a:t>
             </a:fld>
             <a:endParaRPr lang="en-CA"/>
           </a:p>
@@ -7411,7 +7411,7 @@
           </a:xfrm>
           <a:prstGeom prst="bentConnector3">
             <a:avLst>
-              <a:gd name="adj1" fmla="val 50000"/>
+              <a:gd name="adj1" fmla="val 7953"/>
             </a:avLst>
           </a:prstGeom>
           <a:ln w="12700">
@@ -7643,7 +7643,7 @@
           </a:xfrm>
           <a:prstGeom prst="bentConnector3">
             <a:avLst>
-              <a:gd name="adj1" fmla="val 50000"/>
+              <a:gd name="adj1" fmla="val 11063"/>
             </a:avLst>
           </a:prstGeom>
           <a:ln w="12700">
@@ -7875,8 +7875,8 @@
           </a:xfrm>
           <a:prstGeom prst="bentConnector4">
             <a:avLst>
-              <a:gd name="adj1" fmla="val -1883497"/>
-              <a:gd name="adj2" fmla="val 58845"/>
+              <a:gd name="adj1" fmla="val -863269"/>
+              <a:gd name="adj2" fmla="val 51511"/>
             </a:avLst>
           </a:prstGeom>
           <a:ln w="12700">
@@ -7893,6 +7893,54 @@
             <a:schemeClr val="dk1"/>
           </a:fillRef>
           <a:effectRef idx="0">
+            <a:schemeClr val="dk1"/>
+          </a:effectRef>
+          <a:fontRef idx="minor">
+            <a:schemeClr val="tx1"/>
+          </a:fontRef>
+        </p:style>
+      </p:cxnSp>
+      <p:cxnSp>
+        <p:nvCxnSpPr>
+          <p:cNvPr id="3" name="连接符: 肘形 2">
+            <a:extLst>
+              <a:ext uri="{FF2B5EF4-FFF2-40B4-BE49-F238E27FC236}">
+                <a16:creationId xmlns:a16="http://schemas.microsoft.com/office/drawing/2014/main" id="{E51E4052-874E-3CC0-B247-107E9A488AA4}"/>
+              </a:ext>
+            </a:extLst>
+          </p:cNvPr>
+          <p:cNvCxnSpPr>
+            <a:cxnSpLocks/>
+            <a:endCxn id="1078" idx="6"/>
+          </p:cNvCxnSpPr>
+          <p:nvPr/>
+        </p:nvCxnSpPr>
+        <p:spPr>
+          <a:xfrm rot="10800000">
+            <a:off x="6979949" y="1214903"/>
+            <a:ext cx="1455480" cy="394365"/>
+          </a:xfrm>
+          <a:prstGeom prst="bentConnector3">
+            <a:avLst>
+              <a:gd name="adj1" fmla="val 14171"/>
+            </a:avLst>
+          </a:prstGeom>
+          <a:ln w="12700">
+            <a:solidFill>
+              <a:srgbClr val="000000">
+                <a:alpha val="50196"/>
+              </a:srgbClr>
+            </a:solidFill>
+          </a:ln>
+        </p:spPr>
+        <p:style>
+          <a:lnRef idx="3">
+            <a:schemeClr val="dk1"/>
+          </a:lnRef>
+          <a:fillRef idx="0">
+            <a:schemeClr val="dk1"/>
+          </a:fillRef>
+          <a:effectRef idx="2">
             <a:schemeClr val="dk1"/>
           </a:effectRef>
           <a:fontRef idx="minor">
